--- a/“Space Cleaner” Обзор игры.pptx
+++ b/“Space Cleaner” Обзор игры.pptx
@@ -1,41 +1,41 @@
 
 <file path=ppt/presentation.xml><?xml version="1.0" encoding="utf-8"?>
-<p:presentation xmlns:a="http://schemas.openxmlformats.org/drawingml/2006/main" xmlns:r="http://schemas.openxmlformats.org/officeDocument/2006/relationships" xmlns:mc="http://schemas.openxmlformats.org/markup-compatibility/2006" xmlns:mv="urn:schemas-microsoft-com:mac:vml" xmlns:p="http://schemas.openxmlformats.org/presentationml/2006/main" xmlns:c="http://schemas.openxmlformats.org/drawingml/2006/chart" xmlns:dgm="http://schemas.openxmlformats.org/drawingml/2006/diagram" xmlns:o="urn:schemas-microsoft-com:office:office" xmlns:v="urn:schemas-microsoft-com:vml" xmlns:pvml="urn:schemas-microsoft-com:office:powerpoint" xmlns:com="http://schemas.openxmlformats.org/drawingml/2006/compatibility" xmlns:p14="http://schemas.microsoft.com/office/powerpoint/2010/main" xmlns:p15="http://schemas.microsoft.com/office/powerpoint/2012/main" xmlns:ahyp="http://schemas.microsoft.com/office/drawing/2018/hyperlinkcolor" autoCompressPictures="0" embedTrueTypeFonts="1" strictFirstAndLastChars="0" saveSubsetFonts="1">
+<p:presentation xmlns:a="http://schemas.openxmlformats.org/drawingml/2006/main" xmlns:r="http://schemas.openxmlformats.org/officeDocument/2006/relationships" xmlns:p="http://schemas.openxmlformats.org/presentationml/2006/main" strictFirstAndLastChars="0" embedTrueTypeFonts="1" saveSubsetFonts="1" autoCompressPictures="0">
   <p:sldMasterIdLst>
-    <p:sldMasterId id="2147483659" r:id="rId4"/>
+    <p:sldMasterId id="2147483659" r:id="rId1"/>
   </p:sldMasterIdLst>
   <p:notesMasterIdLst>
-    <p:notesMasterId r:id="rId5"/>
+    <p:notesMasterId r:id="rId11"/>
   </p:notesMasterIdLst>
   <p:sldIdLst>
-    <p:sldId id="256" r:id="rId6"/>
-    <p:sldId id="257" r:id="rId7"/>
-    <p:sldId id="258" r:id="rId8"/>
-    <p:sldId id="259" r:id="rId9"/>
-    <p:sldId id="260" r:id="rId10"/>
-    <p:sldId id="261" r:id="rId11"/>
-    <p:sldId id="262" r:id="rId12"/>
-    <p:sldId id="263" r:id="rId13"/>
-    <p:sldId id="264" r:id="rId14"/>
+    <p:sldId id="256" r:id="rId2"/>
+    <p:sldId id="257" r:id="rId3"/>
+    <p:sldId id="258" r:id="rId4"/>
+    <p:sldId id="259" r:id="rId5"/>
+    <p:sldId id="260" r:id="rId6"/>
+    <p:sldId id="261" r:id="rId7"/>
+    <p:sldId id="262" r:id="rId8"/>
+    <p:sldId id="263" r:id="rId9"/>
+    <p:sldId id="264" r:id="rId10"/>
   </p:sldIdLst>
-  <p:sldSz cy="5143500" cx="9144000"/>
+  <p:sldSz cx="9144000" cy="5143500" type="screen16x9"/>
   <p:notesSz cx="6858000" cy="9144000"/>
   <p:embeddedFontLst>
     <p:embeddedFont>
-      <p:font typeface="Roboto Slab"/>
-      <p:regular r:id="rId15"/>
-      <p:bold r:id="rId16"/>
+      <p:font typeface="Roboto" panose="020B0604020202020204" charset="0"/>
+      <p:regular r:id="rId12"/>
+      <p:bold r:id="rId13"/>
+      <p:italic r:id="rId14"/>
+      <p:boldItalic r:id="rId15"/>
     </p:embeddedFont>
     <p:embeddedFont>
-      <p:font typeface="Roboto"/>
-      <p:regular r:id="rId17"/>
-      <p:bold r:id="rId18"/>
-      <p:italic r:id="rId19"/>
-      <p:boldItalic r:id="rId20"/>
+      <p:font typeface="Roboto Slab" panose="020B0604020202020204" charset="0"/>
+      <p:regular r:id="rId16"/>
+      <p:bold r:id="rId17"/>
     </p:embeddedFont>
   </p:embeddedFontLst>
   <p:defaultTextStyle>
-    <a:defPPr lvl="0" marR="0" rtl="0" algn="l">
+    <a:defPPr marR="0" lvl="0" algn="l" rtl="0">
       <a:lnSpc>
         <a:spcPct val="100000"/>
       </a:lnSpc>
@@ -46,7 +46,7 @@
         <a:spcPts val="0"/>
       </a:spcAft>
     </a:defPPr>
-    <a:lvl1pPr lvl="0" marR="0" rtl="0" algn="l">
+    <a:lvl1pPr marR="0" lvl="0" algn="l" rtl="0">
       <a:lnSpc>
         <a:spcPct val="100000"/>
       </a:lnSpc>
@@ -60,7 +60,7 @@
         <a:srgbClr val="000000"/>
       </a:buClr>
       <a:buFont typeface="Arial"/>
-      <a:defRPr b="0" i="0" sz="1400" u="none" cap="none" strike="noStrike">
+      <a:defRPr sz="1400" b="0" i="0" u="none" strike="noStrike" cap="none">
         <a:solidFill>
           <a:srgbClr val="000000"/>
         </a:solidFill>
@@ -70,7 +70,7 @@
         <a:sym typeface="Arial"/>
       </a:defRPr>
     </a:lvl1pPr>
-    <a:lvl2pPr lvl="1" marR="0" rtl="0" algn="l">
+    <a:lvl2pPr marR="0" lvl="1" algn="l" rtl="0">
       <a:lnSpc>
         <a:spcPct val="100000"/>
       </a:lnSpc>
@@ -84,7 +84,7 @@
         <a:srgbClr val="000000"/>
       </a:buClr>
       <a:buFont typeface="Arial"/>
-      <a:defRPr b="0" i="0" sz="1400" u="none" cap="none" strike="noStrike">
+      <a:defRPr sz="1400" b="0" i="0" u="none" strike="noStrike" cap="none">
         <a:solidFill>
           <a:srgbClr val="000000"/>
         </a:solidFill>
@@ -94,7 +94,7 @@
         <a:sym typeface="Arial"/>
       </a:defRPr>
     </a:lvl2pPr>
-    <a:lvl3pPr lvl="2" marR="0" rtl="0" algn="l">
+    <a:lvl3pPr marR="0" lvl="2" algn="l" rtl="0">
       <a:lnSpc>
         <a:spcPct val="100000"/>
       </a:lnSpc>
@@ -108,7 +108,7 @@
         <a:srgbClr val="000000"/>
       </a:buClr>
       <a:buFont typeface="Arial"/>
-      <a:defRPr b="0" i="0" sz="1400" u="none" cap="none" strike="noStrike">
+      <a:defRPr sz="1400" b="0" i="0" u="none" strike="noStrike" cap="none">
         <a:solidFill>
           <a:srgbClr val="000000"/>
         </a:solidFill>
@@ -118,7 +118,7 @@
         <a:sym typeface="Arial"/>
       </a:defRPr>
     </a:lvl3pPr>
-    <a:lvl4pPr lvl="3" marR="0" rtl="0" algn="l">
+    <a:lvl4pPr marR="0" lvl="3" algn="l" rtl="0">
       <a:lnSpc>
         <a:spcPct val="100000"/>
       </a:lnSpc>
@@ -132,7 +132,7 @@
         <a:srgbClr val="000000"/>
       </a:buClr>
       <a:buFont typeface="Arial"/>
-      <a:defRPr b="0" i="0" sz="1400" u="none" cap="none" strike="noStrike">
+      <a:defRPr sz="1400" b="0" i="0" u="none" strike="noStrike" cap="none">
         <a:solidFill>
           <a:srgbClr val="000000"/>
         </a:solidFill>
@@ -142,7 +142,7 @@
         <a:sym typeface="Arial"/>
       </a:defRPr>
     </a:lvl4pPr>
-    <a:lvl5pPr lvl="4" marR="0" rtl="0" algn="l">
+    <a:lvl5pPr marR="0" lvl="4" algn="l" rtl="0">
       <a:lnSpc>
         <a:spcPct val="100000"/>
       </a:lnSpc>
@@ -156,7 +156,7 @@
         <a:srgbClr val="000000"/>
       </a:buClr>
       <a:buFont typeface="Arial"/>
-      <a:defRPr b="0" i="0" sz="1400" u="none" cap="none" strike="noStrike">
+      <a:defRPr sz="1400" b="0" i="0" u="none" strike="noStrike" cap="none">
         <a:solidFill>
           <a:srgbClr val="000000"/>
         </a:solidFill>
@@ -166,7 +166,7 @@
         <a:sym typeface="Arial"/>
       </a:defRPr>
     </a:lvl5pPr>
-    <a:lvl6pPr lvl="5" marR="0" rtl="0" algn="l">
+    <a:lvl6pPr marR="0" lvl="5" algn="l" rtl="0">
       <a:lnSpc>
         <a:spcPct val="100000"/>
       </a:lnSpc>
@@ -180,7 +180,7 @@
         <a:srgbClr val="000000"/>
       </a:buClr>
       <a:buFont typeface="Arial"/>
-      <a:defRPr b="0" i="0" sz="1400" u="none" cap="none" strike="noStrike">
+      <a:defRPr sz="1400" b="0" i="0" u="none" strike="noStrike" cap="none">
         <a:solidFill>
           <a:srgbClr val="000000"/>
         </a:solidFill>
@@ -190,7 +190,7 @@
         <a:sym typeface="Arial"/>
       </a:defRPr>
     </a:lvl6pPr>
-    <a:lvl7pPr lvl="6" marR="0" rtl="0" algn="l">
+    <a:lvl7pPr marR="0" lvl="6" algn="l" rtl="0">
       <a:lnSpc>
         <a:spcPct val="100000"/>
       </a:lnSpc>
@@ -204,7 +204,7 @@
         <a:srgbClr val="000000"/>
       </a:buClr>
       <a:buFont typeface="Arial"/>
-      <a:defRPr b="0" i="0" sz="1400" u="none" cap="none" strike="noStrike">
+      <a:defRPr sz="1400" b="0" i="0" u="none" strike="noStrike" cap="none">
         <a:solidFill>
           <a:srgbClr val="000000"/>
         </a:solidFill>
@@ -214,7 +214,7 @@
         <a:sym typeface="Arial"/>
       </a:defRPr>
     </a:lvl7pPr>
-    <a:lvl8pPr lvl="7" marR="0" rtl="0" algn="l">
+    <a:lvl8pPr marR="0" lvl="7" algn="l" rtl="0">
       <a:lnSpc>
         <a:spcPct val="100000"/>
       </a:lnSpc>
@@ -228,7 +228,7 @@
         <a:srgbClr val="000000"/>
       </a:buClr>
       <a:buFont typeface="Arial"/>
-      <a:defRPr b="0" i="0" sz="1400" u="none" cap="none" strike="noStrike">
+      <a:defRPr sz="1400" b="0" i="0" u="none" strike="noStrike" cap="none">
         <a:solidFill>
           <a:srgbClr val="000000"/>
         </a:solidFill>
@@ -238,7 +238,7 @@
         <a:sym typeface="Arial"/>
       </a:defRPr>
     </a:lvl8pPr>
-    <a:lvl9pPr lvl="8" marR="0" rtl="0" algn="l">
+    <a:lvl9pPr marR="0" lvl="8" algn="l" rtl="0">
       <a:lnSpc>
         <a:spcPct val="100000"/>
       </a:lnSpc>
@@ -252,7 +252,7 @@
         <a:srgbClr val="000000"/>
       </a:buClr>
       <a:buFont typeface="Arial"/>
-      <a:defRPr b="0" i="0" sz="1400" u="none" cap="none" strike="noStrike">
+      <a:defRPr sz="1400" b="0" i="0" u="none" strike="noStrike" cap="none">
         <a:solidFill>
           <a:srgbClr val="000000"/>
         </a:solidFill>
@@ -265,7 +265,7 @@
   </p:defaultTextStyle>
   <p:extLst>
     <p:ext uri="{EFAFB233-063F-42B5-8137-9DF3F51BA10A}">
-      <p15:sldGuideLst>
+      <p15:sldGuideLst xmlns:p15="http://schemas.microsoft.com/office/powerpoint/2012/main">
         <p15:guide id="1" orient="horz" pos="1620">
           <p15:clr>
             <a:srgbClr val="747775"/>
@@ -283,11 +283,16 @@
 </file>
 
 <file path=ppt/notesMasters/notesMaster1.xml><?xml version="1.0" encoding="utf-8"?>
-<p:notesMaster xmlns:a="http://schemas.openxmlformats.org/drawingml/2006/main" xmlns:r="http://schemas.openxmlformats.org/officeDocument/2006/relationships" xmlns:mc="http://schemas.openxmlformats.org/markup-compatibility/2006" xmlns:mv="urn:schemas-microsoft-com:mac:vml" xmlns:p="http://schemas.openxmlformats.org/presentationml/2006/main" xmlns:c="http://schemas.openxmlformats.org/drawingml/2006/chart" xmlns:dgm="http://schemas.openxmlformats.org/drawingml/2006/diagram" xmlns:o="urn:schemas-microsoft-com:office:office" xmlns:v="urn:schemas-microsoft-com:vml" xmlns:pvml="urn:schemas-microsoft-com:office:powerpoint" xmlns:com="http://schemas.openxmlformats.org/drawingml/2006/compatibility" xmlns:p14="http://schemas.microsoft.com/office/powerpoint/2010/main" xmlns:p15="http://schemas.microsoft.com/office/powerpoint/2012/main" xmlns:ahyp="http://schemas.microsoft.com/office/drawing/2018/hyperlinkcolor">
+<p:notesMaster xmlns:a="http://schemas.openxmlformats.org/drawingml/2006/main" xmlns:r="http://schemas.openxmlformats.org/officeDocument/2006/relationships" xmlns:p="http://schemas.openxmlformats.org/presentationml/2006/main">
   <p:cSld>
+    <p:bg>
+      <p:bgRef idx="1001">
+        <a:schemeClr val="bg1"/>
+      </p:bgRef>
+    </p:bg>
     <p:spTree>
       <p:nvGrpSpPr>
-        <p:cNvPr id="2" name="Shape 2"/>
+        <p:cNvPr id="1" name="Shape 2"/>
         <p:cNvGrpSpPr/>
         <p:nvPr/>
       </p:nvGrpSpPr>
@@ -302,9 +307,11 @@
       <p:sp>
         <p:nvSpPr>
           <p:cNvPr id="3" name="Google Shape;3;n"/>
-          <p:cNvSpPr/>
+          <p:cNvSpPr>
+            <a:spLocks noGrp="1" noRot="1" noChangeAspect="1"/>
+          </p:cNvSpPr>
           <p:nvPr>
-            <p:ph idx="2" type="sldImg"/>
+            <p:ph type="sldImg" idx="2"/>
           </p:nvPr>
         </p:nvSpPr>
         <p:spPr>
@@ -313,9 +320,13 @@
             <a:ext cx="6096075" cy="3429000"/>
           </a:xfrm>
           <a:custGeom>
-            <a:rect b="b" l="l" r="r" t="t"/>
+            <a:avLst/>
+            <a:gdLst/>
+            <a:ahLst/>
+            <a:cxnLst/>
+            <a:rect l="l" t="t" r="r" b="b"/>
             <a:pathLst>
-              <a:path extrusionOk="0" h="120000" w="120000">
+              <a:path w="120000" h="120000" extrusionOk="0">
                 <a:moveTo>
                   <a:pt x="0" y="0"/>
                 </a:moveTo>
@@ -333,23 +344,25 @@
             </a:pathLst>
           </a:custGeom>
           <a:noFill/>
-          <a:ln cap="flat" cmpd="sng" w="9525">
+          <a:ln w="9525" cap="flat" cmpd="sng">
             <a:solidFill>
               <a:srgbClr val="000000"/>
             </a:solidFill>
             <a:prstDash val="solid"/>
             <a:round/>
-            <a:headEnd len="sm" w="sm" type="none"/>
-            <a:tailEnd len="sm" w="sm" type="none"/>
+            <a:headEnd type="none" w="sm" len="sm"/>
+            <a:tailEnd type="none" w="sm" len="sm"/>
           </a:ln>
         </p:spPr>
       </p:sp>
       <p:sp>
         <p:nvSpPr>
           <p:cNvPr id="4" name="Google Shape;4;n"/>
-          <p:cNvSpPr txBox="1"/>
+          <p:cNvSpPr txBox="1">
+            <a:spLocks noGrp="1"/>
+          </p:cNvSpPr>
           <p:nvPr>
-            <p:ph idx="1" type="body"/>
+            <p:ph type="body" idx="1"/>
           </p:nvPr>
         </p:nvSpPr>
         <p:spPr>
@@ -366,11 +379,11 @@
           </a:ln>
         </p:spPr>
         <p:txBody>
-          <a:bodyPr anchorCtr="0" anchor="t" bIns="91425" lIns="91425" spcFirstLastPara="1" rIns="91425" wrap="square" tIns="91425">
+          <a:bodyPr spcFirstLastPara="1" wrap="square" lIns="91425" tIns="91425" rIns="91425" bIns="91425" anchor="t" anchorCtr="0">
             <a:noAutofit/>
           </a:bodyPr>
           <a:lstStyle>
-            <a:lvl1pPr indent="-298450" lvl="0" marL="457200">
+            <a:lvl1pPr marL="457200" lvl="0" indent="-298450">
               <a:spcBef>
                 <a:spcPts val="0"/>
               </a:spcBef>
@@ -381,7 +394,7 @@
               <a:buChar char="●"/>
               <a:defRPr sz="1100"/>
             </a:lvl1pPr>
-            <a:lvl2pPr indent="-298450" lvl="1" marL="914400">
+            <a:lvl2pPr marL="914400" lvl="1" indent="-298450">
               <a:spcBef>
                 <a:spcPts val="0"/>
               </a:spcBef>
@@ -392,7 +405,7 @@
               <a:buChar char="○"/>
               <a:defRPr sz="1100"/>
             </a:lvl2pPr>
-            <a:lvl3pPr indent="-298450" lvl="2" marL="1371600">
+            <a:lvl3pPr marL="1371600" lvl="2" indent="-298450">
               <a:spcBef>
                 <a:spcPts val="0"/>
               </a:spcBef>
@@ -403,7 +416,7 @@
               <a:buChar char="■"/>
               <a:defRPr sz="1100"/>
             </a:lvl3pPr>
-            <a:lvl4pPr indent="-298450" lvl="3" marL="1828800">
+            <a:lvl4pPr marL="1828800" lvl="3" indent="-298450">
               <a:spcBef>
                 <a:spcPts val="0"/>
               </a:spcBef>
@@ -414,7 +427,7 @@
               <a:buChar char="●"/>
               <a:defRPr sz="1100"/>
             </a:lvl4pPr>
-            <a:lvl5pPr indent="-298450" lvl="4" marL="2286000">
+            <a:lvl5pPr marL="2286000" lvl="4" indent="-298450">
               <a:spcBef>
                 <a:spcPts val="0"/>
               </a:spcBef>
@@ -425,7 +438,7 @@
               <a:buChar char="○"/>
               <a:defRPr sz="1100"/>
             </a:lvl5pPr>
-            <a:lvl6pPr indent="-298450" lvl="5" marL="2743200">
+            <a:lvl6pPr marL="2743200" lvl="5" indent="-298450">
               <a:spcBef>
                 <a:spcPts val="0"/>
               </a:spcBef>
@@ -436,7 +449,7 @@
               <a:buChar char="■"/>
               <a:defRPr sz="1100"/>
             </a:lvl6pPr>
-            <a:lvl7pPr indent="-298450" lvl="6" marL="3200400">
+            <a:lvl7pPr marL="3200400" lvl="6" indent="-298450">
               <a:spcBef>
                 <a:spcPts val="0"/>
               </a:spcBef>
@@ -447,7 +460,7 @@
               <a:buChar char="●"/>
               <a:defRPr sz="1100"/>
             </a:lvl7pPr>
-            <a:lvl8pPr indent="-298450" lvl="7" marL="3657600">
+            <a:lvl8pPr marL="3657600" lvl="7" indent="-298450">
               <a:spcBef>
                 <a:spcPts val="0"/>
               </a:spcBef>
@@ -458,7 +471,7 @@
               <a:buChar char="○"/>
               <a:defRPr sz="1100"/>
             </a:lvl8pPr>
-            <a:lvl9pPr indent="-298450" lvl="8" marL="4114800">
+            <a:lvl9pPr marL="4114800" lvl="8" indent="-298450">
               <a:spcBef>
                 <a:spcPts val="0"/>
               </a:spcBef>
@@ -470,14 +483,16 @@
               <a:defRPr sz="1100"/>
             </a:lvl9pPr>
           </a:lstStyle>
-          <a:p/>
+          <a:p>
+            <a:endParaRPr/>
+          </a:p>
         </p:txBody>
       </p:sp>
     </p:spTree>
   </p:cSld>
-  <p:clrMap accent1="accent1" accent2="accent2" accent3="accent3" accent4="accent4" accent5="accent5" accent6="accent6" bg1="lt1" bg2="dk2" tx1="dk1" tx2="lt2" folHlink="folHlink" hlink="hlink"/>
+  <p:clrMap bg1="lt1" tx1="dk1" bg2="dk2" tx2="lt2" accent1="accent1" accent2="accent2" accent3="accent3" accent4="accent4" accent5="accent5" accent6="accent6" hlink="hlink" folHlink="folHlink"/>
   <p:notesStyle>
-    <a:defPPr lvl="0" marR="0" rtl="0" algn="l">
+    <a:defPPr marR="0" lvl="0" algn="l" rtl="0">
       <a:lnSpc>
         <a:spcPct val="100000"/>
       </a:lnSpc>
@@ -488,7 +503,7 @@
         <a:spcPts val="0"/>
       </a:spcAft>
     </a:defPPr>
-    <a:lvl1pPr lvl="0" marR="0" rtl="0" algn="l">
+    <a:lvl1pPr marR="0" lvl="0" algn="l" rtl="0">
       <a:lnSpc>
         <a:spcPct val="100000"/>
       </a:lnSpc>
@@ -502,7 +517,7 @@
         <a:srgbClr val="000000"/>
       </a:buClr>
       <a:buFont typeface="Arial"/>
-      <a:defRPr b="0" i="0" sz="1400" u="none" cap="none" strike="noStrike">
+      <a:defRPr sz="1400" b="0" i="0" u="none" strike="noStrike" cap="none">
         <a:solidFill>
           <a:srgbClr val="000000"/>
         </a:solidFill>
@@ -512,7 +527,7 @@
         <a:sym typeface="Arial"/>
       </a:defRPr>
     </a:lvl1pPr>
-    <a:lvl2pPr lvl="1" marR="0" rtl="0" algn="l">
+    <a:lvl2pPr marR="0" lvl="1" algn="l" rtl="0">
       <a:lnSpc>
         <a:spcPct val="100000"/>
       </a:lnSpc>
@@ -526,7 +541,7 @@
         <a:srgbClr val="000000"/>
       </a:buClr>
       <a:buFont typeface="Arial"/>
-      <a:defRPr b="0" i="0" sz="1400" u="none" cap="none" strike="noStrike">
+      <a:defRPr sz="1400" b="0" i="0" u="none" strike="noStrike" cap="none">
         <a:solidFill>
           <a:srgbClr val="000000"/>
         </a:solidFill>
@@ -536,7 +551,7 @@
         <a:sym typeface="Arial"/>
       </a:defRPr>
     </a:lvl2pPr>
-    <a:lvl3pPr lvl="2" marR="0" rtl="0" algn="l">
+    <a:lvl3pPr marR="0" lvl="2" algn="l" rtl="0">
       <a:lnSpc>
         <a:spcPct val="100000"/>
       </a:lnSpc>
@@ -550,7 +565,7 @@
         <a:srgbClr val="000000"/>
       </a:buClr>
       <a:buFont typeface="Arial"/>
-      <a:defRPr b="0" i="0" sz="1400" u="none" cap="none" strike="noStrike">
+      <a:defRPr sz="1400" b="0" i="0" u="none" strike="noStrike" cap="none">
         <a:solidFill>
           <a:srgbClr val="000000"/>
         </a:solidFill>
@@ -560,7 +575,7 @@
         <a:sym typeface="Arial"/>
       </a:defRPr>
     </a:lvl3pPr>
-    <a:lvl4pPr lvl="3" marR="0" rtl="0" algn="l">
+    <a:lvl4pPr marR="0" lvl="3" algn="l" rtl="0">
       <a:lnSpc>
         <a:spcPct val="100000"/>
       </a:lnSpc>
@@ -574,7 +589,7 @@
         <a:srgbClr val="000000"/>
       </a:buClr>
       <a:buFont typeface="Arial"/>
-      <a:defRPr b="0" i="0" sz="1400" u="none" cap="none" strike="noStrike">
+      <a:defRPr sz="1400" b="0" i="0" u="none" strike="noStrike" cap="none">
         <a:solidFill>
           <a:srgbClr val="000000"/>
         </a:solidFill>
@@ -584,7 +599,7 @@
         <a:sym typeface="Arial"/>
       </a:defRPr>
     </a:lvl4pPr>
-    <a:lvl5pPr lvl="4" marR="0" rtl="0" algn="l">
+    <a:lvl5pPr marR="0" lvl="4" algn="l" rtl="0">
       <a:lnSpc>
         <a:spcPct val="100000"/>
       </a:lnSpc>
@@ -598,7 +613,7 @@
         <a:srgbClr val="000000"/>
       </a:buClr>
       <a:buFont typeface="Arial"/>
-      <a:defRPr b="0" i="0" sz="1400" u="none" cap="none" strike="noStrike">
+      <a:defRPr sz="1400" b="0" i="0" u="none" strike="noStrike" cap="none">
         <a:solidFill>
           <a:srgbClr val="000000"/>
         </a:solidFill>
@@ -608,7 +623,7 @@
         <a:sym typeface="Arial"/>
       </a:defRPr>
     </a:lvl5pPr>
-    <a:lvl6pPr lvl="5" marR="0" rtl="0" algn="l">
+    <a:lvl6pPr marR="0" lvl="5" algn="l" rtl="0">
       <a:lnSpc>
         <a:spcPct val="100000"/>
       </a:lnSpc>
@@ -622,7 +637,7 @@
         <a:srgbClr val="000000"/>
       </a:buClr>
       <a:buFont typeface="Arial"/>
-      <a:defRPr b="0" i="0" sz="1400" u="none" cap="none" strike="noStrike">
+      <a:defRPr sz="1400" b="0" i="0" u="none" strike="noStrike" cap="none">
         <a:solidFill>
           <a:srgbClr val="000000"/>
         </a:solidFill>
@@ -632,7 +647,7 @@
         <a:sym typeface="Arial"/>
       </a:defRPr>
     </a:lvl6pPr>
-    <a:lvl7pPr lvl="6" marR="0" rtl="0" algn="l">
+    <a:lvl7pPr marR="0" lvl="6" algn="l" rtl="0">
       <a:lnSpc>
         <a:spcPct val="100000"/>
       </a:lnSpc>
@@ -646,7 +661,7 @@
         <a:srgbClr val="000000"/>
       </a:buClr>
       <a:buFont typeface="Arial"/>
-      <a:defRPr b="0" i="0" sz="1400" u="none" cap="none" strike="noStrike">
+      <a:defRPr sz="1400" b="0" i="0" u="none" strike="noStrike" cap="none">
         <a:solidFill>
           <a:srgbClr val="000000"/>
         </a:solidFill>
@@ -656,7 +671,7 @@
         <a:sym typeface="Arial"/>
       </a:defRPr>
     </a:lvl7pPr>
-    <a:lvl8pPr lvl="7" marR="0" rtl="0" algn="l">
+    <a:lvl8pPr marR="0" lvl="7" algn="l" rtl="0">
       <a:lnSpc>
         <a:spcPct val="100000"/>
       </a:lnSpc>
@@ -670,7 +685,7 @@
         <a:srgbClr val="000000"/>
       </a:buClr>
       <a:buFont typeface="Arial"/>
-      <a:defRPr b="0" i="0" sz="1400" u="none" cap="none" strike="noStrike">
+      <a:defRPr sz="1400" b="0" i="0" u="none" strike="noStrike" cap="none">
         <a:solidFill>
           <a:srgbClr val="000000"/>
         </a:solidFill>
@@ -680,7 +695,7 @@
         <a:sym typeface="Arial"/>
       </a:defRPr>
     </a:lvl8pPr>
-    <a:lvl9pPr lvl="8" marR="0" rtl="0" algn="l">
+    <a:lvl9pPr marR="0" lvl="8" algn="l" rtl="0">
       <a:lnSpc>
         <a:spcPct val="100000"/>
       </a:lnSpc>
@@ -694,7 +709,7 @@
         <a:srgbClr val="000000"/>
       </a:buClr>
       <a:buFont typeface="Arial"/>
-      <a:defRPr b="0" i="0" sz="1400" u="none" cap="none" strike="noStrike">
+      <a:defRPr sz="1400" b="0" i="0" u="none" strike="noStrike" cap="none">
         <a:solidFill>
           <a:srgbClr val="000000"/>
         </a:solidFill>
@@ -709,11 +724,11 @@
 </file>
 
 <file path=ppt/notesSlides/notesSlide1.xml><?xml version="1.0" encoding="utf-8"?>
-<p:notes xmlns:a="http://schemas.openxmlformats.org/drawingml/2006/main" xmlns:r="http://schemas.openxmlformats.org/officeDocument/2006/relationships" xmlns:mc="http://schemas.openxmlformats.org/markup-compatibility/2006" xmlns:mv="urn:schemas-microsoft-com:mac:vml" xmlns:p="http://schemas.openxmlformats.org/presentationml/2006/main" xmlns:c="http://schemas.openxmlformats.org/drawingml/2006/chart" xmlns:dgm="http://schemas.openxmlformats.org/drawingml/2006/diagram" xmlns:o="urn:schemas-microsoft-com:office:office" xmlns:v="urn:schemas-microsoft-com:vml" xmlns:pvml="urn:schemas-microsoft-com:office:powerpoint" xmlns:com="http://schemas.openxmlformats.org/drawingml/2006/compatibility" xmlns:p14="http://schemas.microsoft.com/office/powerpoint/2010/main" xmlns:p15="http://schemas.microsoft.com/office/powerpoint/2012/main" xmlns:ahyp="http://schemas.microsoft.com/office/drawing/2018/hyperlinkcolor" showMasterPhAnim="0" showMasterSp="0">
+<p:notes xmlns:a="http://schemas.openxmlformats.org/drawingml/2006/main" xmlns:r="http://schemas.openxmlformats.org/officeDocument/2006/relationships" xmlns:p="http://schemas.openxmlformats.org/presentationml/2006/main" showMasterSp="0" showMasterPhAnim="0">
   <p:cSld>
     <p:spTree>
       <p:nvGrpSpPr>
-        <p:cNvPr id="59" name="Shape 59"/>
+        <p:cNvPr id="1" name="Shape 59"/>
         <p:cNvGrpSpPr/>
         <p:nvPr/>
       </p:nvGrpSpPr>
@@ -728,20 +743,26 @@
       <p:sp>
         <p:nvSpPr>
           <p:cNvPr id="60" name="Google Shape;60;p:notes"/>
-          <p:cNvSpPr/>
+          <p:cNvSpPr>
+            <a:spLocks noGrp="1" noRot="1" noChangeAspect="1"/>
+          </p:cNvSpPr>
           <p:nvPr>
-            <p:ph idx="2" type="sldImg"/>
+            <p:ph type="sldImg" idx="2"/>
           </p:nvPr>
         </p:nvSpPr>
         <p:spPr>
           <a:xfrm>
-            <a:off x="381300" y="685800"/>
-            <a:ext cx="6096075" cy="3429000"/>
+            <a:off x="381000" y="685800"/>
+            <a:ext cx="6096000" cy="3429000"/>
           </a:xfrm>
           <a:custGeom>
-            <a:rect b="b" l="l" r="r" t="t"/>
+            <a:avLst/>
+            <a:gdLst/>
+            <a:ahLst/>
+            <a:cxnLst/>
+            <a:rect l="l" t="t" r="r" b="b"/>
             <a:pathLst>
-              <a:path extrusionOk="0" h="120000" w="120000">
+              <a:path w="120000" h="120000" extrusionOk="0">
                 <a:moveTo>
                   <a:pt x="0" y="0"/>
                 </a:moveTo>
@@ -763,9 +784,11 @@
       <p:sp>
         <p:nvSpPr>
           <p:cNvPr id="61" name="Google Shape;61;p:notes"/>
-          <p:cNvSpPr txBox="1"/>
+          <p:cNvSpPr txBox="1">
+            <a:spLocks noGrp="1"/>
+          </p:cNvSpPr>
           <p:nvPr>
-            <p:ph idx="1" type="body"/>
+            <p:ph type="body" idx="1"/>
           </p:nvPr>
         </p:nvSpPr>
         <p:spPr>
@@ -778,12 +801,12 @@
           </a:prstGeom>
         </p:spPr>
         <p:txBody>
-          <a:bodyPr anchorCtr="0" anchor="t" bIns="91425" lIns="91425" spcFirstLastPara="1" rIns="91425" wrap="square" tIns="91425">
+          <a:bodyPr spcFirstLastPara="1" wrap="square" lIns="91425" tIns="91425" rIns="91425" bIns="91425" anchor="t" anchorCtr="0">
             <a:noAutofit/>
           </a:bodyPr>
           <a:lstStyle/>
           <a:p>
-            <a:pPr indent="0" lvl="0" marL="0" rtl="0" algn="l">
+            <a:pPr marL="0" lvl="0" indent="0" algn="l" rtl="0">
               <a:spcBef>
                 <a:spcPts val="0"/>
               </a:spcBef>
@@ -792,9 +815,6 @@
               </a:spcAft>
               <a:buNone/>
             </a:pPr>
-            <a:r>
-              <a:t/>
-            </a:r>
             <a:endParaRPr/>
           </a:p>
         </p:txBody>
@@ -808,11 +828,11 @@
 </file>
 
 <file path=ppt/notesSlides/notesSlide2.xml><?xml version="1.0" encoding="utf-8"?>
-<p:notes xmlns:a="http://schemas.openxmlformats.org/drawingml/2006/main" xmlns:r="http://schemas.openxmlformats.org/officeDocument/2006/relationships" xmlns:mc="http://schemas.openxmlformats.org/markup-compatibility/2006" xmlns:mv="urn:schemas-microsoft-com:mac:vml" xmlns:p="http://schemas.openxmlformats.org/presentationml/2006/main" xmlns:c="http://schemas.openxmlformats.org/drawingml/2006/chart" xmlns:dgm="http://schemas.openxmlformats.org/drawingml/2006/diagram" xmlns:o="urn:schemas-microsoft-com:office:office" xmlns:v="urn:schemas-microsoft-com:vml" xmlns:pvml="urn:schemas-microsoft-com:office:powerpoint" xmlns:com="http://schemas.openxmlformats.org/drawingml/2006/compatibility" xmlns:p14="http://schemas.microsoft.com/office/powerpoint/2010/main" xmlns:p15="http://schemas.microsoft.com/office/powerpoint/2012/main" xmlns:ahyp="http://schemas.microsoft.com/office/drawing/2018/hyperlinkcolor" showMasterPhAnim="0" showMasterSp="0">
+<p:notes xmlns:a="http://schemas.openxmlformats.org/drawingml/2006/main" xmlns:r="http://schemas.openxmlformats.org/officeDocument/2006/relationships" xmlns:p="http://schemas.openxmlformats.org/presentationml/2006/main" showMasterSp="0" showMasterPhAnim="0">
   <p:cSld>
     <p:spTree>
       <p:nvGrpSpPr>
-        <p:cNvPr id="65" name="Shape 65"/>
+        <p:cNvPr id="1" name="Shape 65"/>
         <p:cNvGrpSpPr/>
         <p:nvPr/>
       </p:nvGrpSpPr>
@@ -827,20 +847,26 @@
       <p:sp>
         <p:nvSpPr>
           <p:cNvPr id="66" name="Google Shape;66;g3b35913e926_0_0:notes"/>
-          <p:cNvSpPr/>
+          <p:cNvSpPr>
+            <a:spLocks noGrp="1" noRot="1" noChangeAspect="1"/>
+          </p:cNvSpPr>
           <p:nvPr>
-            <p:ph idx="2" type="sldImg"/>
+            <p:ph type="sldImg" idx="2"/>
           </p:nvPr>
         </p:nvSpPr>
         <p:spPr>
           <a:xfrm>
-            <a:off x="381300" y="685800"/>
+            <a:off x="381000" y="685800"/>
             <a:ext cx="6096000" cy="3429000"/>
           </a:xfrm>
           <a:custGeom>
-            <a:rect b="b" l="l" r="r" t="t"/>
+            <a:avLst/>
+            <a:gdLst/>
+            <a:ahLst/>
+            <a:cxnLst/>
+            <a:rect l="l" t="t" r="r" b="b"/>
             <a:pathLst>
-              <a:path extrusionOk="0" h="120000" w="120000">
+              <a:path w="120000" h="120000" extrusionOk="0">
                 <a:moveTo>
                   <a:pt x="0" y="0"/>
                 </a:moveTo>
@@ -862,9 +888,11 @@
       <p:sp>
         <p:nvSpPr>
           <p:cNvPr id="67" name="Google Shape;67;g3b35913e926_0_0:notes"/>
-          <p:cNvSpPr txBox="1"/>
+          <p:cNvSpPr txBox="1">
+            <a:spLocks noGrp="1"/>
+          </p:cNvSpPr>
           <p:nvPr>
-            <p:ph idx="1" type="body"/>
+            <p:ph type="body" idx="1"/>
           </p:nvPr>
         </p:nvSpPr>
         <p:spPr>
@@ -877,12 +905,12 @@
           </a:prstGeom>
         </p:spPr>
         <p:txBody>
-          <a:bodyPr anchorCtr="0" anchor="t" bIns="91425" lIns="91425" spcFirstLastPara="1" rIns="91425" wrap="square" tIns="91425">
+          <a:bodyPr spcFirstLastPara="1" wrap="square" lIns="91425" tIns="91425" rIns="91425" bIns="91425" anchor="t" anchorCtr="0">
             <a:noAutofit/>
           </a:bodyPr>
           <a:lstStyle/>
           <a:p>
-            <a:pPr indent="0" lvl="0" marL="0" rtl="0" algn="l">
+            <a:pPr marL="0" lvl="0" indent="0" algn="l" rtl="0">
               <a:spcBef>
                 <a:spcPts val="0"/>
               </a:spcBef>
@@ -891,9 +919,6 @@
               </a:spcAft>
               <a:buNone/>
             </a:pPr>
-            <a:r>
-              <a:t/>
-            </a:r>
             <a:endParaRPr/>
           </a:p>
         </p:txBody>
@@ -907,11 +932,11 @@
 </file>
 
 <file path=ppt/notesSlides/notesSlide3.xml><?xml version="1.0" encoding="utf-8"?>
-<p:notes xmlns:a="http://schemas.openxmlformats.org/drawingml/2006/main" xmlns:r="http://schemas.openxmlformats.org/officeDocument/2006/relationships" xmlns:mc="http://schemas.openxmlformats.org/markup-compatibility/2006" xmlns:mv="urn:schemas-microsoft-com:mac:vml" xmlns:p="http://schemas.openxmlformats.org/presentationml/2006/main" xmlns:c="http://schemas.openxmlformats.org/drawingml/2006/chart" xmlns:dgm="http://schemas.openxmlformats.org/drawingml/2006/diagram" xmlns:o="urn:schemas-microsoft-com:office:office" xmlns:v="urn:schemas-microsoft-com:vml" xmlns:pvml="urn:schemas-microsoft-com:office:powerpoint" xmlns:com="http://schemas.openxmlformats.org/drawingml/2006/compatibility" xmlns:p14="http://schemas.microsoft.com/office/powerpoint/2010/main" xmlns:p15="http://schemas.microsoft.com/office/powerpoint/2012/main" xmlns:ahyp="http://schemas.microsoft.com/office/drawing/2018/hyperlinkcolor" showMasterPhAnim="0" showMasterSp="0">
+<p:notes xmlns:a="http://schemas.openxmlformats.org/drawingml/2006/main" xmlns:r="http://schemas.openxmlformats.org/officeDocument/2006/relationships" xmlns:p="http://schemas.openxmlformats.org/presentationml/2006/main" showMasterSp="0" showMasterPhAnim="0">
   <p:cSld>
     <p:spTree>
       <p:nvGrpSpPr>
-        <p:cNvPr id="72" name="Shape 72"/>
+        <p:cNvPr id="1" name="Shape 72"/>
         <p:cNvGrpSpPr/>
         <p:nvPr/>
       </p:nvGrpSpPr>
@@ -926,20 +951,26 @@
       <p:sp>
         <p:nvSpPr>
           <p:cNvPr id="73" name="Google Shape;73;g3b35913e926_0_5:notes"/>
-          <p:cNvSpPr/>
+          <p:cNvSpPr>
+            <a:spLocks noGrp="1" noRot="1" noChangeAspect="1"/>
+          </p:cNvSpPr>
           <p:nvPr>
-            <p:ph idx="2" type="sldImg"/>
+            <p:ph type="sldImg" idx="2"/>
           </p:nvPr>
         </p:nvSpPr>
         <p:spPr>
           <a:xfrm>
-            <a:off x="381300" y="685800"/>
+            <a:off x="381000" y="685800"/>
             <a:ext cx="6096000" cy="3429000"/>
           </a:xfrm>
           <a:custGeom>
-            <a:rect b="b" l="l" r="r" t="t"/>
+            <a:avLst/>
+            <a:gdLst/>
+            <a:ahLst/>
+            <a:cxnLst/>
+            <a:rect l="l" t="t" r="r" b="b"/>
             <a:pathLst>
-              <a:path extrusionOk="0" h="120000" w="120000">
+              <a:path w="120000" h="120000" extrusionOk="0">
                 <a:moveTo>
                   <a:pt x="0" y="0"/>
                 </a:moveTo>
@@ -961,9 +992,11 @@
       <p:sp>
         <p:nvSpPr>
           <p:cNvPr id="74" name="Google Shape;74;g3b35913e926_0_5:notes"/>
-          <p:cNvSpPr txBox="1"/>
+          <p:cNvSpPr txBox="1">
+            <a:spLocks noGrp="1"/>
+          </p:cNvSpPr>
           <p:nvPr>
-            <p:ph idx="1" type="body"/>
+            <p:ph type="body" idx="1"/>
           </p:nvPr>
         </p:nvSpPr>
         <p:spPr>
@@ -976,12 +1009,12 @@
           </a:prstGeom>
         </p:spPr>
         <p:txBody>
-          <a:bodyPr anchorCtr="0" anchor="t" bIns="91425" lIns="91425" spcFirstLastPara="1" rIns="91425" wrap="square" tIns="91425">
+          <a:bodyPr spcFirstLastPara="1" wrap="square" lIns="91425" tIns="91425" rIns="91425" bIns="91425" anchor="t" anchorCtr="0">
             <a:noAutofit/>
           </a:bodyPr>
           <a:lstStyle/>
           <a:p>
-            <a:pPr indent="0" lvl="0" marL="0" rtl="0" algn="l">
+            <a:pPr marL="0" lvl="0" indent="0" algn="l" rtl="0">
               <a:spcBef>
                 <a:spcPts val="0"/>
               </a:spcBef>
@@ -990,9 +1023,6 @@
               </a:spcAft>
               <a:buNone/>
             </a:pPr>
-            <a:r>
-              <a:t/>
-            </a:r>
             <a:endParaRPr/>
           </a:p>
         </p:txBody>
@@ -1006,11 +1036,11 @@
 </file>
 
 <file path=ppt/notesSlides/notesSlide4.xml><?xml version="1.0" encoding="utf-8"?>
-<p:notes xmlns:a="http://schemas.openxmlformats.org/drawingml/2006/main" xmlns:r="http://schemas.openxmlformats.org/officeDocument/2006/relationships" xmlns:mc="http://schemas.openxmlformats.org/markup-compatibility/2006" xmlns:mv="urn:schemas-microsoft-com:mac:vml" xmlns:p="http://schemas.openxmlformats.org/presentationml/2006/main" xmlns:c="http://schemas.openxmlformats.org/drawingml/2006/chart" xmlns:dgm="http://schemas.openxmlformats.org/drawingml/2006/diagram" xmlns:o="urn:schemas-microsoft-com:office:office" xmlns:v="urn:schemas-microsoft-com:vml" xmlns:pvml="urn:schemas-microsoft-com:office:powerpoint" xmlns:com="http://schemas.openxmlformats.org/drawingml/2006/compatibility" xmlns:p14="http://schemas.microsoft.com/office/powerpoint/2010/main" xmlns:p15="http://schemas.microsoft.com/office/powerpoint/2012/main" xmlns:ahyp="http://schemas.microsoft.com/office/drawing/2018/hyperlinkcolor" showMasterPhAnim="0" showMasterSp="0">
+<p:notes xmlns:a="http://schemas.openxmlformats.org/drawingml/2006/main" xmlns:r="http://schemas.openxmlformats.org/officeDocument/2006/relationships" xmlns:p="http://schemas.openxmlformats.org/presentationml/2006/main" showMasterSp="0" showMasterPhAnim="0">
   <p:cSld>
     <p:spTree>
       <p:nvGrpSpPr>
-        <p:cNvPr id="79" name="Shape 79"/>
+        <p:cNvPr id="1" name="Shape 79"/>
         <p:cNvGrpSpPr/>
         <p:nvPr/>
       </p:nvGrpSpPr>
@@ -1025,20 +1055,26 @@
       <p:sp>
         <p:nvSpPr>
           <p:cNvPr id="80" name="Google Shape;80;g3b35913e926_0_10:notes"/>
-          <p:cNvSpPr/>
+          <p:cNvSpPr>
+            <a:spLocks noGrp="1" noRot="1" noChangeAspect="1"/>
+          </p:cNvSpPr>
           <p:nvPr>
-            <p:ph idx="2" type="sldImg"/>
+            <p:ph type="sldImg" idx="2"/>
           </p:nvPr>
         </p:nvSpPr>
         <p:spPr>
           <a:xfrm>
-            <a:off x="381300" y="685800"/>
+            <a:off x="381000" y="685800"/>
             <a:ext cx="6096000" cy="3429000"/>
           </a:xfrm>
           <a:custGeom>
-            <a:rect b="b" l="l" r="r" t="t"/>
+            <a:avLst/>
+            <a:gdLst/>
+            <a:ahLst/>
+            <a:cxnLst/>
+            <a:rect l="l" t="t" r="r" b="b"/>
             <a:pathLst>
-              <a:path extrusionOk="0" h="120000" w="120000">
+              <a:path w="120000" h="120000" extrusionOk="0">
                 <a:moveTo>
                   <a:pt x="0" y="0"/>
                 </a:moveTo>
@@ -1060,9 +1096,11 @@
       <p:sp>
         <p:nvSpPr>
           <p:cNvPr id="81" name="Google Shape;81;g3b35913e926_0_10:notes"/>
-          <p:cNvSpPr txBox="1"/>
+          <p:cNvSpPr txBox="1">
+            <a:spLocks noGrp="1"/>
+          </p:cNvSpPr>
           <p:nvPr>
-            <p:ph idx="1" type="body"/>
+            <p:ph type="body" idx="1"/>
           </p:nvPr>
         </p:nvSpPr>
         <p:spPr>
@@ -1075,12 +1113,12 @@
           </a:prstGeom>
         </p:spPr>
         <p:txBody>
-          <a:bodyPr anchorCtr="0" anchor="t" bIns="91425" lIns="91425" spcFirstLastPara="1" rIns="91425" wrap="square" tIns="91425">
+          <a:bodyPr spcFirstLastPara="1" wrap="square" lIns="91425" tIns="91425" rIns="91425" bIns="91425" anchor="t" anchorCtr="0">
             <a:noAutofit/>
           </a:bodyPr>
           <a:lstStyle/>
           <a:p>
-            <a:pPr indent="0" lvl="0" marL="0" rtl="0" algn="l">
+            <a:pPr marL="0" lvl="0" indent="0" algn="l" rtl="0">
               <a:spcBef>
                 <a:spcPts val="0"/>
               </a:spcBef>
@@ -1089,9 +1127,6 @@
               </a:spcAft>
               <a:buNone/>
             </a:pPr>
-            <a:r>
-              <a:t/>
-            </a:r>
             <a:endParaRPr/>
           </a:p>
         </p:txBody>
@@ -1105,11 +1140,11 @@
 </file>
 
 <file path=ppt/notesSlides/notesSlide5.xml><?xml version="1.0" encoding="utf-8"?>
-<p:notes xmlns:a="http://schemas.openxmlformats.org/drawingml/2006/main" xmlns:r="http://schemas.openxmlformats.org/officeDocument/2006/relationships" xmlns:mc="http://schemas.openxmlformats.org/markup-compatibility/2006" xmlns:mv="urn:schemas-microsoft-com:mac:vml" xmlns:p="http://schemas.openxmlformats.org/presentationml/2006/main" xmlns:c="http://schemas.openxmlformats.org/drawingml/2006/chart" xmlns:dgm="http://schemas.openxmlformats.org/drawingml/2006/diagram" xmlns:o="urn:schemas-microsoft-com:office:office" xmlns:v="urn:schemas-microsoft-com:vml" xmlns:pvml="urn:schemas-microsoft-com:office:powerpoint" xmlns:com="http://schemas.openxmlformats.org/drawingml/2006/compatibility" xmlns:p14="http://schemas.microsoft.com/office/powerpoint/2010/main" xmlns:p15="http://schemas.microsoft.com/office/powerpoint/2012/main" xmlns:ahyp="http://schemas.microsoft.com/office/drawing/2018/hyperlinkcolor" showMasterPhAnim="0" showMasterSp="0">
+<p:notes xmlns:a="http://schemas.openxmlformats.org/drawingml/2006/main" xmlns:r="http://schemas.openxmlformats.org/officeDocument/2006/relationships" xmlns:p="http://schemas.openxmlformats.org/presentationml/2006/main" showMasterSp="0" showMasterPhAnim="0">
   <p:cSld>
     <p:spTree>
       <p:nvGrpSpPr>
-        <p:cNvPr id="86" name="Shape 86"/>
+        <p:cNvPr id="1" name="Shape 86"/>
         <p:cNvGrpSpPr/>
         <p:nvPr/>
       </p:nvGrpSpPr>
@@ -1124,20 +1159,26 @@
       <p:sp>
         <p:nvSpPr>
           <p:cNvPr id="87" name="Google Shape;87;g3b35913e926_0_15:notes"/>
-          <p:cNvSpPr/>
+          <p:cNvSpPr>
+            <a:spLocks noGrp="1" noRot="1" noChangeAspect="1"/>
+          </p:cNvSpPr>
           <p:nvPr>
-            <p:ph idx="2" type="sldImg"/>
+            <p:ph type="sldImg" idx="2"/>
           </p:nvPr>
         </p:nvSpPr>
         <p:spPr>
           <a:xfrm>
-            <a:off x="381300" y="685800"/>
+            <a:off x="381000" y="685800"/>
             <a:ext cx="6096000" cy="3429000"/>
           </a:xfrm>
           <a:custGeom>
-            <a:rect b="b" l="l" r="r" t="t"/>
+            <a:avLst/>
+            <a:gdLst/>
+            <a:ahLst/>
+            <a:cxnLst/>
+            <a:rect l="l" t="t" r="r" b="b"/>
             <a:pathLst>
-              <a:path extrusionOk="0" h="120000" w="120000">
+              <a:path w="120000" h="120000" extrusionOk="0">
                 <a:moveTo>
                   <a:pt x="0" y="0"/>
                 </a:moveTo>
@@ -1159,9 +1200,11 @@
       <p:sp>
         <p:nvSpPr>
           <p:cNvPr id="88" name="Google Shape;88;g3b35913e926_0_15:notes"/>
-          <p:cNvSpPr txBox="1"/>
+          <p:cNvSpPr txBox="1">
+            <a:spLocks noGrp="1"/>
+          </p:cNvSpPr>
           <p:nvPr>
-            <p:ph idx="1" type="body"/>
+            <p:ph type="body" idx="1"/>
           </p:nvPr>
         </p:nvSpPr>
         <p:spPr>
@@ -1174,12 +1217,12 @@
           </a:prstGeom>
         </p:spPr>
         <p:txBody>
-          <a:bodyPr anchorCtr="0" anchor="t" bIns="91425" lIns="91425" spcFirstLastPara="1" rIns="91425" wrap="square" tIns="91425">
+          <a:bodyPr spcFirstLastPara="1" wrap="square" lIns="91425" tIns="91425" rIns="91425" bIns="91425" anchor="t" anchorCtr="0">
             <a:noAutofit/>
           </a:bodyPr>
           <a:lstStyle/>
           <a:p>
-            <a:pPr indent="0" lvl="0" marL="0" rtl="0" algn="l">
+            <a:pPr marL="0" lvl="0" indent="0" algn="l" rtl="0">
               <a:spcBef>
                 <a:spcPts val="0"/>
               </a:spcBef>
@@ -1188,9 +1231,6 @@
               </a:spcAft>
               <a:buNone/>
             </a:pPr>
-            <a:r>
-              <a:t/>
-            </a:r>
             <a:endParaRPr/>
           </a:p>
         </p:txBody>
@@ -1204,11 +1244,11 @@
 </file>
 
 <file path=ppt/notesSlides/notesSlide6.xml><?xml version="1.0" encoding="utf-8"?>
-<p:notes xmlns:a="http://schemas.openxmlformats.org/drawingml/2006/main" xmlns:r="http://schemas.openxmlformats.org/officeDocument/2006/relationships" xmlns:mc="http://schemas.openxmlformats.org/markup-compatibility/2006" xmlns:mv="urn:schemas-microsoft-com:mac:vml" xmlns:p="http://schemas.openxmlformats.org/presentationml/2006/main" xmlns:c="http://schemas.openxmlformats.org/drawingml/2006/chart" xmlns:dgm="http://schemas.openxmlformats.org/drawingml/2006/diagram" xmlns:o="urn:schemas-microsoft-com:office:office" xmlns:v="urn:schemas-microsoft-com:vml" xmlns:pvml="urn:schemas-microsoft-com:office:powerpoint" xmlns:com="http://schemas.openxmlformats.org/drawingml/2006/compatibility" xmlns:p14="http://schemas.microsoft.com/office/powerpoint/2010/main" xmlns:p15="http://schemas.microsoft.com/office/powerpoint/2012/main" xmlns:ahyp="http://schemas.microsoft.com/office/drawing/2018/hyperlinkcolor" showMasterPhAnim="0" showMasterSp="0">
+<p:notes xmlns:a="http://schemas.openxmlformats.org/drawingml/2006/main" xmlns:r="http://schemas.openxmlformats.org/officeDocument/2006/relationships" xmlns:p="http://schemas.openxmlformats.org/presentationml/2006/main" showMasterSp="0" showMasterPhAnim="0">
   <p:cSld>
     <p:spTree>
       <p:nvGrpSpPr>
-        <p:cNvPr id="93" name="Shape 93"/>
+        <p:cNvPr id="1" name="Shape 93"/>
         <p:cNvGrpSpPr/>
         <p:nvPr/>
       </p:nvGrpSpPr>
@@ -1223,20 +1263,26 @@
       <p:sp>
         <p:nvSpPr>
           <p:cNvPr id="94" name="Google Shape;94;g3b35913e926_0_20:notes"/>
-          <p:cNvSpPr/>
+          <p:cNvSpPr>
+            <a:spLocks noGrp="1" noRot="1" noChangeAspect="1"/>
+          </p:cNvSpPr>
           <p:nvPr>
-            <p:ph idx="2" type="sldImg"/>
+            <p:ph type="sldImg" idx="2"/>
           </p:nvPr>
         </p:nvSpPr>
         <p:spPr>
           <a:xfrm>
-            <a:off x="381300" y="685800"/>
+            <a:off x="381000" y="685800"/>
             <a:ext cx="6096000" cy="3429000"/>
           </a:xfrm>
           <a:custGeom>
-            <a:rect b="b" l="l" r="r" t="t"/>
+            <a:avLst/>
+            <a:gdLst/>
+            <a:ahLst/>
+            <a:cxnLst/>
+            <a:rect l="l" t="t" r="r" b="b"/>
             <a:pathLst>
-              <a:path extrusionOk="0" h="120000" w="120000">
+              <a:path w="120000" h="120000" extrusionOk="0">
                 <a:moveTo>
                   <a:pt x="0" y="0"/>
                 </a:moveTo>
@@ -1258,9 +1304,11 @@
       <p:sp>
         <p:nvSpPr>
           <p:cNvPr id="95" name="Google Shape;95;g3b35913e926_0_20:notes"/>
-          <p:cNvSpPr txBox="1"/>
+          <p:cNvSpPr txBox="1">
+            <a:spLocks noGrp="1"/>
+          </p:cNvSpPr>
           <p:nvPr>
-            <p:ph idx="1" type="body"/>
+            <p:ph type="body" idx="1"/>
           </p:nvPr>
         </p:nvSpPr>
         <p:spPr>
@@ -1273,12 +1321,12 @@
           </a:prstGeom>
         </p:spPr>
         <p:txBody>
-          <a:bodyPr anchorCtr="0" anchor="t" bIns="91425" lIns="91425" spcFirstLastPara="1" rIns="91425" wrap="square" tIns="91425">
+          <a:bodyPr spcFirstLastPara="1" wrap="square" lIns="91425" tIns="91425" rIns="91425" bIns="91425" anchor="t" anchorCtr="0">
             <a:noAutofit/>
           </a:bodyPr>
           <a:lstStyle/>
           <a:p>
-            <a:pPr indent="0" lvl="0" marL="0" rtl="0" algn="l">
+            <a:pPr marL="0" lvl="0" indent="0" algn="l" rtl="0">
               <a:spcBef>
                 <a:spcPts val="0"/>
               </a:spcBef>
@@ -1287,9 +1335,6 @@
               </a:spcAft>
               <a:buNone/>
             </a:pPr>
-            <a:r>
-              <a:t/>
-            </a:r>
             <a:endParaRPr/>
           </a:p>
         </p:txBody>
@@ -1303,11 +1348,11 @@
 </file>
 
 <file path=ppt/notesSlides/notesSlide7.xml><?xml version="1.0" encoding="utf-8"?>
-<p:notes xmlns:a="http://schemas.openxmlformats.org/drawingml/2006/main" xmlns:r="http://schemas.openxmlformats.org/officeDocument/2006/relationships" xmlns:mc="http://schemas.openxmlformats.org/markup-compatibility/2006" xmlns:mv="urn:schemas-microsoft-com:mac:vml" xmlns:p="http://schemas.openxmlformats.org/presentationml/2006/main" xmlns:c="http://schemas.openxmlformats.org/drawingml/2006/chart" xmlns:dgm="http://schemas.openxmlformats.org/drawingml/2006/diagram" xmlns:o="urn:schemas-microsoft-com:office:office" xmlns:v="urn:schemas-microsoft-com:vml" xmlns:pvml="urn:schemas-microsoft-com:office:powerpoint" xmlns:com="http://schemas.openxmlformats.org/drawingml/2006/compatibility" xmlns:p14="http://schemas.microsoft.com/office/powerpoint/2010/main" xmlns:p15="http://schemas.microsoft.com/office/powerpoint/2012/main" xmlns:ahyp="http://schemas.microsoft.com/office/drawing/2018/hyperlinkcolor" showMasterPhAnim="0" showMasterSp="0">
+<p:notes xmlns:a="http://schemas.openxmlformats.org/drawingml/2006/main" xmlns:r="http://schemas.openxmlformats.org/officeDocument/2006/relationships" xmlns:p="http://schemas.openxmlformats.org/presentationml/2006/main" showMasterSp="0" showMasterPhAnim="0">
   <p:cSld>
     <p:spTree>
       <p:nvGrpSpPr>
-        <p:cNvPr id="100" name="Shape 100"/>
+        <p:cNvPr id="1" name="Shape 100"/>
         <p:cNvGrpSpPr/>
         <p:nvPr/>
       </p:nvGrpSpPr>
@@ -1322,20 +1367,26 @@
       <p:sp>
         <p:nvSpPr>
           <p:cNvPr id="101" name="Google Shape;101;g3b35913e926_0_25:notes"/>
-          <p:cNvSpPr/>
+          <p:cNvSpPr>
+            <a:spLocks noGrp="1" noRot="1" noChangeAspect="1"/>
+          </p:cNvSpPr>
           <p:nvPr>
-            <p:ph idx="2" type="sldImg"/>
+            <p:ph type="sldImg" idx="2"/>
           </p:nvPr>
         </p:nvSpPr>
         <p:spPr>
           <a:xfrm>
-            <a:off x="381300" y="685800"/>
+            <a:off x="381000" y="685800"/>
             <a:ext cx="6096000" cy="3429000"/>
           </a:xfrm>
           <a:custGeom>
-            <a:rect b="b" l="l" r="r" t="t"/>
+            <a:avLst/>
+            <a:gdLst/>
+            <a:ahLst/>
+            <a:cxnLst/>
+            <a:rect l="l" t="t" r="r" b="b"/>
             <a:pathLst>
-              <a:path extrusionOk="0" h="120000" w="120000">
+              <a:path w="120000" h="120000" extrusionOk="0">
                 <a:moveTo>
                   <a:pt x="0" y="0"/>
                 </a:moveTo>
@@ -1357,9 +1408,11 @@
       <p:sp>
         <p:nvSpPr>
           <p:cNvPr id="102" name="Google Shape;102;g3b35913e926_0_25:notes"/>
-          <p:cNvSpPr txBox="1"/>
+          <p:cNvSpPr txBox="1">
+            <a:spLocks noGrp="1"/>
+          </p:cNvSpPr>
           <p:nvPr>
-            <p:ph idx="1" type="body"/>
+            <p:ph type="body" idx="1"/>
           </p:nvPr>
         </p:nvSpPr>
         <p:spPr>
@@ -1372,12 +1425,12 @@
           </a:prstGeom>
         </p:spPr>
         <p:txBody>
-          <a:bodyPr anchorCtr="0" anchor="t" bIns="91425" lIns="91425" spcFirstLastPara="1" rIns="91425" wrap="square" tIns="91425">
+          <a:bodyPr spcFirstLastPara="1" wrap="square" lIns="91425" tIns="91425" rIns="91425" bIns="91425" anchor="t" anchorCtr="0">
             <a:noAutofit/>
           </a:bodyPr>
           <a:lstStyle/>
           <a:p>
-            <a:pPr indent="0" lvl="0" marL="0" rtl="0" algn="l">
+            <a:pPr marL="0" lvl="0" indent="0" algn="l" rtl="0">
               <a:spcBef>
                 <a:spcPts val="0"/>
               </a:spcBef>
@@ -1386,9 +1439,6 @@
               </a:spcAft>
               <a:buNone/>
             </a:pPr>
-            <a:r>
-              <a:t/>
-            </a:r>
             <a:endParaRPr/>
           </a:p>
         </p:txBody>
@@ -1402,11 +1452,11 @@
 </file>
 
 <file path=ppt/notesSlides/notesSlide8.xml><?xml version="1.0" encoding="utf-8"?>
-<p:notes xmlns:a="http://schemas.openxmlformats.org/drawingml/2006/main" xmlns:r="http://schemas.openxmlformats.org/officeDocument/2006/relationships" xmlns:mc="http://schemas.openxmlformats.org/markup-compatibility/2006" xmlns:mv="urn:schemas-microsoft-com:mac:vml" xmlns:p="http://schemas.openxmlformats.org/presentationml/2006/main" xmlns:c="http://schemas.openxmlformats.org/drawingml/2006/chart" xmlns:dgm="http://schemas.openxmlformats.org/drawingml/2006/diagram" xmlns:o="urn:schemas-microsoft-com:office:office" xmlns:v="urn:schemas-microsoft-com:vml" xmlns:pvml="urn:schemas-microsoft-com:office:powerpoint" xmlns:com="http://schemas.openxmlformats.org/drawingml/2006/compatibility" xmlns:p14="http://schemas.microsoft.com/office/powerpoint/2010/main" xmlns:p15="http://schemas.microsoft.com/office/powerpoint/2012/main" xmlns:ahyp="http://schemas.microsoft.com/office/drawing/2018/hyperlinkcolor" showMasterPhAnim="0" showMasterSp="0">
+<p:notes xmlns:a="http://schemas.openxmlformats.org/drawingml/2006/main" xmlns:r="http://schemas.openxmlformats.org/officeDocument/2006/relationships" xmlns:p="http://schemas.openxmlformats.org/presentationml/2006/main" showMasterSp="0" showMasterPhAnim="0">
   <p:cSld>
     <p:spTree>
       <p:nvGrpSpPr>
-        <p:cNvPr id="107" name="Shape 107"/>
+        <p:cNvPr id="1" name="Shape 107"/>
         <p:cNvGrpSpPr/>
         <p:nvPr/>
       </p:nvGrpSpPr>
@@ -1421,20 +1471,26 @@
       <p:sp>
         <p:nvSpPr>
           <p:cNvPr id="108" name="Google Shape;108;g3b35913e926_0_30:notes"/>
-          <p:cNvSpPr/>
+          <p:cNvSpPr>
+            <a:spLocks noGrp="1" noRot="1" noChangeAspect="1"/>
+          </p:cNvSpPr>
           <p:nvPr>
-            <p:ph idx="2" type="sldImg"/>
+            <p:ph type="sldImg" idx="2"/>
           </p:nvPr>
         </p:nvSpPr>
         <p:spPr>
           <a:xfrm>
-            <a:off x="381300" y="685800"/>
+            <a:off x="381000" y="685800"/>
             <a:ext cx="6096000" cy="3429000"/>
           </a:xfrm>
           <a:custGeom>
-            <a:rect b="b" l="l" r="r" t="t"/>
+            <a:avLst/>
+            <a:gdLst/>
+            <a:ahLst/>
+            <a:cxnLst/>
+            <a:rect l="l" t="t" r="r" b="b"/>
             <a:pathLst>
-              <a:path extrusionOk="0" h="120000" w="120000">
+              <a:path w="120000" h="120000" extrusionOk="0">
                 <a:moveTo>
                   <a:pt x="0" y="0"/>
                 </a:moveTo>
@@ -1456,9 +1512,11 @@
       <p:sp>
         <p:nvSpPr>
           <p:cNvPr id="109" name="Google Shape;109;g3b35913e926_0_30:notes"/>
-          <p:cNvSpPr txBox="1"/>
+          <p:cNvSpPr txBox="1">
+            <a:spLocks noGrp="1"/>
+          </p:cNvSpPr>
           <p:nvPr>
-            <p:ph idx="1" type="body"/>
+            <p:ph type="body" idx="1"/>
           </p:nvPr>
         </p:nvSpPr>
         <p:spPr>
@@ -1471,12 +1529,12 @@
           </a:prstGeom>
         </p:spPr>
         <p:txBody>
-          <a:bodyPr anchorCtr="0" anchor="t" bIns="91425" lIns="91425" spcFirstLastPara="1" rIns="91425" wrap="square" tIns="91425">
+          <a:bodyPr spcFirstLastPara="1" wrap="square" lIns="91425" tIns="91425" rIns="91425" bIns="91425" anchor="t" anchorCtr="0">
             <a:noAutofit/>
           </a:bodyPr>
           <a:lstStyle/>
           <a:p>
-            <a:pPr indent="0" lvl="0" marL="0" rtl="0" algn="l">
+            <a:pPr marL="0" lvl="0" indent="0" algn="l" rtl="0">
               <a:spcBef>
                 <a:spcPts val="0"/>
               </a:spcBef>
@@ -1485,9 +1543,6 @@
               </a:spcAft>
               <a:buNone/>
             </a:pPr>
-            <a:r>
-              <a:t/>
-            </a:r>
             <a:endParaRPr/>
           </a:p>
         </p:txBody>
@@ -1501,11 +1556,11 @@
 </file>
 
 <file path=ppt/notesSlides/notesSlide9.xml><?xml version="1.0" encoding="utf-8"?>
-<p:notes xmlns:a="http://schemas.openxmlformats.org/drawingml/2006/main" xmlns:r="http://schemas.openxmlformats.org/officeDocument/2006/relationships" xmlns:mc="http://schemas.openxmlformats.org/markup-compatibility/2006" xmlns:mv="urn:schemas-microsoft-com:mac:vml" xmlns:p="http://schemas.openxmlformats.org/presentationml/2006/main" xmlns:c="http://schemas.openxmlformats.org/drawingml/2006/chart" xmlns:dgm="http://schemas.openxmlformats.org/drawingml/2006/diagram" xmlns:o="urn:schemas-microsoft-com:office:office" xmlns:v="urn:schemas-microsoft-com:vml" xmlns:pvml="urn:schemas-microsoft-com:office:powerpoint" xmlns:com="http://schemas.openxmlformats.org/drawingml/2006/compatibility" xmlns:p14="http://schemas.microsoft.com/office/powerpoint/2010/main" xmlns:p15="http://schemas.microsoft.com/office/powerpoint/2012/main" xmlns:ahyp="http://schemas.microsoft.com/office/drawing/2018/hyperlinkcolor" showMasterPhAnim="0" showMasterSp="0">
+<p:notes xmlns:a="http://schemas.openxmlformats.org/drawingml/2006/main" xmlns:r="http://schemas.openxmlformats.org/officeDocument/2006/relationships" xmlns:p="http://schemas.openxmlformats.org/presentationml/2006/main" showMasterSp="0" showMasterPhAnim="0">
   <p:cSld>
     <p:spTree>
       <p:nvGrpSpPr>
-        <p:cNvPr id="114" name="Shape 114"/>
+        <p:cNvPr id="1" name="Shape 114"/>
         <p:cNvGrpSpPr/>
         <p:nvPr/>
       </p:nvGrpSpPr>
@@ -1520,20 +1575,26 @@
       <p:sp>
         <p:nvSpPr>
           <p:cNvPr id="115" name="Google Shape;115;g3b35913e926_0_35:notes"/>
-          <p:cNvSpPr/>
+          <p:cNvSpPr>
+            <a:spLocks noGrp="1" noRot="1" noChangeAspect="1"/>
+          </p:cNvSpPr>
           <p:nvPr>
-            <p:ph idx="2" type="sldImg"/>
+            <p:ph type="sldImg" idx="2"/>
           </p:nvPr>
         </p:nvSpPr>
         <p:spPr>
           <a:xfrm>
-            <a:off x="381300" y="685800"/>
+            <a:off x="381000" y="685800"/>
             <a:ext cx="6096000" cy="3429000"/>
           </a:xfrm>
           <a:custGeom>
-            <a:rect b="b" l="l" r="r" t="t"/>
+            <a:avLst/>
+            <a:gdLst/>
+            <a:ahLst/>
+            <a:cxnLst/>
+            <a:rect l="l" t="t" r="r" b="b"/>
             <a:pathLst>
-              <a:path extrusionOk="0" h="120000" w="120000">
+              <a:path w="120000" h="120000" extrusionOk="0">
                 <a:moveTo>
                   <a:pt x="0" y="0"/>
                 </a:moveTo>
@@ -1555,9 +1616,11 @@
       <p:sp>
         <p:nvSpPr>
           <p:cNvPr id="116" name="Google Shape;116;g3b35913e926_0_35:notes"/>
-          <p:cNvSpPr txBox="1"/>
+          <p:cNvSpPr txBox="1">
+            <a:spLocks noGrp="1"/>
+          </p:cNvSpPr>
           <p:nvPr>
-            <p:ph idx="1" type="body"/>
+            <p:ph type="body" idx="1"/>
           </p:nvPr>
         </p:nvSpPr>
         <p:spPr>
@@ -1570,12 +1633,12 @@
           </a:prstGeom>
         </p:spPr>
         <p:txBody>
-          <a:bodyPr anchorCtr="0" anchor="t" bIns="91425" lIns="91425" spcFirstLastPara="1" rIns="91425" wrap="square" tIns="91425">
+          <a:bodyPr spcFirstLastPara="1" wrap="square" lIns="91425" tIns="91425" rIns="91425" bIns="91425" anchor="t" anchorCtr="0">
             <a:noAutofit/>
           </a:bodyPr>
           <a:lstStyle/>
           <a:p>
-            <a:pPr indent="0" lvl="0" marL="0" rtl="0" algn="l">
+            <a:pPr marL="0" lvl="0" indent="0" algn="l" rtl="0">
               <a:spcBef>
                 <a:spcPts val="0"/>
               </a:spcBef>
@@ -1584,9 +1647,6 @@
               </a:spcAft>
               <a:buNone/>
             </a:pPr>
-            <a:r>
-              <a:t/>
-            </a:r>
             <a:endParaRPr/>
           </a:p>
         </p:txBody>
@@ -1600,11 +1660,11 @@
 </file>
 
 <file path=ppt/slideLayouts/slideLayout1.xml><?xml version="1.0" encoding="utf-8"?>
-<p:sldLayout xmlns:a="http://schemas.openxmlformats.org/drawingml/2006/main" xmlns:r="http://schemas.openxmlformats.org/officeDocument/2006/relationships" xmlns:mc="http://schemas.openxmlformats.org/markup-compatibility/2006" xmlns:mv="urn:schemas-microsoft-com:mac:vml" xmlns:p="http://schemas.openxmlformats.org/presentationml/2006/main" xmlns:c="http://schemas.openxmlformats.org/drawingml/2006/chart" xmlns:dgm="http://schemas.openxmlformats.org/drawingml/2006/diagram" xmlns:o="urn:schemas-microsoft-com:office:office" xmlns:v="urn:schemas-microsoft-com:vml" xmlns:pvml="urn:schemas-microsoft-com:office:powerpoint" xmlns:com="http://schemas.openxmlformats.org/drawingml/2006/compatibility" xmlns:p14="http://schemas.microsoft.com/office/powerpoint/2010/main" xmlns:p15="http://schemas.microsoft.com/office/powerpoint/2012/main" xmlns:ahyp="http://schemas.microsoft.com/office/drawing/2018/hyperlinkcolor" matchingName="Title slide" type="title">
+<p:sldLayout xmlns:a="http://schemas.openxmlformats.org/drawingml/2006/main" xmlns:r="http://schemas.openxmlformats.org/officeDocument/2006/relationships" xmlns:p="http://schemas.openxmlformats.org/presentationml/2006/main" matchingName="Title slide" type="title">
   <p:cSld name="TITLE">
     <p:spTree>
       <p:nvGrpSpPr>
-        <p:cNvPr id="9" name="Shape 9"/>
+        <p:cNvPr id="1" name="Shape 9"/>
         <p:cNvGrpSpPr/>
         <p:nvPr/>
       </p:nvGrpSpPr>
@@ -1628,9 +1688,13 @@
             <a:ext cx="1081625" cy="1124950"/>
           </a:xfrm>
           <a:custGeom>
-            <a:rect b="b" l="l" r="r" t="t"/>
+            <a:avLst/>
+            <a:gdLst/>
+            <a:ahLst/>
+            <a:cxnLst/>
+            <a:rect l="l" t="t" r="r" b="b"/>
             <a:pathLst>
-              <a:path extrusionOk="0" h="44998" w="43265">
+              <a:path w="43265" h="44998" extrusionOk="0">
                 <a:moveTo>
                   <a:pt x="0" y="44998"/>
                 </a:moveTo>
@@ -1644,14 +1708,14 @@
             </a:pathLst>
           </a:custGeom>
           <a:noFill/>
-          <a:ln cap="flat" cmpd="sng" w="28575">
+          <a:ln w="28575" cap="flat" cmpd="sng">
             <a:solidFill>
               <a:schemeClr val="accent5"/>
             </a:solidFill>
             <a:prstDash val="solid"/>
             <a:miter lim="8000"/>
-            <a:headEnd len="sm" w="sm" type="none"/>
-            <a:tailEnd len="sm" w="sm" type="none"/>
+            <a:headEnd type="none" w="sm" len="sm"/>
+            <a:tailEnd type="none" w="sm" len="sm"/>
           </a:ln>
         </p:spPr>
       </p:sp>
@@ -1667,9 +1731,13 @@
             <a:ext cx="1081625" cy="1124950"/>
           </a:xfrm>
           <a:custGeom>
-            <a:rect b="b" l="l" r="r" t="t"/>
+            <a:avLst/>
+            <a:gdLst/>
+            <a:ahLst/>
+            <a:cxnLst/>
+            <a:rect l="l" t="t" r="r" b="b"/>
             <a:pathLst>
-              <a:path extrusionOk="0" h="44998" w="43265">
+              <a:path w="43265" h="44998" extrusionOk="0">
                 <a:moveTo>
                   <a:pt x="0" y="44998"/>
                 </a:moveTo>
@@ -1683,14 +1751,14 @@
             </a:pathLst>
           </a:custGeom>
           <a:noFill/>
-          <a:ln cap="flat" cmpd="sng" w="28575">
+          <a:ln w="28575" cap="flat" cmpd="sng">
             <a:solidFill>
               <a:schemeClr val="accent5"/>
             </a:solidFill>
             <a:prstDash val="solid"/>
             <a:miter lim="8000"/>
-            <a:headEnd len="sm" w="sm" type="none"/>
-            <a:tailEnd len="sm" w="sm" type="none"/>
+            <a:headEnd type="none" w="sm" len="sm"/>
+            <a:tailEnd type="none" w="sm" len="sm"/>
           </a:ln>
         </p:spPr>
       </p:sp>
@@ -1709,21 +1777,23 @@
             <a:avLst/>
           </a:prstGeom>
           <a:noFill/>
-          <a:ln cap="flat" cmpd="sng" w="38100">
+          <a:ln w="38100" cap="flat" cmpd="sng">
             <a:solidFill>
               <a:schemeClr val="accent4"/>
             </a:solidFill>
             <a:prstDash val="solid"/>
             <a:round/>
-            <a:headEnd len="sm" w="sm" type="none"/>
-            <a:tailEnd len="sm" w="sm" type="none"/>
+            <a:headEnd type="none" w="sm" len="sm"/>
+            <a:tailEnd type="none" w="sm" len="sm"/>
           </a:ln>
         </p:spPr>
       </p:cxnSp>
       <p:sp>
         <p:nvSpPr>
           <p:cNvPr id="13" name="Google Shape;13;p2"/>
-          <p:cNvSpPr txBox="1"/>
+          <p:cNvSpPr txBox="1">
+            <a:spLocks noGrp="1"/>
+          </p:cNvSpPr>
           <p:nvPr>
             <p:ph type="ctrTitle"/>
           </p:nvPr>
@@ -1738,7 +1808,7 @@
           </a:prstGeom>
         </p:spPr>
         <p:txBody>
-          <a:bodyPr anchorCtr="0" anchor="b" bIns="91425" lIns="91425" spcFirstLastPara="1" rIns="91425" wrap="square" tIns="91425">
+          <a:bodyPr spcFirstLastPara="1" wrap="square" lIns="91425" tIns="91425" rIns="91425" bIns="91425" anchor="b" anchorCtr="0">
             <a:normAutofit/>
           </a:bodyPr>
           <a:lstStyle>
@@ -1842,15 +1912,19 @@
               <a:defRPr sz="4000"/>
             </a:lvl9pPr>
           </a:lstStyle>
-          <a:p/>
+          <a:p>
+            <a:endParaRPr/>
+          </a:p>
         </p:txBody>
       </p:sp>
       <p:sp>
         <p:nvSpPr>
           <p:cNvPr id="14" name="Google Shape;14;p2"/>
-          <p:cNvSpPr txBox="1"/>
+          <p:cNvSpPr txBox="1">
+            <a:spLocks noGrp="1"/>
+          </p:cNvSpPr>
           <p:nvPr>
-            <p:ph idx="1" type="subTitle"/>
+            <p:ph type="subTitle" idx="1"/>
           </p:nvPr>
         </p:nvSpPr>
         <p:spPr>
@@ -1863,7 +1937,7 @@
           </a:prstGeom>
         </p:spPr>
         <p:txBody>
-          <a:bodyPr anchorCtr="0" anchor="t" bIns="91425" lIns="91425" spcFirstLastPara="1" rIns="91425" wrap="square" tIns="91425">
+          <a:bodyPr spcFirstLastPara="1" wrap="square" lIns="91425" tIns="91425" rIns="91425" bIns="91425" anchor="t" anchorCtr="0">
             <a:normAutofit/>
           </a:bodyPr>
           <a:lstStyle>
@@ -2102,15 +2176,19 @@
               </a:defRPr>
             </a:lvl9pPr>
           </a:lstStyle>
-          <a:p/>
+          <a:p>
+            <a:endParaRPr/>
+          </a:p>
         </p:txBody>
       </p:sp>
       <p:sp>
         <p:nvSpPr>
           <p:cNvPr id="15" name="Google Shape;15;p2"/>
-          <p:cNvSpPr txBox="1"/>
+          <p:cNvSpPr txBox="1">
+            <a:spLocks noGrp="1"/>
+          </p:cNvSpPr>
           <p:nvPr>
-            <p:ph idx="12" type="sldNum"/>
+            <p:ph type="sldNum" idx="12"/>
           </p:nvPr>
         </p:nvSpPr>
         <p:spPr>
@@ -2123,7 +2201,7 @@
           </a:prstGeom>
         </p:spPr>
         <p:txBody>
-          <a:bodyPr anchorCtr="0" anchor="ctr" bIns="91425" lIns="91425" spcFirstLastPara="1" rIns="91425" wrap="square" tIns="91425">
+          <a:bodyPr spcFirstLastPara="1" wrap="square" lIns="91425" tIns="91425" rIns="91425" bIns="91425" anchor="ctr" anchorCtr="0">
             <a:normAutofit/>
           </a:bodyPr>
           <a:lstStyle>
@@ -2165,7 +2243,7 @@
             </a:lvl9pPr>
           </a:lstStyle>
           <a:p>
-            <a:pPr indent="0" lvl="0" marL="0" rtl="0" algn="r">
+            <a:pPr marL="0" lvl="0" indent="0" algn="r" rtl="0">
               <a:spcBef>
                 <a:spcPts val="0"/>
               </a:spcBef>
@@ -2191,11 +2269,11 @@
 </file>
 
 <file path=ppt/slideLayouts/slideLayout10.xml><?xml version="1.0" encoding="utf-8"?>
-<p:sldLayout xmlns:a="http://schemas.openxmlformats.org/drawingml/2006/main" xmlns:r="http://schemas.openxmlformats.org/officeDocument/2006/relationships" xmlns:mc="http://schemas.openxmlformats.org/markup-compatibility/2006" xmlns:mv="urn:schemas-microsoft-com:mac:vml" xmlns:p="http://schemas.openxmlformats.org/presentationml/2006/main" xmlns:c="http://schemas.openxmlformats.org/drawingml/2006/chart" xmlns:dgm="http://schemas.openxmlformats.org/drawingml/2006/diagram" xmlns:o="urn:schemas-microsoft-com:office:office" xmlns:v="urn:schemas-microsoft-com:vml" xmlns:pvml="urn:schemas-microsoft-com:office:powerpoint" xmlns:com="http://schemas.openxmlformats.org/drawingml/2006/compatibility" xmlns:p14="http://schemas.microsoft.com/office/powerpoint/2010/main" xmlns:p15="http://schemas.microsoft.com/office/powerpoint/2012/main" xmlns:ahyp="http://schemas.microsoft.com/office/drawing/2018/hyperlinkcolor" matchingName="Big number">
+<p:sldLayout xmlns:a="http://schemas.openxmlformats.org/drawingml/2006/main" xmlns:r="http://schemas.openxmlformats.org/officeDocument/2006/relationships" xmlns:p="http://schemas.openxmlformats.org/presentationml/2006/main" matchingName="Big number">
   <p:cSld name="BIG_NUMBER">
     <p:spTree>
       <p:nvGrpSpPr>
-        <p:cNvPr id="52" name="Shape 52"/>
+        <p:cNvPr id="1" name="Shape 52"/>
         <p:cNvGrpSpPr/>
         <p:nvPr/>
       </p:nvGrpSpPr>
@@ -2229,12 +2307,12 @@
           </a:ln>
         </p:spPr>
         <p:txBody>
-          <a:bodyPr anchorCtr="0" anchor="ctr" bIns="91425" lIns="91425" spcFirstLastPara="1" rIns="91425" wrap="square" tIns="91425">
+          <a:bodyPr spcFirstLastPara="1" wrap="square" lIns="91425" tIns="91425" rIns="91425" bIns="91425" anchor="ctr" anchorCtr="0">
             <a:noAutofit/>
           </a:bodyPr>
           <a:lstStyle/>
           <a:p>
-            <a:pPr indent="0" lvl="0" marL="0" rtl="0" algn="l">
+            <a:pPr marL="0" lvl="0" indent="0" algn="l" rtl="0">
               <a:spcBef>
                 <a:spcPts val="0"/>
               </a:spcBef>
@@ -2243,9 +2321,6 @@
               </a:spcAft>
               <a:buNone/>
             </a:pPr>
-            <a:r>
-              <a:t/>
-            </a:r>
             <a:endParaRPr/>
           </a:p>
         </p:txBody>
@@ -2253,9 +2328,11 @@
       <p:sp>
         <p:nvSpPr>
           <p:cNvPr id="54" name="Google Shape;54;p11"/>
-          <p:cNvSpPr txBox="1"/>
+          <p:cNvSpPr txBox="1">
+            <a:spLocks noGrp="1"/>
+          </p:cNvSpPr>
           <p:nvPr>
-            <p:ph hasCustomPrompt="1" type="title"/>
+            <p:ph type="title" hasCustomPrompt="1"/>
           </p:nvPr>
         </p:nvSpPr>
         <p:spPr>
@@ -2268,7 +2345,7 @@
           </a:prstGeom>
         </p:spPr>
         <p:txBody>
-          <a:bodyPr anchorCtr="0" anchor="ctr" bIns="91425" lIns="91425" spcFirstLastPara="1" rIns="91425" wrap="square" tIns="91425">
+          <a:bodyPr spcFirstLastPara="1" wrap="square" lIns="91425" tIns="91425" rIns="91425" bIns="91425" anchor="ctr" anchorCtr="0">
             <a:normAutofit/>
           </a:bodyPr>
           <a:lstStyle>
@@ -2445,9 +2522,11 @@
       <p:sp>
         <p:nvSpPr>
           <p:cNvPr id="55" name="Google Shape;55;p11"/>
-          <p:cNvSpPr txBox="1"/>
+          <p:cNvSpPr txBox="1">
+            <a:spLocks noGrp="1"/>
+          </p:cNvSpPr>
           <p:nvPr>
-            <p:ph idx="1" type="body"/>
+            <p:ph type="body" idx="1"/>
           </p:nvPr>
         </p:nvSpPr>
         <p:spPr>
@@ -2460,11 +2539,11 @@
           </a:prstGeom>
         </p:spPr>
         <p:txBody>
-          <a:bodyPr anchorCtr="0" anchor="t" bIns="91425" lIns="91425" spcFirstLastPara="1" rIns="91425" wrap="square" tIns="91425">
+          <a:bodyPr spcFirstLastPara="1" wrap="square" lIns="91425" tIns="91425" rIns="91425" bIns="91425" anchor="t" anchorCtr="0">
             <a:normAutofit/>
           </a:bodyPr>
           <a:lstStyle>
-            <a:lvl1pPr indent="-342900" lvl="0" marL="457200" algn="ctr">
+            <a:lvl1pPr marL="457200" lvl="0" indent="-342900" algn="ctr">
               <a:spcBef>
                 <a:spcPts val="0"/>
               </a:spcBef>
@@ -2475,7 +2554,7 @@
               <a:buChar char="●"/>
               <a:defRPr/>
             </a:lvl1pPr>
-            <a:lvl2pPr indent="-317500" lvl="1" marL="914400" algn="ctr">
+            <a:lvl2pPr marL="914400" lvl="1" indent="-317500" algn="ctr">
               <a:spcBef>
                 <a:spcPts val="0"/>
               </a:spcBef>
@@ -2486,7 +2565,7 @@
               <a:buChar char="○"/>
               <a:defRPr/>
             </a:lvl2pPr>
-            <a:lvl3pPr indent="-317500" lvl="2" marL="1371600" algn="ctr">
+            <a:lvl3pPr marL="1371600" lvl="2" indent="-317500" algn="ctr">
               <a:spcBef>
                 <a:spcPts val="0"/>
               </a:spcBef>
@@ -2497,7 +2576,7 @@
               <a:buChar char="■"/>
               <a:defRPr/>
             </a:lvl3pPr>
-            <a:lvl4pPr indent="-317500" lvl="3" marL="1828800" algn="ctr">
+            <a:lvl4pPr marL="1828800" lvl="3" indent="-317500" algn="ctr">
               <a:spcBef>
                 <a:spcPts val="0"/>
               </a:spcBef>
@@ -2508,7 +2587,7 @@
               <a:buChar char="●"/>
               <a:defRPr/>
             </a:lvl4pPr>
-            <a:lvl5pPr indent="-317500" lvl="4" marL="2286000" algn="ctr">
+            <a:lvl5pPr marL="2286000" lvl="4" indent="-317500" algn="ctr">
               <a:spcBef>
                 <a:spcPts val="0"/>
               </a:spcBef>
@@ -2519,7 +2598,7 @@
               <a:buChar char="○"/>
               <a:defRPr/>
             </a:lvl5pPr>
-            <a:lvl6pPr indent="-317500" lvl="5" marL="2743200" algn="ctr">
+            <a:lvl6pPr marL="2743200" lvl="5" indent="-317500" algn="ctr">
               <a:spcBef>
                 <a:spcPts val="0"/>
               </a:spcBef>
@@ -2530,7 +2609,7 @@
               <a:buChar char="■"/>
               <a:defRPr/>
             </a:lvl6pPr>
-            <a:lvl7pPr indent="-317500" lvl="6" marL="3200400" algn="ctr">
+            <a:lvl7pPr marL="3200400" lvl="6" indent="-317500" algn="ctr">
               <a:spcBef>
                 <a:spcPts val="0"/>
               </a:spcBef>
@@ -2541,7 +2620,7 @@
               <a:buChar char="●"/>
               <a:defRPr/>
             </a:lvl7pPr>
-            <a:lvl8pPr indent="-317500" lvl="7" marL="3657600" algn="ctr">
+            <a:lvl8pPr marL="3657600" lvl="7" indent="-317500" algn="ctr">
               <a:spcBef>
                 <a:spcPts val="0"/>
               </a:spcBef>
@@ -2552,7 +2631,7 @@
               <a:buChar char="○"/>
               <a:defRPr/>
             </a:lvl8pPr>
-            <a:lvl9pPr indent="-317500" lvl="8" marL="4114800" algn="ctr">
+            <a:lvl9pPr marL="4114800" lvl="8" indent="-317500" algn="ctr">
               <a:spcBef>
                 <a:spcPts val="0"/>
               </a:spcBef>
@@ -2564,15 +2643,19 @@
               <a:defRPr/>
             </a:lvl9pPr>
           </a:lstStyle>
-          <a:p/>
+          <a:p>
+            <a:endParaRPr/>
+          </a:p>
         </p:txBody>
       </p:sp>
       <p:sp>
         <p:nvSpPr>
           <p:cNvPr id="56" name="Google Shape;56;p11"/>
-          <p:cNvSpPr txBox="1"/>
+          <p:cNvSpPr txBox="1">
+            <a:spLocks noGrp="1"/>
+          </p:cNvSpPr>
           <p:nvPr>
-            <p:ph idx="12" type="sldNum"/>
+            <p:ph type="sldNum" idx="12"/>
           </p:nvPr>
         </p:nvSpPr>
         <p:spPr>
@@ -2585,7 +2668,7 @@
           </a:prstGeom>
         </p:spPr>
         <p:txBody>
-          <a:bodyPr anchorCtr="0" anchor="ctr" bIns="91425" lIns="91425" spcFirstLastPara="1" rIns="91425" wrap="square" tIns="91425">
+          <a:bodyPr spcFirstLastPara="1" wrap="square" lIns="91425" tIns="91425" rIns="91425" bIns="91425" anchor="ctr" anchorCtr="0">
             <a:normAutofit/>
           </a:bodyPr>
           <a:lstStyle>
@@ -2627,7 +2710,7 @@
             </a:lvl9pPr>
           </a:lstStyle>
           <a:p>
-            <a:pPr indent="0" lvl="0" marL="0" rtl="0" algn="r">
+            <a:pPr marL="0" lvl="0" indent="0" algn="r" rtl="0">
               <a:spcBef>
                 <a:spcPts val="0"/>
               </a:spcBef>
@@ -2653,11 +2736,11 @@
 </file>
 
 <file path=ppt/slideLayouts/slideLayout11.xml><?xml version="1.0" encoding="utf-8"?>
-<p:sldLayout xmlns:a="http://schemas.openxmlformats.org/drawingml/2006/main" xmlns:r="http://schemas.openxmlformats.org/officeDocument/2006/relationships" xmlns:mc="http://schemas.openxmlformats.org/markup-compatibility/2006" xmlns:mv="urn:schemas-microsoft-com:mac:vml" xmlns:p="http://schemas.openxmlformats.org/presentationml/2006/main" xmlns:c="http://schemas.openxmlformats.org/drawingml/2006/chart" xmlns:dgm="http://schemas.openxmlformats.org/drawingml/2006/diagram" xmlns:o="urn:schemas-microsoft-com:office:office" xmlns:v="urn:schemas-microsoft-com:vml" xmlns:pvml="urn:schemas-microsoft-com:office:powerpoint" xmlns:com="http://schemas.openxmlformats.org/drawingml/2006/compatibility" xmlns:p14="http://schemas.microsoft.com/office/powerpoint/2010/main" xmlns:p15="http://schemas.microsoft.com/office/powerpoint/2012/main" xmlns:ahyp="http://schemas.microsoft.com/office/drawing/2018/hyperlinkcolor" matchingName="Blank" type="blank">
+<p:sldLayout xmlns:a="http://schemas.openxmlformats.org/drawingml/2006/main" xmlns:r="http://schemas.openxmlformats.org/officeDocument/2006/relationships" xmlns:p="http://schemas.openxmlformats.org/presentationml/2006/main" matchingName="Blank" type="blank">
   <p:cSld name="BLANK">
     <p:spTree>
       <p:nvGrpSpPr>
-        <p:cNvPr id="57" name="Shape 57"/>
+        <p:cNvPr id="1" name="Shape 57"/>
         <p:cNvGrpSpPr/>
         <p:nvPr/>
       </p:nvGrpSpPr>
@@ -2672,9 +2755,11 @@
       <p:sp>
         <p:nvSpPr>
           <p:cNvPr id="58" name="Google Shape;58;p12"/>
-          <p:cNvSpPr txBox="1"/>
+          <p:cNvSpPr txBox="1">
+            <a:spLocks noGrp="1"/>
+          </p:cNvSpPr>
           <p:nvPr>
-            <p:ph idx="12" type="sldNum"/>
+            <p:ph type="sldNum" idx="12"/>
           </p:nvPr>
         </p:nvSpPr>
         <p:spPr>
@@ -2687,7 +2772,7 @@
           </a:prstGeom>
         </p:spPr>
         <p:txBody>
-          <a:bodyPr anchorCtr="0" anchor="ctr" bIns="91425" lIns="91425" spcFirstLastPara="1" rIns="91425" wrap="square" tIns="91425">
+          <a:bodyPr spcFirstLastPara="1" wrap="square" lIns="91425" tIns="91425" rIns="91425" bIns="91425" anchor="ctr" anchorCtr="0">
             <a:normAutofit/>
           </a:bodyPr>
           <a:lstStyle>
@@ -2729,7 +2814,7 @@
             </a:lvl9pPr>
           </a:lstStyle>
           <a:p>
-            <a:pPr indent="0" lvl="0" marL="0" rtl="0" algn="r">
+            <a:pPr marL="0" lvl="0" indent="0" algn="r" rtl="0">
               <a:spcBef>
                 <a:spcPts val="0"/>
               </a:spcBef>
@@ -2755,11 +2840,11 @@
 </file>
 
 <file path=ppt/slideLayouts/slideLayout2.xml><?xml version="1.0" encoding="utf-8"?>
-<p:sldLayout xmlns:a="http://schemas.openxmlformats.org/drawingml/2006/main" xmlns:r="http://schemas.openxmlformats.org/officeDocument/2006/relationships" xmlns:mc="http://schemas.openxmlformats.org/markup-compatibility/2006" xmlns:mv="urn:schemas-microsoft-com:mac:vml" xmlns:p="http://schemas.openxmlformats.org/presentationml/2006/main" xmlns:c="http://schemas.openxmlformats.org/drawingml/2006/chart" xmlns:dgm="http://schemas.openxmlformats.org/drawingml/2006/diagram" xmlns:o="urn:schemas-microsoft-com:office:office" xmlns:v="urn:schemas-microsoft-com:vml" xmlns:pvml="urn:schemas-microsoft-com:office:powerpoint" xmlns:com="http://schemas.openxmlformats.org/drawingml/2006/compatibility" xmlns:p14="http://schemas.microsoft.com/office/powerpoint/2010/main" xmlns:p15="http://schemas.microsoft.com/office/powerpoint/2012/main" xmlns:ahyp="http://schemas.microsoft.com/office/drawing/2018/hyperlinkcolor" matchingName="Section header" type="secHead">
+<p:sldLayout xmlns:a="http://schemas.openxmlformats.org/drawingml/2006/main" xmlns:r="http://schemas.openxmlformats.org/officeDocument/2006/relationships" xmlns:p="http://schemas.openxmlformats.org/presentationml/2006/main" matchingName="Section header" type="secHead">
   <p:cSld name="SECTION_HEADER">
     <p:spTree>
       <p:nvGrpSpPr>
-        <p:cNvPr id="16" name="Shape 16"/>
+        <p:cNvPr id="1" name="Shape 16"/>
         <p:cNvGrpSpPr/>
         <p:nvPr/>
       </p:nvGrpSpPr>
@@ -2786,21 +2871,23 @@
             <a:avLst/>
           </a:prstGeom>
           <a:noFill/>
-          <a:ln cap="flat" cmpd="sng" w="38100">
+          <a:ln w="38100" cap="flat" cmpd="sng">
             <a:solidFill>
               <a:schemeClr val="accent4"/>
             </a:solidFill>
             <a:prstDash val="solid"/>
             <a:round/>
-            <a:headEnd len="sm" w="sm" type="none"/>
-            <a:tailEnd len="sm" w="sm" type="none"/>
+            <a:headEnd type="none" w="sm" len="sm"/>
+            <a:tailEnd type="none" w="sm" len="sm"/>
           </a:ln>
         </p:spPr>
       </p:cxnSp>
       <p:sp>
         <p:nvSpPr>
           <p:cNvPr id="18" name="Google Shape;18;p3"/>
-          <p:cNvSpPr txBox="1"/>
+          <p:cNvSpPr txBox="1">
+            <a:spLocks noGrp="1"/>
+          </p:cNvSpPr>
           <p:nvPr>
             <p:ph type="title"/>
           </p:nvPr>
@@ -2815,7 +2902,7 @@
           </a:prstGeom>
         </p:spPr>
         <p:txBody>
-          <a:bodyPr anchorCtr="0" anchor="b" bIns="91425" lIns="91425" spcFirstLastPara="1" rIns="91425" wrap="square" tIns="91425">
+          <a:bodyPr spcFirstLastPara="1" wrap="square" lIns="91425" tIns="91425" rIns="91425" bIns="91425" anchor="b" anchorCtr="0">
             <a:normAutofit/>
           </a:bodyPr>
           <a:lstStyle>
@@ -2919,15 +3006,19 @@
               <a:defRPr sz="4800"/>
             </a:lvl9pPr>
           </a:lstStyle>
-          <a:p/>
+          <a:p>
+            <a:endParaRPr/>
+          </a:p>
         </p:txBody>
       </p:sp>
       <p:sp>
         <p:nvSpPr>
           <p:cNvPr id="19" name="Google Shape;19;p3"/>
-          <p:cNvSpPr txBox="1"/>
+          <p:cNvSpPr txBox="1">
+            <a:spLocks noGrp="1"/>
+          </p:cNvSpPr>
           <p:nvPr>
-            <p:ph idx="12" type="sldNum"/>
+            <p:ph type="sldNum" idx="12"/>
           </p:nvPr>
         </p:nvSpPr>
         <p:spPr>
@@ -2940,7 +3031,7 @@
           </a:prstGeom>
         </p:spPr>
         <p:txBody>
-          <a:bodyPr anchorCtr="0" anchor="ctr" bIns="91425" lIns="91425" spcFirstLastPara="1" rIns="91425" wrap="square" tIns="91425">
+          <a:bodyPr spcFirstLastPara="1" wrap="square" lIns="91425" tIns="91425" rIns="91425" bIns="91425" anchor="ctr" anchorCtr="0">
             <a:normAutofit/>
           </a:bodyPr>
           <a:lstStyle>
@@ -2982,7 +3073,7 @@
             </a:lvl9pPr>
           </a:lstStyle>
           <a:p>
-            <a:pPr indent="0" lvl="0" marL="0" rtl="0" algn="r">
+            <a:pPr marL="0" lvl="0" indent="0" algn="r" rtl="0">
               <a:spcBef>
                 <a:spcPts val="0"/>
               </a:spcBef>
@@ -3008,11 +3099,11 @@
 </file>
 
 <file path=ppt/slideLayouts/slideLayout3.xml><?xml version="1.0" encoding="utf-8"?>
-<p:sldLayout xmlns:a="http://schemas.openxmlformats.org/drawingml/2006/main" xmlns:r="http://schemas.openxmlformats.org/officeDocument/2006/relationships" xmlns:mc="http://schemas.openxmlformats.org/markup-compatibility/2006" xmlns:mv="urn:schemas-microsoft-com:mac:vml" xmlns:p="http://schemas.openxmlformats.org/presentationml/2006/main" xmlns:c="http://schemas.openxmlformats.org/drawingml/2006/chart" xmlns:dgm="http://schemas.openxmlformats.org/drawingml/2006/diagram" xmlns:o="urn:schemas-microsoft-com:office:office" xmlns:v="urn:schemas-microsoft-com:vml" xmlns:pvml="urn:schemas-microsoft-com:office:powerpoint" xmlns:com="http://schemas.openxmlformats.org/drawingml/2006/compatibility" xmlns:p14="http://schemas.microsoft.com/office/powerpoint/2010/main" xmlns:p15="http://schemas.microsoft.com/office/powerpoint/2012/main" xmlns:ahyp="http://schemas.microsoft.com/office/drawing/2018/hyperlinkcolor" matchingName="Title and body" type="tx">
+<p:sldLayout xmlns:a="http://schemas.openxmlformats.org/drawingml/2006/main" xmlns:r="http://schemas.openxmlformats.org/officeDocument/2006/relationships" xmlns:p="http://schemas.openxmlformats.org/presentationml/2006/main" matchingName="Title and body" type="tx">
   <p:cSld name="TITLE_AND_BODY">
     <p:spTree>
       <p:nvGrpSpPr>
-        <p:cNvPr id="20" name="Shape 20"/>
+        <p:cNvPr id="1" name="Shape 20"/>
         <p:cNvGrpSpPr/>
         <p:nvPr/>
       </p:nvGrpSpPr>
@@ -3039,21 +3130,23 @@
             <a:avLst/>
           </a:prstGeom>
           <a:noFill/>
-          <a:ln cap="flat" cmpd="sng" w="38100">
+          <a:ln w="38100" cap="flat" cmpd="sng">
             <a:solidFill>
               <a:schemeClr val="accent4"/>
             </a:solidFill>
             <a:prstDash val="solid"/>
             <a:round/>
-            <a:headEnd len="sm" w="sm" type="none"/>
-            <a:tailEnd len="sm" w="sm" type="none"/>
+            <a:headEnd type="none" w="sm" len="sm"/>
+            <a:tailEnd type="none" w="sm" len="sm"/>
           </a:ln>
         </p:spPr>
       </p:cxnSp>
       <p:sp>
         <p:nvSpPr>
           <p:cNvPr id="22" name="Google Shape;22;p4"/>
-          <p:cNvSpPr txBox="1"/>
+          <p:cNvSpPr txBox="1">
+            <a:spLocks noGrp="1"/>
+          </p:cNvSpPr>
           <p:nvPr>
             <p:ph type="title"/>
           </p:nvPr>
@@ -3068,7 +3161,7 @@
           </a:prstGeom>
         </p:spPr>
         <p:txBody>
-          <a:bodyPr anchorCtr="0" anchor="b" bIns="91425" lIns="91425" spcFirstLastPara="1" rIns="91425" wrap="square" tIns="91425">
+          <a:bodyPr spcFirstLastPara="1" wrap="square" lIns="91425" tIns="91425" rIns="91425" bIns="91425" anchor="b" anchorCtr="0">
             <a:normAutofit/>
           </a:bodyPr>
           <a:lstStyle>
@@ -3172,15 +3265,19 @@
               <a:defRPr/>
             </a:lvl9pPr>
           </a:lstStyle>
-          <a:p/>
+          <a:p>
+            <a:endParaRPr/>
+          </a:p>
         </p:txBody>
       </p:sp>
       <p:sp>
         <p:nvSpPr>
           <p:cNvPr id="23" name="Google Shape;23;p4"/>
-          <p:cNvSpPr txBox="1"/>
+          <p:cNvSpPr txBox="1">
+            <a:spLocks noGrp="1"/>
+          </p:cNvSpPr>
           <p:nvPr>
-            <p:ph idx="1" type="body"/>
+            <p:ph type="body" idx="1"/>
           </p:nvPr>
         </p:nvSpPr>
         <p:spPr>
@@ -3193,11 +3290,11 @@
           </a:prstGeom>
         </p:spPr>
         <p:txBody>
-          <a:bodyPr anchorCtr="0" anchor="t" bIns="91425" lIns="91425" spcFirstLastPara="1" rIns="91425" wrap="square" tIns="91425">
+          <a:bodyPr spcFirstLastPara="1" wrap="square" lIns="91425" tIns="91425" rIns="91425" bIns="91425" anchor="t" anchorCtr="0">
             <a:normAutofit/>
           </a:bodyPr>
           <a:lstStyle>
-            <a:lvl1pPr indent="-342900" lvl="0" marL="457200">
+            <a:lvl1pPr marL="457200" lvl="0" indent="-342900">
               <a:spcBef>
                 <a:spcPts val="0"/>
               </a:spcBef>
@@ -3208,7 +3305,7 @@
               <a:buChar char="●"/>
               <a:defRPr/>
             </a:lvl1pPr>
-            <a:lvl2pPr indent="-317500" lvl="1" marL="914400">
+            <a:lvl2pPr marL="914400" lvl="1" indent="-317500">
               <a:spcBef>
                 <a:spcPts val="0"/>
               </a:spcBef>
@@ -3219,7 +3316,7 @@
               <a:buChar char="○"/>
               <a:defRPr/>
             </a:lvl2pPr>
-            <a:lvl3pPr indent="-317500" lvl="2" marL="1371600">
+            <a:lvl3pPr marL="1371600" lvl="2" indent="-317500">
               <a:spcBef>
                 <a:spcPts val="0"/>
               </a:spcBef>
@@ -3230,7 +3327,7 @@
               <a:buChar char="■"/>
               <a:defRPr/>
             </a:lvl3pPr>
-            <a:lvl4pPr indent="-317500" lvl="3" marL="1828800">
+            <a:lvl4pPr marL="1828800" lvl="3" indent="-317500">
               <a:spcBef>
                 <a:spcPts val="0"/>
               </a:spcBef>
@@ -3241,7 +3338,7 @@
               <a:buChar char="●"/>
               <a:defRPr/>
             </a:lvl4pPr>
-            <a:lvl5pPr indent="-317500" lvl="4" marL="2286000">
+            <a:lvl5pPr marL="2286000" lvl="4" indent="-317500">
               <a:spcBef>
                 <a:spcPts val="0"/>
               </a:spcBef>
@@ -3252,7 +3349,7 @@
               <a:buChar char="○"/>
               <a:defRPr/>
             </a:lvl5pPr>
-            <a:lvl6pPr indent="-317500" lvl="5" marL="2743200">
+            <a:lvl6pPr marL="2743200" lvl="5" indent="-317500">
               <a:spcBef>
                 <a:spcPts val="0"/>
               </a:spcBef>
@@ -3263,7 +3360,7 @@
               <a:buChar char="■"/>
               <a:defRPr/>
             </a:lvl6pPr>
-            <a:lvl7pPr indent="-317500" lvl="6" marL="3200400">
+            <a:lvl7pPr marL="3200400" lvl="6" indent="-317500">
               <a:spcBef>
                 <a:spcPts val="0"/>
               </a:spcBef>
@@ -3274,7 +3371,7 @@
               <a:buChar char="●"/>
               <a:defRPr/>
             </a:lvl7pPr>
-            <a:lvl8pPr indent="-317500" lvl="7" marL="3657600">
+            <a:lvl8pPr marL="3657600" lvl="7" indent="-317500">
               <a:spcBef>
                 <a:spcPts val="0"/>
               </a:spcBef>
@@ -3285,7 +3382,7 @@
               <a:buChar char="○"/>
               <a:defRPr/>
             </a:lvl8pPr>
-            <a:lvl9pPr indent="-317500" lvl="8" marL="4114800">
+            <a:lvl9pPr marL="4114800" lvl="8" indent="-317500">
               <a:spcBef>
                 <a:spcPts val="0"/>
               </a:spcBef>
@@ -3297,15 +3394,19 @@
               <a:defRPr/>
             </a:lvl9pPr>
           </a:lstStyle>
-          <a:p/>
+          <a:p>
+            <a:endParaRPr/>
+          </a:p>
         </p:txBody>
       </p:sp>
       <p:sp>
         <p:nvSpPr>
           <p:cNvPr id="24" name="Google Shape;24;p4"/>
-          <p:cNvSpPr txBox="1"/>
+          <p:cNvSpPr txBox="1">
+            <a:spLocks noGrp="1"/>
+          </p:cNvSpPr>
           <p:nvPr>
-            <p:ph idx="12" type="sldNum"/>
+            <p:ph type="sldNum" idx="12"/>
           </p:nvPr>
         </p:nvSpPr>
         <p:spPr>
@@ -3318,7 +3419,7 @@
           </a:prstGeom>
         </p:spPr>
         <p:txBody>
-          <a:bodyPr anchorCtr="0" anchor="ctr" bIns="91425" lIns="91425" spcFirstLastPara="1" rIns="91425" wrap="square" tIns="91425">
+          <a:bodyPr spcFirstLastPara="1" wrap="square" lIns="91425" tIns="91425" rIns="91425" bIns="91425" anchor="ctr" anchorCtr="0">
             <a:normAutofit/>
           </a:bodyPr>
           <a:lstStyle>
@@ -3360,7 +3461,7 @@
             </a:lvl9pPr>
           </a:lstStyle>
           <a:p>
-            <a:pPr indent="0" lvl="0" marL="0" rtl="0" algn="r">
+            <a:pPr marL="0" lvl="0" indent="0" algn="r" rtl="0">
               <a:spcBef>
                 <a:spcPts val="0"/>
               </a:spcBef>
@@ -3386,11 +3487,11 @@
 </file>
 
 <file path=ppt/slideLayouts/slideLayout4.xml><?xml version="1.0" encoding="utf-8"?>
-<p:sldLayout xmlns:a="http://schemas.openxmlformats.org/drawingml/2006/main" xmlns:r="http://schemas.openxmlformats.org/officeDocument/2006/relationships" xmlns:mc="http://schemas.openxmlformats.org/markup-compatibility/2006" xmlns:mv="urn:schemas-microsoft-com:mac:vml" xmlns:p="http://schemas.openxmlformats.org/presentationml/2006/main" xmlns:c="http://schemas.openxmlformats.org/drawingml/2006/chart" xmlns:dgm="http://schemas.openxmlformats.org/drawingml/2006/diagram" xmlns:o="urn:schemas-microsoft-com:office:office" xmlns:v="urn:schemas-microsoft-com:vml" xmlns:pvml="urn:schemas-microsoft-com:office:powerpoint" xmlns:com="http://schemas.openxmlformats.org/drawingml/2006/compatibility" xmlns:p14="http://schemas.microsoft.com/office/powerpoint/2010/main" xmlns:p15="http://schemas.microsoft.com/office/powerpoint/2012/main" xmlns:ahyp="http://schemas.microsoft.com/office/drawing/2018/hyperlinkcolor" matchingName="Title and two columns" type="twoColTx">
+<p:sldLayout xmlns:a="http://schemas.openxmlformats.org/drawingml/2006/main" xmlns:r="http://schemas.openxmlformats.org/officeDocument/2006/relationships" xmlns:p="http://schemas.openxmlformats.org/presentationml/2006/main" matchingName="Title and two columns" type="twoColTx">
   <p:cSld name="TITLE_AND_TWO_COLUMNS">
     <p:spTree>
       <p:nvGrpSpPr>
-        <p:cNvPr id="25" name="Shape 25"/>
+        <p:cNvPr id="1" name="Shape 25"/>
         <p:cNvGrpSpPr/>
         <p:nvPr/>
       </p:nvGrpSpPr>
@@ -3417,21 +3518,23 @@
             <a:avLst/>
           </a:prstGeom>
           <a:noFill/>
-          <a:ln cap="flat" cmpd="sng" w="38100">
+          <a:ln w="38100" cap="flat" cmpd="sng">
             <a:solidFill>
               <a:schemeClr val="accent4"/>
             </a:solidFill>
             <a:prstDash val="solid"/>
             <a:round/>
-            <a:headEnd len="sm" w="sm" type="none"/>
-            <a:tailEnd len="sm" w="sm" type="none"/>
+            <a:headEnd type="none" w="sm" len="sm"/>
+            <a:tailEnd type="none" w="sm" len="sm"/>
           </a:ln>
         </p:spPr>
       </p:cxnSp>
       <p:sp>
         <p:nvSpPr>
           <p:cNvPr id="27" name="Google Shape;27;p5"/>
-          <p:cNvSpPr txBox="1"/>
+          <p:cNvSpPr txBox="1">
+            <a:spLocks noGrp="1"/>
+          </p:cNvSpPr>
           <p:nvPr>
             <p:ph type="title"/>
           </p:nvPr>
@@ -3446,7 +3549,7 @@
           </a:prstGeom>
         </p:spPr>
         <p:txBody>
-          <a:bodyPr anchorCtr="0" anchor="b" bIns="91425" lIns="91425" spcFirstLastPara="1" rIns="91425" wrap="square" tIns="91425">
+          <a:bodyPr spcFirstLastPara="1" wrap="square" lIns="91425" tIns="91425" rIns="91425" bIns="91425" anchor="b" anchorCtr="0">
             <a:normAutofit/>
           </a:bodyPr>
           <a:lstStyle>
@@ -3550,15 +3653,19 @@
               <a:defRPr/>
             </a:lvl9pPr>
           </a:lstStyle>
-          <a:p/>
+          <a:p>
+            <a:endParaRPr/>
+          </a:p>
         </p:txBody>
       </p:sp>
       <p:sp>
         <p:nvSpPr>
           <p:cNvPr id="28" name="Google Shape;28;p5"/>
-          <p:cNvSpPr txBox="1"/>
+          <p:cNvSpPr txBox="1">
+            <a:spLocks noGrp="1"/>
+          </p:cNvSpPr>
           <p:nvPr>
-            <p:ph idx="1" type="body"/>
+            <p:ph type="body" idx="1"/>
           </p:nvPr>
         </p:nvSpPr>
         <p:spPr>
@@ -3571,11 +3678,11 @@
           </a:prstGeom>
         </p:spPr>
         <p:txBody>
-          <a:bodyPr anchorCtr="0" anchor="t" bIns="91425" lIns="91425" spcFirstLastPara="1" rIns="91425" wrap="square" tIns="91425">
+          <a:bodyPr spcFirstLastPara="1" wrap="square" lIns="91425" tIns="91425" rIns="91425" bIns="91425" anchor="t" anchorCtr="0">
             <a:normAutofit/>
           </a:bodyPr>
           <a:lstStyle>
-            <a:lvl1pPr indent="-317500" lvl="0" marL="457200">
+            <a:lvl1pPr marL="457200" lvl="0" indent="-317500">
               <a:spcBef>
                 <a:spcPts val="0"/>
               </a:spcBef>
@@ -3586,7 +3693,7 @@
               <a:buChar char="●"/>
               <a:defRPr sz="1400"/>
             </a:lvl1pPr>
-            <a:lvl2pPr indent="-304800" lvl="1" marL="914400">
+            <a:lvl2pPr marL="914400" lvl="1" indent="-304800">
               <a:spcBef>
                 <a:spcPts val="0"/>
               </a:spcBef>
@@ -3597,7 +3704,7 @@
               <a:buChar char="○"/>
               <a:defRPr sz="1200"/>
             </a:lvl2pPr>
-            <a:lvl3pPr indent="-304800" lvl="2" marL="1371600">
+            <a:lvl3pPr marL="1371600" lvl="2" indent="-304800">
               <a:spcBef>
                 <a:spcPts val="0"/>
               </a:spcBef>
@@ -3608,7 +3715,7 @@
               <a:buChar char="■"/>
               <a:defRPr sz="1200"/>
             </a:lvl3pPr>
-            <a:lvl4pPr indent="-304800" lvl="3" marL="1828800">
+            <a:lvl4pPr marL="1828800" lvl="3" indent="-304800">
               <a:spcBef>
                 <a:spcPts val="0"/>
               </a:spcBef>
@@ -3619,7 +3726,7 @@
               <a:buChar char="●"/>
               <a:defRPr sz="1200"/>
             </a:lvl4pPr>
-            <a:lvl5pPr indent="-304800" lvl="4" marL="2286000">
+            <a:lvl5pPr marL="2286000" lvl="4" indent="-304800">
               <a:spcBef>
                 <a:spcPts val="0"/>
               </a:spcBef>
@@ -3630,7 +3737,7 @@
               <a:buChar char="○"/>
               <a:defRPr sz="1200"/>
             </a:lvl5pPr>
-            <a:lvl6pPr indent="-304800" lvl="5" marL="2743200">
+            <a:lvl6pPr marL="2743200" lvl="5" indent="-304800">
               <a:spcBef>
                 <a:spcPts val="0"/>
               </a:spcBef>
@@ -3641,7 +3748,7 @@
               <a:buChar char="■"/>
               <a:defRPr sz="1200"/>
             </a:lvl6pPr>
-            <a:lvl7pPr indent="-304800" lvl="6" marL="3200400">
+            <a:lvl7pPr marL="3200400" lvl="6" indent="-304800">
               <a:spcBef>
                 <a:spcPts val="0"/>
               </a:spcBef>
@@ -3652,7 +3759,7 @@
               <a:buChar char="●"/>
               <a:defRPr sz="1200"/>
             </a:lvl7pPr>
-            <a:lvl8pPr indent="-304800" lvl="7" marL="3657600">
+            <a:lvl8pPr marL="3657600" lvl="7" indent="-304800">
               <a:spcBef>
                 <a:spcPts val="0"/>
               </a:spcBef>
@@ -3663,7 +3770,7 @@
               <a:buChar char="○"/>
               <a:defRPr sz="1200"/>
             </a:lvl8pPr>
-            <a:lvl9pPr indent="-304800" lvl="8" marL="4114800">
+            <a:lvl9pPr marL="4114800" lvl="8" indent="-304800">
               <a:spcBef>
                 <a:spcPts val="0"/>
               </a:spcBef>
@@ -3675,15 +3782,19 @@
               <a:defRPr sz="1200"/>
             </a:lvl9pPr>
           </a:lstStyle>
-          <a:p/>
+          <a:p>
+            <a:endParaRPr/>
+          </a:p>
         </p:txBody>
       </p:sp>
       <p:sp>
         <p:nvSpPr>
           <p:cNvPr id="29" name="Google Shape;29;p5"/>
-          <p:cNvSpPr txBox="1"/>
+          <p:cNvSpPr txBox="1">
+            <a:spLocks noGrp="1"/>
+          </p:cNvSpPr>
           <p:nvPr>
-            <p:ph idx="2" type="body"/>
+            <p:ph type="body" idx="2"/>
           </p:nvPr>
         </p:nvSpPr>
         <p:spPr>
@@ -3696,11 +3807,11 @@
           </a:prstGeom>
         </p:spPr>
         <p:txBody>
-          <a:bodyPr anchorCtr="0" anchor="t" bIns="91425" lIns="91425" spcFirstLastPara="1" rIns="91425" wrap="square" tIns="91425">
+          <a:bodyPr spcFirstLastPara="1" wrap="square" lIns="91425" tIns="91425" rIns="91425" bIns="91425" anchor="t" anchorCtr="0">
             <a:normAutofit/>
           </a:bodyPr>
           <a:lstStyle>
-            <a:lvl1pPr indent="-317500" lvl="0" marL="457200">
+            <a:lvl1pPr marL="457200" lvl="0" indent="-317500">
               <a:spcBef>
                 <a:spcPts val="0"/>
               </a:spcBef>
@@ -3711,7 +3822,7 @@
               <a:buChar char="●"/>
               <a:defRPr sz="1400"/>
             </a:lvl1pPr>
-            <a:lvl2pPr indent="-304800" lvl="1" marL="914400">
+            <a:lvl2pPr marL="914400" lvl="1" indent="-304800">
               <a:spcBef>
                 <a:spcPts val="0"/>
               </a:spcBef>
@@ -3722,7 +3833,7 @@
               <a:buChar char="○"/>
               <a:defRPr sz="1200"/>
             </a:lvl2pPr>
-            <a:lvl3pPr indent="-304800" lvl="2" marL="1371600">
+            <a:lvl3pPr marL="1371600" lvl="2" indent="-304800">
               <a:spcBef>
                 <a:spcPts val="0"/>
               </a:spcBef>
@@ -3733,7 +3844,7 @@
               <a:buChar char="■"/>
               <a:defRPr sz="1200"/>
             </a:lvl3pPr>
-            <a:lvl4pPr indent="-304800" lvl="3" marL="1828800">
+            <a:lvl4pPr marL="1828800" lvl="3" indent="-304800">
               <a:spcBef>
                 <a:spcPts val="0"/>
               </a:spcBef>
@@ -3744,7 +3855,7 @@
               <a:buChar char="●"/>
               <a:defRPr sz="1200"/>
             </a:lvl4pPr>
-            <a:lvl5pPr indent="-304800" lvl="4" marL="2286000">
+            <a:lvl5pPr marL="2286000" lvl="4" indent="-304800">
               <a:spcBef>
                 <a:spcPts val="0"/>
               </a:spcBef>
@@ -3755,7 +3866,7 @@
               <a:buChar char="○"/>
               <a:defRPr sz="1200"/>
             </a:lvl5pPr>
-            <a:lvl6pPr indent="-304800" lvl="5" marL="2743200">
+            <a:lvl6pPr marL="2743200" lvl="5" indent="-304800">
               <a:spcBef>
                 <a:spcPts val="0"/>
               </a:spcBef>
@@ -3766,7 +3877,7 @@
               <a:buChar char="■"/>
               <a:defRPr sz="1200"/>
             </a:lvl6pPr>
-            <a:lvl7pPr indent="-304800" lvl="6" marL="3200400">
+            <a:lvl7pPr marL="3200400" lvl="6" indent="-304800">
               <a:spcBef>
                 <a:spcPts val="0"/>
               </a:spcBef>
@@ -3777,7 +3888,7 @@
               <a:buChar char="●"/>
               <a:defRPr sz="1200"/>
             </a:lvl7pPr>
-            <a:lvl8pPr indent="-304800" lvl="7" marL="3657600">
+            <a:lvl8pPr marL="3657600" lvl="7" indent="-304800">
               <a:spcBef>
                 <a:spcPts val="0"/>
               </a:spcBef>
@@ -3788,7 +3899,7 @@
               <a:buChar char="○"/>
               <a:defRPr sz="1200"/>
             </a:lvl8pPr>
-            <a:lvl9pPr indent="-304800" lvl="8" marL="4114800">
+            <a:lvl9pPr marL="4114800" lvl="8" indent="-304800">
               <a:spcBef>
                 <a:spcPts val="0"/>
               </a:spcBef>
@@ -3800,15 +3911,19 @@
               <a:defRPr sz="1200"/>
             </a:lvl9pPr>
           </a:lstStyle>
-          <a:p/>
+          <a:p>
+            <a:endParaRPr/>
+          </a:p>
         </p:txBody>
       </p:sp>
       <p:sp>
         <p:nvSpPr>
           <p:cNvPr id="30" name="Google Shape;30;p5"/>
-          <p:cNvSpPr txBox="1"/>
+          <p:cNvSpPr txBox="1">
+            <a:spLocks noGrp="1"/>
+          </p:cNvSpPr>
           <p:nvPr>
-            <p:ph idx="12" type="sldNum"/>
+            <p:ph type="sldNum" idx="12"/>
           </p:nvPr>
         </p:nvSpPr>
         <p:spPr>
@@ -3821,7 +3936,7 @@
           </a:prstGeom>
         </p:spPr>
         <p:txBody>
-          <a:bodyPr anchorCtr="0" anchor="ctr" bIns="91425" lIns="91425" spcFirstLastPara="1" rIns="91425" wrap="square" tIns="91425">
+          <a:bodyPr spcFirstLastPara="1" wrap="square" lIns="91425" tIns="91425" rIns="91425" bIns="91425" anchor="ctr" anchorCtr="0">
             <a:normAutofit/>
           </a:bodyPr>
           <a:lstStyle>
@@ -3863,7 +3978,7 @@
             </a:lvl9pPr>
           </a:lstStyle>
           <a:p>
-            <a:pPr indent="0" lvl="0" marL="0" rtl="0" algn="r">
+            <a:pPr marL="0" lvl="0" indent="0" algn="r" rtl="0">
               <a:spcBef>
                 <a:spcPts val="0"/>
               </a:spcBef>
@@ -3889,11 +4004,11 @@
 </file>
 
 <file path=ppt/slideLayouts/slideLayout5.xml><?xml version="1.0" encoding="utf-8"?>
-<p:sldLayout xmlns:a="http://schemas.openxmlformats.org/drawingml/2006/main" xmlns:r="http://schemas.openxmlformats.org/officeDocument/2006/relationships" xmlns:mc="http://schemas.openxmlformats.org/markup-compatibility/2006" xmlns:mv="urn:schemas-microsoft-com:mac:vml" xmlns:p="http://schemas.openxmlformats.org/presentationml/2006/main" xmlns:c="http://schemas.openxmlformats.org/drawingml/2006/chart" xmlns:dgm="http://schemas.openxmlformats.org/drawingml/2006/diagram" xmlns:o="urn:schemas-microsoft-com:office:office" xmlns:v="urn:schemas-microsoft-com:vml" xmlns:pvml="urn:schemas-microsoft-com:office:powerpoint" xmlns:com="http://schemas.openxmlformats.org/drawingml/2006/compatibility" xmlns:p14="http://schemas.microsoft.com/office/powerpoint/2010/main" xmlns:p15="http://schemas.microsoft.com/office/powerpoint/2012/main" xmlns:ahyp="http://schemas.microsoft.com/office/drawing/2018/hyperlinkcolor" matchingName="Title only" type="titleOnly">
+<p:sldLayout xmlns:a="http://schemas.openxmlformats.org/drawingml/2006/main" xmlns:r="http://schemas.openxmlformats.org/officeDocument/2006/relationships" xmlns:p="http://schemas.openxmlformats.org/presentationml/2006/main" matchingName="Title only" type="titleOnly">
   <p:cSld name="TITLE_ONLY">
     <p:spTree>
       <p:nvGrpSpPr>
-        <p:cNvPr id="31" name="Shape 31"/>
+        <p:cNvPr id="1" name="Shape 31"/>
         <p:cNvGrpSpPr/>
         <p:nvPr/>
       </p:nvGrpSpPr>
@@ -3908,7 +4023,9 @@
       <p:sp>
         <p:nvSpPr>
           <p:cNvPr id="32" name="Google Shape;32;p6"/>
-          <p:cNvSpPr txBox="1"/>
+          <p:cNvSpPr txBox="1">
+            <a:spLocks noGrp="1"/>
+          </p:cNvSpPr>
           <p:nvPr>
             <p:ph type="title"/>
           </p:nvPr>
@@ -3923,7 +4040,7 @@
           </a:prstGeom>
         </p:spPr>
         <p:txBody>
-          <a:bodyPr anchorCtr="0" anchor="b" bIns="91425" lIns="91425" spcFirstLastPara="1" rIns="91425" wrap="square" tIns="91425">
+          <a:bodyPr spcFirstLastPara="1" wrap="square" lIns="91425" tIns="91425" rIns="91425" bIns="91425" anchor="b" anchorCtr="0">
             <a:normAutofit/>
           </a:bodyPr>
           <a:lstStyle>
@@ -4027,15 +4144,19 @@
               <a:defRPr/>
             </a:lvl9pPr>
           </a:lstStyle>
-          <a:p/>
+          <a:p>
+            <a:endParaRPr/>
+          </a:p>
         </p:txBody>
       </p:sp>
       <p:sp>
         <p:nvSpPr>
           <p:cNvPr id="33" name="Google Shape;33;p6"/>
-          <p:cNvSpPr txBox="1"/>
+          <p:cNvSpPr txBox="1">
+            <a:spLocks noGrp="1"/>
+          </p:cNvSpPr>
           <p:nvPr>
-            <p:ph idx="12" type="sldNum"/>
+            <p:ph type="sldNum" idx="12"/>
           </p:nvPr>
         </p:nvSpPr>
         <p:spPr>
@@ -4048,7 +4169,7 @@
           </a:prstGeom>
         </p:spPr>
         <p:txBody>
-          <a:bodyPr anchorCtr="0" anchor="ctr" bIns="91425" lIns="91425" spcFirstLastPara="1" rIns="91425" wrap="square" tIns="91425">
+          <a:bodyPr spcFirstLastPara="1" wrap="square" lIns="91425" tIns="91425" rIns="91425" bIns="91425" anchor="ctr" anchorCtr="0">
             <a:normAutofit/>
           </a:bodyPr>
           <a:lstStyle>
@@ -4090,7 +4211,7 @@
             </a:lvl9pPr>
           </a:lstStyle>
           <a:p>
-            <a:pPr indent="0" lvl="0" marL="0" rtl="0" algn="r">
+            <a:pPr marL="0" lvl="0" indent="0" algn="r" rtl="0">
               <a:spcBef>
                 <a:spcPts val="0"/>
               </a:spcBef>
@@ -4116,11 +4237,11 @@
 </file>
 
 <file path=ppt/slideLayouts/slideLayout6.xml><?xml version="1.0" encoding="utf-8"?>
-<p:sldLayout xmlns:a="http://schemas.openxmlformats.org/drawingml/2006/main" xmlns:r="http://schemas.openxmlformats.org/officeDocument/2006/relationships" xmlns:mc="http://schemas.openxmlformats.org/markup-compatibility/2006" xmlns:mv="urn:schemas-microsoft-com:mac:vml" xmlns:p="http://schemas.openxmlformats.org/presentationml/2006/main" xmlns:c="http://schemas.openxmlformats.org/drawingml/2006/chart" xmlns:dgm="http://schemas.openxmlformats.org/drawingml/2006/diagram" xmlns:o="urn:schemas-microsoft-com:office:office" xmlns:v="urn:schemas-microsoft-com:vml" xmlns:pvml="urn:schemas-microsoft-com:office:powerpoint" xmlns:com="http://schemas.openxmlformats.org/drawingml/2006/compatibility" xmlns:p14="http://schemas.microsoft.com/office/powerpoint/2010/main" xmlns:p15="http://schemas.microsoft.com/office/powerpoint/2012/main" xmlns:ahyp="http://schemas.microsoft.com/office/drawing/2018/hyperlinkcolor" matchingName="One column text">
+<p:sldLayout xmlns:a="http://schemas.openxmlformats.org/drawingml/2006/main" xmlns:r="http://schemas.openxmlformats.org/officeDocument/2006/relationships" xmlns:p="http://schemas.openxmlformats.org/presentationml/2006/main" matchingName="One column text">
   <p:cSld name="ONE_COLUMN_TEXT">
     <p:spTree>
       <p:nvGrpSpPr>
-        <p:cNvPr id="34" name="Shape 34"/>
+        <p:cNvPr id="1" name="Shape 34"/>
         <p:cNvGrpSpPr/>
         <p:nvPr/>
       </p:nvGrpSpPr>
@@ -4147,21 +4268,23 @@
             <a:avLst/>
           </a:prstGeom>
           <a:noFill/>
-          <a:ln cap="flat" cmpd="sng" w="38100">
+          <a:ln w="38100" cap="flat" cmpd="sng">
             <a:solidFill>
               <a:schemeClr val="accent4"/>
             </a:solidFill>
             <a:prstDash val="solid"/>
             <a:round/>
-            <a:headEnd len="sm" w="sm" type="none"/>
-            <a:tailEnd len="sm" w="sm" type="none"/>
+            <a:headEnd type="none" w="sm" len="sm"/>
+            <a:tailEnd type="none" w="sm" len="sm"/>
           </a:ln>
         </p:spPr>
       </p:cxnSp>
       <p:sp>
         <p:nvSpPr>
           <p:cNvPr id="36" name="Google Shape;36;p7"/>
-          <p:cNvSpPr txBox="1"/>
+          <p:cNvSpPr txBox="1">
+            <a:spLocks noGrp="1"/>
+          </p:cNvSpPr>
           <p:nvPr>
             <p:ph type="title"/>
           </p:nvPr>
@@ -4176,7 +4299,7 @@
           </a:prstGeom>
         </p:spPr>
         <p:txBody>
-          <a:bodyPr anchorCtr="0" anchor="b" bIns="91425" lIns="91425" spcFirstLastPara="1" rIns="91425" wrap="square" tIns="91425">
+          <a:bodyPr spcFirstLastPara="1" wrap="square" lIns="91425" tIns="91425" rIns="91425" bIns="91425" anchor="b" anchorCtr="0">
             <a:normAutofit/>
           </a:bodyPr>
           <a:lstStyle>
@@ -4280,15 +4403,19 @@
               <a:defRPr sz="2400"/>
             </a:lvl9pPr>
           </a:lstStyle>
-          <a:p/>
+          <a:p>
+            <a:endParaRPr/>
+          </a:p>
         </p:txBody>
       </p:sp>
       <p:sp>
         <p:nvSpPr>
           <p:cNvPr id="37" name="Google Shape;37;p7"/>
-          <p:cNvSpPr txBox="1"/>
+          <p:cNvSpPr txBox="1">
+            <a:spLocks noGrp="1"/>
+          </p:cNvSpPr>
           <p:nvPr>
-            <p:ph idx="1" type="body"/>
+            <p:ph type="body" idx="1"/>
           </p:nvPr>
         </p:nvSpPr>
         <p:spPr>
@@ -4301,11 +4428,11 @@
           </a:prstGeom>
         </p:spPr>
         <p:txBody>
-          <a:bodyPr anchorCtr="0" anchor="t" bIns="91425" lIns="91425" spcFirstLastPara="1" rIns="91425" wrap="square" tIns="91425">
+          <a:bodyPr spcFirstLastPara="1" wrap="square" lIns="91425" tIns="91425" rIns="91425" bIns="91425" anchor="t" anchorCtr="0">
             <a:normAutofit/>
           </a:bodyPr>
           <a:lstStyle>
-            <a:lvl1pPr indent="-304800" lvl="0" marL="457200">
+            <a:lvl1pPr marL="457200" lvl="0" indent="-304800">
               <a:spcBef>
                 <a:spcPts val="0"/>
               </a:spcBef>
@@ -4316,7 +4443,7 @@
               <a:buChar char="●"/>
               <a:defRPr sz="1200"/>
             </a:lvl1pPr>
-            <a:lvl2pPr indent="-304800" lvl="1" marL="914400">
+            <a:lvl2pPr marL="914400" lvl="1" indent="-304800">
               <a:spcBef>
                 <a:spcPts val="0"/>
               </a:spcBef>
@@ -4327,7 +4454,7 @@
               <a:buChar char="○"/>
               <a:defRPr sz="1200"/>
             </a:lvl2pPr>
-            <a:lvl3pPr indent="-304800" lvl="2" marL="1371600">
+            <a:lvl3pPr marL="1371600" lvl="2" indent="-304800">
               <a:spcBef>
                 <a:spcPts val="0"/>
               </a:spcBef>
@@ -4338,7 +4465,7 @@
               <a:buChar char="■"/>
               <a:defRPr sz="1200"/>
             </a:lvl3pPr>
-            <a:lvl4pPr indent="-304800" lvl="3" marL="1828800">
+            <a:lvl4pPr marL="1828800" lvl="3" indent="-304800">
               <a:spcBef>
                 <a:spcPts val="0"/>
               </a:spcBef>
@@ -4349,7 +4476,7 @@
               <a:buChar char="●"/>
               <a:defRPr sz="1200"/>
             </a:lvl4pPr>
-            <a:lvl5pPr indent="-304800" lvl="4" marL="2286000">
+            <a:lvl5pPr marL="2286000" lvl="4" indent="-304800">
               <a:spcBef>
                 <a:spcPts val="0"/>
               </a:spcBef>
@@ -4360,7 +4487,7 @@
               <a:buChar char="○"/>
               <a:defRPr sz="1200"/>
             </a:lvl5pPr>
-            <a:lvl6pPr indent="-304800" lvl="5" marL="2743200">
+            <a:lvl6pPr marL="2743200" lvl="5" indent="-304800">
               <a:spcBef>
                 <a:spcPts val="0"/>
               </a:spcBef>
@@ -4371,7 +4498,7 @@
               <a:buChar char="■"/>
               <a:defRPr sz="1200"/>
             </a:lvl6pPr>
-            <a:lvl7pPr indent="-304800" lvl="6" marL="3200400">
+            <a:lvl7pPr marL="3200400" lvl="6" indent="-304800">
               <a:spcBef>
                 <a:spcPts val="0"/>
               </a:spcBef>
@@ -4382,7 +4509,7 @@
               <a:buChar char="●"/>
               <a:defRPr sz="1200"/>
             </a:lvl7pPr>
-            <a:lvl8pPr indent="-304800" lvl="7" marL="3657600">
+            <a:lvl8pPr marL="3657600" lvl="7" indent="-304800">
               <a:spcBef>
                 <a:spcPts val="0"/>
               </a:spcBef>
@@ -4393,7 +4520,7 @@
               <a:buChar char="○"/>
               <a:defRPr sz="1200"/>
             </a:lvl8pPr>
-            <a:lvl9pPr indent="-304800" lvl="8" marL="4114800">
+            <a:lvl9pPr marL="4114800" lvl="8" indent="-304800">
               <a:spcBef>
                 <a:spcPts val="0"/>
               </a:spcBef>
@@ -4405,15 +4532,19 @@
               <a:defRPr sz="1200"/>
             </a:lvl9pPr>
           </a:lstStyle>
-          <a:p/>
+          <a:p>
+            <a:endParaRPr/>
+          </a:p>
         </p:txBody>
       </p:sp>
       <p:sp>
         <p:nvSpPr>
           <p:cNvPr id="38" name="Google Shape;38;p7"/>
-          <p:cNvSpPr txBox="1"/>
+          <p:cNvSpPr txBox="1">
+            <a:spLocks noGrp="1"/>
+          </p:cNvSpPr>
           <p:nvPr>
-            <p:ph idx="12" type="sldNum"/>
+            <p:ph type="sldNum" idx="12"/>
           </p:nvPr>
         </p:nvSpPr>
         <p:spPr>
@@ -4426,7 +4557,7 @@
           </a:prstGeom>
         </p:spPr>
         <p:txBody>
-          <a:bodyPr anchorCtr="0" anchor="ctr" bIns="91425" lIns="91425" spcFirstLastPara="1" rIns="91425" wrap="square" tIns="91425">
+          <a:bodyPr spcFirstLastPara="1" wrap="square" lIns="91425" tIns="91425" rIns="91425" bIns="91425" anchor="ctr" anchorCtr="0">
             <a:normAutofit/>
           </a:bodyPr>
           <a:lstStyle>
@@ -4468,7 +4599,7 @@
             </a:lvl9pPr>
           </a:lstStyle>
           <a:p>
-            <a:pPr indent="0" lvl="0" marL="0" rtl="0" algn="r">
+            <a:pPr marL="0" lvl="0" indent="0" algn="r" rtl="0">
               <a:spcBef>
                 <a:spcPts val="0"/>
               </a:spcBef>
@@ -4494,11 +4625,11 @@
 </file>
 
 <file path=ppt/slideLayouts/slideLayout7.xml><?xml version="1.0" encoding="utf-8"?>
-<p:sldLayout xmlns:a="http://schemas.openxmlformats.org/drawingml/2006/main" xmlns:r="http://schemas.openxmlformats.org/officeDocument/2006/relationships" xmlns:mc="http://schemas.openxmlformats.org/markup-compatibility/2006" xmlns:mv="urn:schemas-microsoft-com:mac:vml" xmlns:p="http://schemas.openxmlformats.org/presentationml/2006/main" xmlns:c="http://schemas.openxmlformats.org/drawingml/2006/chart" xmlns:dgm="http://schemas.openxmlformats.org/drawingml/2006/diagram" xmlns:o="urn:schemas-microsoft-com:office:office" xmlns:v="urn:schemas-microsoft-com:vml" xmlns:pvml="urn:schemas-microsoft-com:office:powerpoint" xmlns:com="http://schemas.openxmlformats.org/drawingml/2006/compatibility" xmlns:p14="http://schemas.microsoft.com/office/powerpoint/2010/main" xmlns:p15="http://schemas.microsoft.com/office/powerpoint/2012/main" xmlns:ahyp="http://schemas.microsoft.com/office/drawing/2018/hyperlinkcolor" matchingName="Main point">
+<p:sldLayout xmlns:a="http://schemas.openxmlformats.org/drawingml/2006/main" xmlns:r="http://schemas.openxmlformats.org/officeDocument/2006/relationships" xmlns:p="http://schemas.openxmlformats.org/presentationml/2006/main" matchingName="Main point">
   <p:cSld name="MAIN_POINT">
     <p:spTree>
       <p:nvGrpSpPr>
-        <p:cNvPr id="39" name="Shape 39"/>
+        <p:cNvPr id="1" name="Shape 39"/>
         <p:cNvGrpSpPr/>
         <p:nvPr/>
       </p:nvGrpSpPr>
@@ -4513,7 +4644,9 @@
       <p:sp>
         <p:nvSpPr>
           <p:cNvPr id="40" name="Google Shape;40;p8"/>
-          <p:cNvSpPr txBox="1"/>
+          <p:cNvSpPr txBox="1">
+            <a:spLocks noGrp="1"/>
+          </p:cNvSpPr>
           <p:nvPr>
             <p:ph type="title"/>
           </p:nvPr>
@@ -4528,7 +4661,7 @@
           </a:prstGeom>
         </p:spPr>
         <p:txBody>
-          <a:bodyPr anchorCtr="0" anchor="ctr" bIns="91425" lIns="91425" spcFirstLastPara="1" rIns="91425" wrap="square" tIns="91425">
+          <a:bodyPr spcFirstLastPara="1" wrap="square" lIns="91425" tIns="91425" rIns="91425" bIns="91425" anchor="ctr" anchorCtr="0">
             <a:normAutofit/>
           </a:bodyPr>
           <a:lstStyle>
@@ -4632,15 +4765,19 @@
               <a:defRPr sz="4800"/>
             </a:lvl9pPr>
           </a:lstStyle>
-          <a:p/>
+          <a:p>
+            <a:endParaRPr/>
+          </a:p>
         </p:txBody>
       </p:sp>
       <p:sp>
         <p:nvSpPr>
           <p:cNvPr id="41" name="Google Shape;41;p8"/>
-          <p:cNvSpPr txBox="1"/>
+          <p:cNvSpPr txBox="1">
+            <a:spLocks noGrp="1"/>
+          </p:cNvSpPr>
           <p:nvPr>
-            <p:ph idx="12" type="sldNum"/>
+            <p:ph type="sldNum" idx="12"/>
           </p:nvPr>
         </p:nvSpPr>
         <p:spPr>
@@ -4653,7 +4790,7 @@
           </a:prstGeom>
         </p:spPr>
         <p:txBody>
-          <a:bodyPr anchorCtr="0" anchor="ctr" bIns="91425" lIns="91425" spcFirstLastPara="1" rIns="91425" wrap="square" tIns="91425">
+          <a:bodyPr spcFirstLastPara="1" wrap="square" lIns="91425" tIns="91425" rIns="91425" bIns="91425" anchor="ctr" anchorCtr="0">
             <a:normAutofit/>
           </a:bodyPr>
           <a:lstStyle>
@@ -4695,7 +4832,7 @@
             </a:lvl9pPr>
           </a:lstStyle>
           <a:p>
-            <a:pPr indent="0" lvl="0" marL="0" rtl="0" algn="r">
+            <a:pPr marL="0" lvl="0" indent="0" algn="r" rtl="0">
               <a:spcBef>
                 <a:spcPts val="0"/>
               </a:spcBef>
@@ -4721,11 +4858,11 @@
 </file>
 
 <file path=ppt/slideLayouts/slideLayout8.xml><?xml version="1.0" encoding="utf-8"?>
-<p:sldLayout xmlns:a="http://schemas.openxmlformats.org/drawingml/2006/main" xmlns:r="http://schemas.openxmlformats.org/officeDocument/2006/relationships" xmlns:mc="http://schemas.openxmlformats.org/markup-compatibility/2006" xmlns:mv="urn:schemas-microsoft-com:mac:vml" xmlns:p="http://schemas.openxmlformats.org/presentationml/2006/main" xmlns:c="http://schemas.openxmlformats.org/drawingml/2006/chart" xmlns:dgm="http://schemas.openxmlformats.org/drawingml/2006/diagram" xmlns:o="urn:schemas-microsoft-com:office:office" xmlns:v="urn:schemas-microsoft-com:vml" xmlns:pvml="urn:schemas-microsoft-com:office:powerpoint" xmlns:com="http://schemas.openxmlformats.org/drawingml/2006/compatibility" xmlns:p14="http://schemas.microsoft.com/office/powerpoint/2010/main" xmlns:p15="http://schemas.microsoft.com/office/powerpoint/2012/main" xmlns:ahyp="http://schemas.microsoft.com/office/drawing/2018/hyperlinkcolor" matchingName="Section title and description">
+<p:sldLayout xmlns:a="http://schemas.openxmlformats.org/drawingml/2006/main" xmlns:r="http://schemas.openxmlformats.org/officeDocument/2006/relationships" xmlns:p="http://schemas.openxmlformats.org/presentationml/2006/main" matchingName="Section title and description">
   <p:cSld name="SECTION_TITLE_AND_DESCRIPTION">
     <p:spTree>
       <p:nvGrpSpPr>
-        <p:cNvPr id="42" name="Shape 42"/>
+        <p:cNvPr id="1" name="Shape 42"/>
         <p:cNvGrpSpPr/>
         <p:nvPr/>
       </p:nvGrpSpPr>
@@ -4759,12 +4896,12 @@
           </a:ln>
         </p:spPr>
         <p:txBody>
-          <a:bodyPr anchorCtr="0" anchor="ctr" bIns="91425" lIns="91425" spcFirstLastPara="1" rIns="91425" wrap="square" tIns="91425">
+          <a:bodyPr spcFirstLastPara="1" wrap="square" lIns="91425" tIns="91425" rIns="91425" bIns="91425" anchor="ctr" anchorCtr="0">
             <a:noAutofit/>
           </a:bodyPr>
           <a:lstStyle/>
           <a:p>
-            <a:pPr indent="0" lvl="0" marL="0" rtl="0" algn="l">
+            <a:pPr marL="0" lvl="0" indent="0" algn="l" rtl="0">
               <a:spcBef>
                 <a:spcPts val="0"/>
               </a:spcBef>
@@ -4773,9 +4910,6 @@
               </a:spcAft>
               <a:buNone/>
             </a:pPr>
-            <a:r>
-              <a:t/>
-            </a:r>
             <a:endParaRPr/>
           </a:p>
         </p:txBody>
@@ -4795,21 +4929,23 @@
             <a:avLst/>
           </a:prstGeom>
           <a:noFill/>
-          <a:ln cap="flat" cmpd="sng" w="38100">
+          <a:ln w="38100" cap="flat" cmpd="sng">
             <a:solidFill>
               <a:schemeClr val="accent5"/>
             </a:solidFill>
             <a:prstDash val="solid"/>
             <a:round/>
-            <a:headEnd len="sm" w="sm" type="none"/>
-            <a:tailEnd len="sm" w="sm" type="none"/>
+            <a:headEnd type="none" w="sm" len="sm"/>
+            <a:tailEnd type="none" w="sm" len="sm"/>
           </a:ln>
         </p:spPr>
       </p:cxnSp>
       <p:sp>
         <p:nvSpPr>
           <p:cNvPr id="45" name="Google Shape;45;p9"/>
-          <p:cNvSpPr txBox="1"/>
+          <p:cNvSpPr txBox="1">
+            <a:spLocks noGrp="1"/>
+          </p:cNvSpPr>
           <p:nvPr>
             <p:ph type="title"/>
           </p:nvPr>
@@ -4824,7 +4960,7 @@
           </a:prstGeom>
         </p:spPr>
         <p:txBody>
-          <a:bodyPr anchorCtr="0" anchor="b" bIns="91425" lIns="91425" spcFirstLastPara="1" rIns="91425" wrap="square" tIns="91425">
+          <a:bodyPr spcFirstLastPara="1" wrap="square" lIns="91425" tIns="91425" rIns="91425" bIns="91425" anchor="b" anchorCtr="0">
             <a:normAutofit/>
           </a:bodyPr>
           <a:lstStyle>
@@ -4928,15 +5064,19 @@
               <a:defRPr sz="3800"/>
             </a:lvl9pPr>
           </a:lstStyle>
-          <a:p/>
+          <a:p>
+            <a:endParaRPr/>
+          </a:p>
         </p:txBody>
       </p:sp>
       <p:sp>
         <p:nvSpPr>
           <p:cNvPr id="46" name="Google Shape;46;p9"/>
-          <p:cNvSpPr txBox="1"/>
+          <p:cNvSpPr txBox="1">
+            <a:spLocks noGrp="1"/>
+          </p:cNvSpPr>
           <p:nvPr>
-            <p:ph idx="1" type="subTitle"/>
+            <p:ph type="subTitle" idx="1"/>
           </p:nvPr>
         </p:nvSpPr>
         <p:spPr>
@@ -4949,7 +5089,7 @@
           </a:prstGeom>
         </p:spPr>
         <p:txBody>
-          <a:bodyPr anchorCtr="0" anchor="t" bIns="91425" lIns="91425" spcFirstLastPara="1" rIns="91425" wrap="square" tIns="91425">
+          <a:bodyPr spcFirstLastPara="1" wrap="square" lIns="91425" tIns="91425" rIns="91425" bIns="91425" anchor="t" anchorCtr="0">
             <a:normAutofit/>
           </a:bodyPr>
           <a:lstStyle>
@@ -5143,15 +5283,19 @@
               </a:defRPr>
             </a:lvl9pPr>
           </a:lstStyle>
-          <a:p/>
+          <a:p>
+            <a:endParaRPr/>
+          </a:p>
         </p:txBody>
       </p:sp>
       <p:sp>
         <p:nvSpPr>
           <p:cNvPr id="47" name="Google Shape;47;p9"/>
-          <p:cNvSpPr txBox="1"/>
+          <p:cNvSpPr txBox="1">
+            <a:spLocks noGrp="1"/>
+          </p:cNvSpPr>
           <p:nvPr>
-            <p:ph idx="2" type="body"/>
+            <p:ph type="body" idx="2"/>
           </p:nvPr>
         </p:nvSpPr>
         <p:spPr>
@@ -5164,11 +5308,11 @@
           </a:prstGeom>
         </p:spPr>
         <p:txBody>
-          <a:bodyPr anchorCtr="0" anchor="ctr" bIns="91425" lIns="91425" spcFirstLastPara="1" rIns="91425" wrap="square" tIns="91425">
+          <a:bodyPr spcFirstLastPara="1" wrap="square" lIns="91425" tIns="91425" rIns="91425" bIns="91425" anchor="ctr" anchorCtr="0">
             <a:normAutofit/>
           </a:bodyPr>
           <a:lstStyle>
-            <a:lvl1pPr indent="-342900" lvl="0" marL="457200">
+            <a:lvl1pPr marL="457200" lvl="0" indent="-342900">
               <a:spcBef>
                 <a:spcPts val="0"/>
               </a:spcBef>
@@ -5179,7 +5323,7 @@
               <a:buChar char="●"/>
               <a:defRPr/>
             </a:lvl1pPr>
-            <a:lvl2pPr indent="-317500" lvl="1" marL="914400">
+            <a:lvl2pPr marL="914400" lvl="1" indent="-317500">
               <a:spcBef>
                 <a:spcPts val="0"/>
               </a:spcBef>
@@ -5190,7 +5334,7 @@
               <a:buChar char="○"/>
               <a:defRPr/>
             </a:lvl2pPr>
-            <a:lvl3pPr indent="-317500" lvl="2" marL="1371600">
+            <a:lvl3pPr marL="1371600" lvl="2" indent="-317500">
               <a:spcBef>
                 <a:spcPts val="0"/>
               </a:spcBef>
@@ -5201,7 +5345,7 @@
               <a:buChar char="■"/>
               <a:defRPr/>
             </a:lvl3pPr>
-            <a:lvl4pPr indent="-317500" lvl="3" marL="1828800">
+            <a:lvl4pPr marL="1828800" lvl="3" indent="-317500">
               <a:spcBef>
                 <a:spcPts val="0"/>
               </a:spcBef>
@@ -5212,7 +5356,7 @@
               <a:buChar char="●"/>
               <a:defRPr/>
             </a:lvl4pPr>
-            <a:lvl5pPr indent="-317500" lvl="4" marL="2286000">
+            <a:lvl5pPr marL="2286000" lvl="4" indent="-317500">
               <a:spcBef>
                 <a:spcPts val="0"/>
               </a:spcBef>
@@ -5223,7 +5367,7 @@
               <a:buChar char="○"/>
               <a:defRPr/>
             </a:lvl5pPr>
-            <a:lvl6pPr indent="-317500" lvl="5" marL="2743200">
+            <a:lvl6pPr marL="2743200" lvl="5" indent="-317500">
               <a:spcBef>
                 <a:spcPts val="0"/>
               </a:spcBef>
@@ -5234,7 +5378,7 @@
               <a:buChar char="■"/>
               <a:defRPr/>
             </a:lvl6pPr>
-            <a:lvl7pPr indent="-317500" lvl="6" marL="3200400">
+            <a:lvl7pPr marL="3200400" lvl="6" indent="-317500">
               <a:spcBef>
                 <a:spcPts val="0"/>
               </a:spcBef>
@@ -5245,7 +5389,7 @@
               <a:buChar char="●"/>
               <a:defRPr/>
             </a:lvl7pPr>
-            <a:lvl8pPr indent="-317500" lvl="7" marL="3657600">
+            <a:lvl8pPr marL="3657600" lvl="7" indent="-317500">
               <a:spcBef>
                 <a:spcPts val="0"/>
               </a:spcBef>
@@ -5256,7 +5400,7 @@
               <a:buChar char="○"/>
               <a:defRPr/>
             </a:lvl8pPr>
-            <a:lvl9pPr indent="-317500" lvl="8" marL="4114800">
+            <a:lvl9pPr marL="4114800" lvl="8" indent="-317500">
               <a:spcBef>
                 <a:spcPts val="0"/>
               </a:spcBef>
@@ -5268,15 +5412,19 @@
               <a:defRPr/>
             </a:lvl9pPr>
           </a:lstStyle>
-          <a:p/>
+          <a:p>
+            <a:endParaRPr/>
+          </a:p>
         </p:txBody>
       </p:sp>
       <p:sp>
         <p:nvSpPr>
           <p:cNvPr id="48" name="Google Shape;48;p9"/>
-          <p:cNvSpPr txBox="1"/>
+          <p:cNvSpPr txBox="1">
+            <a:spLocks noGrp="1"/>
+          </p:cNvSpPr>
           <p:nvPr>
-            <p:ph idx="12" type="sldNum"/>
+            <p:ph type="sldNum" idx="12"/>
           </p:nvPr>
         </p:nvSpPr>
         <p:spPr>
@@ -5289,7 +5437,7 @@
           </a:prstGeom>
         </p:spPr>
         <p:txBody>
-          <a:bodyPr anchorCtr="0" anchor="ctr" bIns="91425" lIns="91425" spcFirstLastPara="1" rIns="91425" wrap="square" tIns="91425">
+          <a:bodyPr spcFirstLastPara="1" wrap="square" lIns="91425" tIns="91425" rIns="91425" bIns="91425" anchor="ctr" anchorCtr="0">
             <a:normAutofit/>
           </a:bodyPr>
           <a:lstStyle>
@@ -5331,7 +5479,7 @@
             </a:lvl9pPr>
           </a:lstStyle>
           <a:p>
-            <a:pPr indent="0" lvl="0" marL="0" rtl="0" algn="r">
+            <a:pPr marL="0" lvl="0" indent="0" algn="r" rtl="0">
               <a:spcBef>
                 <a:spcPts val="0"/>
               </a:spcBef>
@@ -5357,11 +5505,11 @@
 </file>
 
 <file path=ppt/slideLayouts/slideLayout9.xml><?xml version="1.0" encoding="utf-8"?>
-<p:sldLayout xmlns:a="http://schemas.openxmlformats.org/drawingml/2006/main" xmlns:r="http://schemas.openxmlformats.org/officeDocument/2006/relationships" xmlns:mc="http://schemas.openxmlformats.org/markup-compatibility/2006" xmlns:mv="urn:schemas-microsoft-com:mac:vml" xmlns:p="http://schemas.openxmlformats.org/presentationml/2006/main" xmlns:c="http://schemas.openxmlformats.org/drawingml/2006/chart" xmlns:dgm="http://schemas.openxmlformats.org/drawingml/2006/diagram" xmlns:o="urn:schemas-microsoft-com:office:office" xmlns:v="urn:schemas-microsoft-com:vml" xmlns:pvml="urn:schemas-microsoft-com:office:powerpoint" xmlns:com="http://schemas.openxmlformats.org/drawingml/2006/compatibility" xmlns:p14="http://schemas.microsoft.com/office/powerpoint/2010/main" xmlns:p15="http://schemas.microsoft.com/office/powerpoint/2012/main" xmlns:ahyp="http://schemas.microsoft.com/office/drawing/2018/hyperlinkcolor" matchingName="Caption">
+<p:sldLayout xmlns:a="http://schemas.openxmlformats.org/drawingml/2006/main" xmlns:r="http://schemas.openxmlformats.org/officeDocument/2006/relationships" xmlns:p="http://schemas.openxmlformats.org/presentationml/2006/main" matchingName="Caption">
   <p:cSld name="CAPTION_ONLY">
     <p:spTree>
       <p:nvGrpSpPr>
-        <p:cNvPr id="49" name="Shape 49"/>
+        <p:cNvPr id="1" name="Shape 49"/>
         <p:cNvGrpSpPr/>
         <p:nvPr/>
       </p:nvGrpSpPr>
@@ -5376,9 +5524,11 @@
       <p:sp>
         <p:nvSpPr>
           <p:cNvPr id="50" name="Google Shape;50;p10"/>
-          <p:cNvSpPr txBox="1"/>
+          <p:cNvSpPr txBox="1">
+            <a:spLocks noGrp="1"/>
+          </p:cNvSpPr>
           <p:nvPr>
-            <p:ph idx="1" type="body"/>
+            <p:ph type="body" idx="1"/>
           </p:nvPr>
         </p:nvSpPr>
         <p:spPr>
@@ -5391,11 +5541,11 @@
           </a:prstGeom>
         </p:spPr>
         <p:txBody>
-          <a:bodyPr anchorCtr="0" anchor="ctr" bIns="91425" lIns="91425" spcFirstLastPara="1" rIns="91425" wrap="square" tIns="91425">
+          <a:bodyPr spcFirstLastPara="1" wrap="square" lIns="91425" tIns="91425" rIns="91425" bIns="91425" anchor="ctr" anchorCtr="0">
             <a:normAutofit/>
           </a:bodyPr>
           <a:lstStyle>
-            <a:lvl1pPr indent="-228600" lvl="0" marL="457200">
+            <a:lvl1pPr marL="457200" lvl="0" indent="-228600">
               <a:lnSpc>
                 <a:spcPct val="100000"/>
               </a:lnSpc>
@@ -5416,15 +5566,19 @@
               </a:defRPr>
             </a:lvl1pPr>
           </a:lstStyle>
-          <a:p/>
+          <a:p>
+            <a:endParaRPr/>
+          </a:p>
         </p:txBody>
       </p:sp>
       <p:sp>
         <p:nvSpPr>
           <p:cNvPr id="51" name="Google Shape;51;p10"/>
-          <p:cNvSpPr txBox="1"/>
+          <p:cNvSpPr txBox="1">
+            <a:spLocks noGrp="1"/>
+          </p:cNvSpPr>
           <p:nvPr>
-            <p:ph idx="12" type="sldNum"/>
+            <p:ph type="sldNum" idx="12"/>
           </p:nvPr>
         </p:nvSpPr>
         <p:spPr>
@@ -5437,7 +5591,7 @@
           </a:prstGeom>
         </p:spPr>
         <p:txBody>
-          <a:bodyPr anchorCtr="0" anchor="ctr" bIns="91425" lIns="91425" spcFirstLastPara="1" rIns="91425" wrap="square" tIns="91425">
+          <a:bodyPr spcFirstLastPara="1" wrap="square" lIns="91425" tIns="91425" rIns="91425" bIns="91425" anchor="ctr" anchorCtr="0">
             <a:normAutofit/>
           </a:bodyPr>
           <a:lstStyle>
@@ -5479,7 +5633,7 @@
             </a:lvl9pPr>
           </a:lstStyle>
           <a:p>
-            <a:pPr indent="0" lvl="0" marL="0" rtl="0" algn="r">
+            <a:pPr marL="0" lvl="0" indent="0" algn="r" rtl="0">
               <a:spcBef>
                 <a:spcPts val="0"/>
               </a:spcBef>
@@ -5505,18 +5659,19 @@
 </file>
 
 <file path=ppt/slideMasters/slideMaster1.xml><?xml version="1.0" encoding="utf-8"?>
-<p:sldMaster xmlns:a="http://schemas.openxmlformats.org/drawingml/2006/main" xmlns:r="http://schemas.openxmlformats.org/officeDocument/2006/relationships" xmlns:mc="http://schemas.openxmlformats.org/markup-compatibility/2006" xmlns:mv="urn:schemas-microsoft-com:mac:vml" xmlns:p="http://schemas.openxmlformats.org/presentationml/2006/main" xmlns:c="http://schemas.openxmlformats.org/drawingml/2006/chart" xmlns:dgm="http://schemas.openxmlformats.org/drawingml/2006/diagram" xmlns:o="urn:schemas-microsoft-com:office:office" xmlns:v="urn:schemas-microsoft-com:vml" xmlns:pvml="urn:schemas-microsoft-com:office:powerpoint" xmlns:com="http://schemas.openxmlformats.org/drawingml/2006/compatibility" xmlns:p14="http://schemas.microsoft.com/office/powerpoint/2010/main" xmlns:p15="http://schemas.microsoft.com/office/powerpoint/2012/main" xmlns:ahyp="http://schemas.microsoft.com/office/drawing/2018/hyperlinkcolor">
+<p:sldMaster xmlns:a="http://schemas.openxmlformats.org/drawingml/2006/main" xmlns:r="http://schemas.openxmlformats.org/officeDocument/2006/relationships" xmlns:p="http://schemas.openxmlformats.org/presentationml/2006/main">
   <p:cSld name="marina">
     <p:bg>
       <p:bgPr>
         <a:solidFill>
           <a:schemeClr val="lt1"/>
         </a:solidFill>
+        <a:effectLst/>
       </p:bgPr>
     </p:bg>
     <p:spTree>
       <p:nvGrpSpPr>
-        <p:cNvPr id="5" name="Shape 5"/>
+        <p:cNvPr id="1" name="Shape 5"/>
         <p:cNvGrpSpPr/>
         <p:nvPr/>
       </p:nvGrpSpPr>
@@ -5531,7 +5686,9 @@
       <p:sp>
         <p:nvSpPr>
           <p:cNvPr id="6" name="Google Shape;6;p1"/>
-          <p:cNvSpPr txBox="1"/>
+          <p:cNvSpPr txBox="1">
+            <a:spLocks noGrp="1"/>
+          </p:cNvSpPr>
           <p:nvPr>
             <p:ph type="title"/>
           </p:nvPr>
@@ -5550,7 +5707,7 @@
           </a:ln>
         </p:spPr>
         <p:txBody>
-          <a:bodyPr anchorCtr="0" anchor="b" bIns="91425" lIns="91425" spcFirstLastPara="1" rIns="91425" wrap="square" tIns="91425">
+          <a:bodyPr spcFirstLastPara="1" wrap="square" lIns="91425" tIns="91425" rIns="91425" bIns="91425" anchor="b" anchorCtr="0">
             <a:normAutofit/>
           </a:bodyPr>
           <a:lstStyle>
@@ -5762,15 +5919,19 @@
               </a:defRPr>
             </a:lvl9pPr>
           </a:lstStyle>
-          <a:p/>
+          <a:p>
+            <a:endParaRPr/>
+          </a:p>
         </p:txBody>
       </p:sp>
       <p:sp>
         <p:nvSpPr>
           <p:cNvPr id="7" name="Google Shape;7;p1"/>
-          <p:cNvSpPr txBox="1"/>
+          <p:cNvSpPr txBox="1">
+            <a:spLocks noGrp="1"/>
+          </p:cNvSpPr>
           <p:nvPr>
-            <p:ph idx="1" type="body"/>
+            <p:ph type="body" idx="1"/>
           </p:nvPr>
         </p:nvSpPr>
         <p:spPr>
@@ -5787,11 +5948,11 @@
           </a:ln>
         </p:spPr>
         <p:txBody>
-          <a:bodyPr anchorCtr="0" anchor="t" bIns="91425" lIns="91425" spcFirstLastPara="1" rIns="91425" wrap="square" tIns="91425">
+          <a:bodyPr spcFirstLastPara="1" wrap="square" lIns="91425" tIns="91425" rIns="91425" bIns="91425" anchor="t" anchorCtr="0">
             <a:normAutofit/>
           </a:bodyPr>
           <a:lstStyle>
-            <a:lvl1pPr indent="-342900" lvl="0" marL="457200">
+            <a:lvl1pPr marL="457200" lvl="0" indent="-342900">
               <a:lnSpc>
                 <a:spcPct val="115000"/>
               </a:lnSpc>
@@ -5817,7 +5978,7 @@
                 <a:sym typeface="Roboto"/>
               </a:defRPr>
             </a:lvl1pPr>
-            <a:lvl2pPr indent="-317500" lvl="1" marL="914400">
+            <a:lvl2pPr marL="914400" lvl="1" indent="-317500">
               <a:lnSpc>
                 <a:spcPct val="115000"/>
               </a:lnSpc>
@@ -5843,7 +6004,7 @@
                 <a:sym typeface="Roboto"/>
               </a:defRPr>
             </a:lvl2pPr>
-            <a:lvl3pPr indent="-317500" lvl="2" marL="1371600">
+            <a:lvl3pPr marL="1371600" lvl="2" indent="-317500">
               <a:lnSpc>
                 <a:spcPct val="115000"/>
               </a:lnSpc>
@@ -5869,7 +6030,7 @@
                 <a:sym typeface="Roboto"/>
               </a:defRPr>
             </a:lvl3pPr>
-            <a:lvl4pPr indent="-317500" lvl="3" marL="1828800">
+            <a:lvl4pPr marL="1828800" lvl="3" indent="-317500">
               <a:lnSpc>
                 <a:spcPct val="115000"/>
               </a:lnSpc>
@@ -5895,7 +6056,7 @@
                 <a:sym typeface="Roboto"/>
               </a:defRPr>
             </a:lvl4pPr>
-            <a:lvl5pPr indent="-317500" lvl="4" marL="2286000">
+            <a:lvl5pPr marL="2286000" lvl="4" indent="-317500">
               <a:lnSpc>
                 <a:spcPct val="115000"/>
               </a:lnSpc>
@@ -5921,7 +6082,7 @@
                 <a:sym typeface="Roboto"/>
               </a:defRPr>
             </a:lvl5pPr>
-            <a:lvl6pPr indent="-317500" lvl="5" marL="2743200">
+            <a:lvl6pPr marL="2743200" lvl="5" indent="-317500">
               <a:lnSpc>
                 <a:spcPct val="115000"/>
               </a:lnSpc>
@@ -5947,7 +6108,7 @@
                 <a:sym typeface="Roboto"/>
               </a:defRPr>
             </a:lvl6pPr>
-            <a:lvl7pPr indent="-317500" lvl="6" marL="3200400">
+            <a:lvl7pPr marL="3200400" lvl="6" indent="-317500">
               <a:lnSpc>
                 <a:spcPct val="115000"/>
               </a:lnSpc>
@@ -5973,7 +6134,7 @@
                 <a:sym typeface="Roboto"/>
               </a:defRPr>
             </a:lvl7pPr>
-            <a:lvl8pPr indent="-317500" lvl="7" marL="3657600">
+            <a:lvl8pPr marL="3657600" lvl="7" indent="-317500">
               <a:lnSpc>
                 <a:spcPct val="115000"/>
               </a:lnSpc>
@@ -5999,7 +6160,7 @@
                 <a:sym typeface="Roboto"/>
               </a:defRPr>
             </a:lvl8pPr>
-            <a:lvl9pPr indent="-317500" lvl="8" marL="4114800">
+            <a:lvl9pPr marL="4114800" lvl="8" indent="-317500">
               <a:lnSpc>
                 <a:spcPct val="115000"/>
               </a:lnSpc>
@@ -6026,15 +6187,19 @@
               </a:defRPr>
             </a:lvl9pPr>
           </a:lstStyle>
-          <a:p/>
+          <a:p>
+            <a:endParaRPr/>
+          </a:p>
         </p:txBody>
       </p:sp>
       <p:sp>
         <p:nvSpPr>
           <p:cNvPr id="8" name="Google Shape;8;p1"/>
-          <p:cNvSpPr txBox="1"/>
+          <p:cNvSpPr txBox="1">
+            <a:spLocks noGrp="1"/>
+          </p:cNvSpPr>
           <p:nvPr>
-            <p:ph idx="12" type="sldNum"/>
+            <p:ph type="sldNum" idx="12"/>
           </p:nvPr>
         </p:nvSpPr>
         <p:spPr>
@@ -6051,7 +6216,7 @@
           </a:ln>
         </p:spPr>
         <p:txBody>
-          <a:bodyPr anchorCtr="0" anchor="ctr" bIns="91425" lIns="91425" spcFirstLastPara="1" rIns="91425" wrap="square" tIns="91425">
+          <a:bodyPr spcFirstLastPara="1" wrap="square" lIns="91425" tIns="91425" rIns="91425" bIns="91425" anchor="ctr" anchorCtr="0">
             <a:normAutofit/>
           </a:bodyPr>
           <a:lstStyle>
@@ -6165,7 +6330,7 @@
             </a:lvl9pPr>
           </a:lstStyle>
           <a:p>
-            <a:pPr indent="0" lvl="0" marL="0" rtl="0" algn="r">
+            <a:pPr marL="0" lvl="0" indent="0" algn="r" rtl="0">
               <a:spcBef>
                 <a:spcPts val="0"/>
               </a:spcBef>
@@ -6184,7 +6349,7 @@
       </p:sp>
     </p:spTree>
   </p:cSld>
-  <p:clrMap accent1="accent1" accent2="accent2" accent3="accent3" accent4="accent4" accent5="accent5" accent6="accent6" bg1="lt1" bg2="dk2" tx1="dk1" tx2="lt2" folHlink="folHlink" hlink="hlink"/>
+  <p:clrMap bg1="lt1" tx1="dk1" bg2="dk2" tx2="lt2" accent1="accent1" accent2="accent2" accent3="accent3" accent4="accent4" accent5="accent5" accent6="accent6" hlink="hlink" folHlink="folHlink"/>
   <p:sldLayoutIdLst>
     <p:sldLayoutId id="2147483648" r:id="rId1"/>
     <p:sldLayoutId id="2147483649" r:id="rId2"/>
@@ -6198,10 +6363,10 @@
     <p:sldLayoutId id="2147483657" r:id="rId10"/>
     <p:sldLayoutId id="2147483658" r:id="rId11"/>
   </p:sldLayoutIdLst>
-  <p:hf dt="0" ftr="0" hdr="0" sldNum="0"/>
+  <p:hf sldNum="0" hdr="0" ftr="0" dt="0"/>
   <p:txStyles>
     <p:titleStyle>
-      <a:defPPr lvl="0" marR="0" rtl="0" algn="l">
+      <a:defPPr marR="0" lvl="0" algn="l" rtl="0">
         <a:lnSpc>
           <a:spcPct val="100000"/>
         </a:lnSpc>
@@ -6212,7 +6377,7 @@
           <a:spcPts val="0"/>
         </a:spcAft>
       </a:defPPr>
-      <a:lvl1pPr lvl="0" marR="0" rtl="0" algn="l">
+      <a:lvl1pPr marR="0" lvl="0" algn="l" rtl="0">
         <a:lnSpc>
           <a:spcPct val="100000"/>
         </a:lnSpc>
@@ -6226,7 +6391,7 @@
           <a:srgbClr val="000000"/>
         </a:buClr>
         <a:buFont typeface="Arial"/>
-        <a:defRPr b="0" i="0" sz="1400" u="none" cap="none" strike="noStrike">
+        <a:defRPr sz="1400" b="0" i="0" u="none" strike="noStrike" cap="none">
           <a:solidFill>
             <a:srgbClr val="000000"/>
           </a:solidFill>
@@ -6236,7 +6401,7 @@
           <a:sym typeface="Arial"/>
         </a:defRPr>
       </a:lvl1pPr>
-      <a:lvl2pPr lvl="1" marR="0" rtl="0" algn="l">
+      <a:lvl2pPr marR="0" lvl="1" algn="l" rtl="0">
         <a:lnSpc>
           <a:spcPct val="100000"/>
         </a:lnSpc>
@@ -6250,7 +6415,7 @@
           <a:srgbClr val="000000"/>
         </a:buClr>
         <a:buFont typeface="Arial"/>
-        <a:defRPr b="0" i="0" sz="1400" u="none" cap="none" strike="noStrike">
+        <a:defRPr sz="1400" b="0" i="0" u="none" strike="noStrike" cap="none">
           <a:solidFill>
             <a:srgbClr val="000000"/>
           </a:solidFill>
@@ -6260,7 +6425,7 @@
           <a:sym typeface="Arial"/>
         </a:defRPr>
       </a:lvl2pPr>
-      <a:lvl3pPr lvl="2" marR="0" rtl="0" algn="l">
+      <a:lvl3pPr marR="0" lvl="2" algn="l" rtl="0">
         <a:lnSpc>
           <a:spcPct val="100000"/>
         </a:lnSpc>
@@ -6274,7 +6439,7 @@
           <a:srgbClr val="000000"/>
         </a:buClr>
         <a:buFont typeface="Arial"/>
-        <a:defRPr b="0" i="0" sz="1400" u="none" cap="none" strike="noStrike">
+        <a:defRPr sz="1400" b="0" i="0" u="none" strike="noStrike" cap="none">
           <a:solidFill>
             <a:srgbClr val="000000"/>
           </a:solidFill>
@@ -6284,7 +6449,7 @@
           <a:sym typeface="Arial"/>
         </a:defRPr>
       </a:lvl3pPr>
-      <a:lvl4pPr lvl="3" marR="0" rtl="0" algn="l">
+      <a:lvl4pPr marR="0" lvl="3" algn="l" rtl="0">
         <a:lnSpc>
           <a:spcPct val="100000"/>
         </a:lnSpc>
@@ -6298,7 +6463,7 @@
           <a:srgbClr val="000000"/>
         </a:buClr>
         <a:buFont typeface="Arial"/>
-        <a:defRPr b="0" i="0" sz="1400" u="none" cap="none" strike="noStrike">
+        <a:defRPr sz="1400" b="0" i="0" u="none" strike="noStrike" cap="none">
           <a:solidFill>
             <a:srgbClr val="000000"/>
           </a:solidFill>
@@ -6308,7 +6473,7 @@
           <a:sym typeface="Arial"/>
         </a:defRPr>
       </a:lvl4pPr>
-      <a:lvl5pPr lvl="4" marR="0" rtl="0" algn="l">
+      <a:lvl5pPr marR="0" lvl="4" algn="l" rtl="0">
         <a:lnSpc>
           <a:spcPct val="100000"/>
         </a:lnSpc>
@@ -6322,7 +6487,7 @@
           <a:srgbClr val="000000"/>
         </a:buClr>
         <a:buFont typeface="Arial"/>
-        <a:defRPr b="0" i="0" sz="1400" u="none" cap="none" strike="noStrike">
+        <a:defRPr sz="1400" b="0" i="0" u="none" strike="noStrike" cap="none">
           <a:solidFill>
             <a:srgbClr val="000000"/>
           </a:solidFill>
@@ -6332,7 +6497,7 @@
           <a:sym typeface="Arial"/>
         </a:defRPr>
       </a:lvl5pPr>
-      <a:lvl6pPr lvl="5" marR="0" rtl="0" algn="l">
+      <a:lvl6pPr marR="0" lvl="5" algn="l" rtl="0">
         <a:lnSpc>
           <a:spcPct val="100000"/>
         </a:lnSpc>
@@ -6346,7 +6511,7 @@
           <a:srgbClr val="000000"/>
         </a:buClr>
         <a:buFont typeface="Arial"/>
-        <a:defRPr b="0" i="0" sz="1400" u="none" cap="none" strike="noStrike">
+        <a:defRPr sz="1400" b="0" i="0" u="none" strike="noStrike" cap="none">
           <a:solidFill>
             <a:srgbClr val="000000"/>
           </a:solidFill>
@@ -6356,7 +6521,7 @@
           <a:sym typeface="Arial"/>
         </a:defRPr>
       </a:lvl6pPr>
-      <a:lvl7pPr lvl="6" marR="0" rtl="0" algn="l">
+      <a:lvl7pPr marR="0" lvl="6" algn="l" rtl="0">
         <a:lnSpc>
           <a:spcPct val="100000"/>
         </a:lnSpc>
@@ -6370,7 +6535,7 @@
           <a:srgbClr val="000000"/>
         </a:buClr>
         <a:buFont typeface="Arial"/>
-        <a:defRPr b="0" i="0" sz="1400" u="none" cap="none" strike="noStrike">
+        <a:defRPr sz="1400" b="0" i="0" u="none" strike="noStrike" cap="none">
           <a:solidFill>
             <a:srgbClr val="000000"/>
           </a:solidFill>
@@ -6380,7 +6545,7 @@
           <a:sym typeface="Arial"/>
         </a:defRPr>
       </a:lvl7pPr>
-      <a:lvl8pPr lvl="7" marR="0" rtl="0" algn="l">
+      <a:lvl8pPr marR="0" lvl="7" algn="l" rtl="0">
         <a:lnSpc>
           <a:spcPct val="100000"/>
         </a:lnSpc>
@@ -6394,7 +6559,7 @@
           <a:srgbClr val="000000"/>
         </a:buClr>
         <a:buFont typeface="Arial"/>
-        <a:defRPr b="0" i="0" sz="1400" u="none" cap="none" strike="noStrike">
+        <a:defRPr sz="1400" b="0" i="0" u="none" strike="noStrike" cap="none">
           <a:solidFill>
             <a:srgbClr val="000000"/>
           </a:solidFill>
@@ -6404,7 +6569,7 @@
           <a:sym typeface="Arial"/>
         </a:defRPr>
       </a:lvl8pPr>
-      <a:lvl9pPr lvl="8" marR="0" rtl="0" algn="l">
+      <a:lvl9pPr marR="0" lvl="8" algn="l" rtl="0">
         <a:lnSpc>
           <a:spcPct val="100000"/>
         </a:lnSpc>
@@ -6418,7 +6583,7 @@
           <a:srgbClr val="000000"/>
         </a:buClr>
         <a:buFont typeface="Arial"/>
-        <a:defRPr b="0" i="0" sz="1400" u="none" cap="none" strike="noStrike">
+        <a:defRPr sz="1400" b="0" i="0" u="none" strike="noStrike" cap="none">
           <a:solidFill>
             <a:srgbClr val="000000"/>
           </a:solidFill>
@@ -6430,7 +6595,7 @@
       </a:lvl9pPr>
     </p:titleStyle>
     <p:bodyStyle>
-      <a:defPPr lvl="0" marR="0" rtl="0" algn="l">
+      <a:defPPr marR="0" lvl="0" algn="l" rtl="0">
         <a:lnSpc>
           <a:spcPct val="100000"/>
         </a:lnSpc>
@@ -6441,7 +6606,7 @@
           <a:spcPts val="0"/>
         </a:spcAft>
       </a:defPPr>
-      <a:lvl1pPr lvl="0" marR="0" rtl="0" algn="l">
+      <a:lvl1pPr marR="0" lvl="0" algn="l" rtl="0">
         <a:lnSpc>
           <a:spcPct val="100000"/>
         </a:lnSpc>
@@ -6455,7 +6620,7 @@
           <a:srgbClr val="000000"/>
         </a:buClr>
         <a:buFont typeface="Arial"/>
-        <a:defRPr b="0" i="0" sz="1400" u="none" cap="none" strike="noStrike">
+        <a:defRPr sz="1400" b="0" i="0" u="none" strike="noStrike" cap="none">
           <a:solidFill>
             <a:srgbClr val="000000"/>
           </a:solidFill>
@@ -6465,7 +6630,7 @@
           <a:sym typeface="Arial"/>
         </a:defRPr>
       </a:lvl1pPr>
-      <a:lvl2pPr lvl="1" marR="0" rtl="0" algn="l">
+      <a:lvl2pPr marR="0" lvl="1" algn="l" rtl="0">
         <a:lnSpc>
           <a:spcPct val="100000"/>
         </a:lnSpc>
@@ -6479,7 +6644,7 @@
           <a:srgbClr val="000000"/>
         </a:buClr>
         <a:buFont typeface="Arial"/>
-        <a:defRPr b="0" i="0" sz="1400" u="none" cap="none" strike="noStrike">
+        <a:defRPr sz="1400" b="0" i="0" u="none" strike="noStrike" cap="none">
           <a:solidFill>
             <a:srgbClr val="000000"/>
           </a:solidFill>
@@ -6489,7 +6654,7 @@
           <a:sym typeface="Arial"/>
         </a:defRPr>
       </a:lvl2pPr>
-      <a:lvl3pPr lvl="2" marR="0" rtl="0" algn="l">
+      <a:lvl3pPr marR="0" lvl="2" algn="l" rtl="0">
         <a:lnSpc>
           <a:spcPct val="100000"/>
         </a:lnSpc>
@@ -6503,7 +6668,7 @@
           <a:srgbClr val="000000"/>
         </a:buClr>
         <a:buFont typeface="Arial"/>
-        <a:defRPr b="0" i="0" sz="1400" u="none" cap="none" strike="noStrike">
+        <a:defRPr sz="1400" b="0" i="0" u="none" strike="noStrike" cap="none">
           <a:solidFill>
             <a:srgbClr val="000000"/>
           </a:solidFill>
@@ -6513,7 +6678,7 @@
           <a:sym typeface="Arial"/>
         </a:defRPr>
       </a:lvl3pPr>
-      <a:lvl4pPr lvl="3" marR="0" rtl="0" algn="l">
+      <a:lvl4pPr marR="0" lvl="3" algn="l" rtl="0">
         <a:lnSpc>
           <a:spcPct val="100000"/>
         </a:lnSpc>
@@ -6527,7 +6692,7 @@
           <a:srgbClr val="000000"/>
         </a:buClr>
         <a:buFont typeface="Arial"/>
-        <a:defRPr b="0" i="0" sz="1400" u="none" cap="none" strike="noStrike">
+        <a:defRPr sz="1400" b="0" i="0" u="none" strike="noStrike" cap="none">
           <a:solidFill>
             <a:srgbClr val="000000"/>
           </a:solidFill>
@@ -6537,7 +6702,7 @@
           <a:sym typeface="Arial"/>
         </a:defRPr>
       </a:lvl4pPr>
-      <a:lvl5pPr lvl="4" marR="0" rtl="0" algn="l">
+      <a:lvl5pPr marR="0" lvl="4" algn="l" rtl="0">
         <a:lnSpc>
           <a:spcPct val="100000"/>
         </a:lnSpc>
@@ -6551,7 +6716,7 @@
           <a:srgbClr val="000000"/>
         </a:buClr>
         <a:buFont typeface="Arial"/>
-        <a:defRPr b="0" i="0" sz="1400" u="none" cap="none" strike="noStrike">
+        <a:defRPr sz="1400" b="0" i="0" u="none" strike="noStrike" cap="none">
           <a:solidFill>
             <a:srgbClr val="000000"/>
           </a:solidFill>
@@ -6561,7 +6726,7 @@
           <a:sym typeface="Arial"/>
         </a:defRPr>
       </a:lvl5pPr>
-      <a:lvl6pPr lvl="5" marR="0" rtl="0" algn="l">
+      <a:lvl6pPr marR="0" lvl="5" algn="l" rtl="0">
         <a:lnSpc>
           <a:spcPct val="100000"/>
         </a:lnSpc>
@@ -6575,7 +6740,7 @@
           <a:srgbClr val="000000"/>
         </a:buClr>
         <a:buFont typeface="Arial"/>
-        <a:defRPr b="0" i="0" sz="1400" u="none" cap="none" strike="noStrike">
+        <a:defRPr sz="1400" b="0" i="0" u="none" strike="noStrike" cap="none">
           <a:solidFill>
             <a:srgbClr val="000000"/>
           </a:solidFill>
@@ -6585,7 +6750,7 @@
           <a:sym typeface="Arial"/>
         </a:defRPr>
       </a:lvl6pPr>
-      <a:lvl7pPr lvl="6" marR="0" rtl="0" algn="l">
+      <a:lvl7pPr marR="0" lvl="6" algn="l" rtl="0">
         <a:lnSpc>
           <a:spcPct val="100000"/>
         </a:lnSpc>
@@ -6599,7 +6764,7 @@
           <a:srgbClr val="000000"/>
         </a:buClr>
         <a:buFont typeface="Arial"/>
-        <a:defRPr b="0" i="0" sz="1400" u="none" cap="none" strike="noStrike">
+        <a:defRPr sz="1400" b="0" i="0" u="none" strike="noStrike" cap="none">
           <a:solidFill>
             <a:srgbClr val="000000"/>
           </a:solidFill>
@@ -6609,7 +6774,7 @@
           <a:sym typeface="Arial"/>
         </a:defRPr>
       </a:lvl7pPr>
-      <a:lvl8pPr lvl="7" marR="0" rtl="0" algn="l">
+      <a:lvl8pPr marR="0" lvl="7" algn="l" rtl="0">
         <a:lnSpc>
           <a:spcPct val="100000"/>
         </a:lnSpc>
@@ -6623,7 +6788,7 @@
           <a:srgbClr val="000000"/>
         </a:buClr>
         <a:buFont typeface="Arial"/>
-        <a:defRPr b="0" i="0" sz="1400" u="none" cap="none" strike="noStrike">
+        <a:defRPr sz="1400" b="0" i="0" u="none" strike="noStrike" cap="none">
           <a:solidFill>
             <a:srgbClr val="000000"/>
           </a:solidFill>
@@ -6633,7 +6798,7 @@
           <a:sym typeface="Arial"/>
         </a:defRPr>
       </a:lvl8pPr>
-      <a:lvl9pPr lvl="8" marR="0" rtl="0" algn="l">
+      <a:lvl9pPr marR="0" lvl="8" algn="l" rtl="0">
         <a:lnSpc>
           <a:spcPct val="100000"/>
         </a:lnSpc>
@@ -6647,7 +6812,7 @@
           <a:srgbClr val="000000"/>
         </a:buClr>
         <a:buFont typeface="Arial"/>
-        <a:defRPr b="0" i="0" sz="1400" u="none" cap="none" strike="noStrike">
+        <a:defRPr sz="1400" b="0" i="0" u="none" strike="noStrike" cap="none">
           <a:solidFill>
             <a:srgbClr val="000000"/>
           </a:solidFill>
@@ -6659,7 +6824,7 @@
       </a:lvl9pPr>
     </p:bodyStyle>
     <p:otherStyle>
-      <a:defPPr lvl="0" marR="0" rtl="0" algn="l">
+      <a:defPPr marR="0" lvl="0" algn="l" rtl="0">
         <a:lnSpc>
           <a:spcPct val="100000"/>
         </a:lnSpc>
@@ -6670,7 +6835,7 @@
           <a:spcPts val="0"/>
         </a:spcAft>
       </a:defPPr>
-      <a:lvl1pPr lvl="0" marR="0" rtl="0" algn="l">
+      <a:lvl1pPr marR="0" lvl="0" algn="l" rtl="0">
         <a:lnSpc>
           <a:spcPct val="100000"/>
         </a:lnSpc>
@@ -6684,7 +6849,7 @@
           <a:srgbClr val="000000"/>
         </a:buClr>
         <a:buFont typeface="Arial"/>
-        <a:defRPr b="0" i="0" sz="1400" u="none" cap="none" strike="noStrike">
+        <a:defRPr sz="1400" b="0" i="0" u="none" strike="noStrike" cap="none">
           <a:solidFill>
             <a:srgbClr val="000000"/>
           </a:solidFill>
@@ -6694,7 +6859,7 @@
           <a:sym typeface="Arial"/>
         </a:defRPr>
       </a:lvl1pPr>
-      <a:lvl2pPr lvl="1" marR="0" rtl="0" algn="l">
+      <a:lvl2pPr marR="0" lvl="1" algn="l" rtl="0">
         <a:lnSpc>
           <a:spcPct val="100000"/>
         </a:lnSpc>
@@ -6708,7 +6873,7 @@
           <a:srgbClr val="000000"/>
         </a:buClr>
         <a:buFont typeface="Arial"/>
-        <a:defRPr b="0" i="0" sz="1400" u="none" cap="none" strike="noStrike">
+        <a:defRPr sz="1400" b="0" i="0" u="none" strike="noStrike" cap="none">
           <a:solidFill>
             <a:srgbClr val="000000"/>
           </a:solidFill>
@@ -6718,7 +6883,7 @@
           <a:sym typeface="Arial"/>
         </a:defRPr>
       </a:lvl2pPr>
-      <a:lvl3pPr lvl="2" marR="0" rtl="0" algn="l">
+      <a:lvl3pPr marR="0" lvl="2" algn="l" rtl="0">
         <a:lnSpc>
           <a:spcPct val="100000"/>
         </a:lnSpc>
@@ -6732,7 +6897,7 @@
           <a:srgbClr val="000000"/>
         </a:buClr>
         <a:buFont typeface="Arial"/>
-        <a:defRPr b="0" i="0" sz="1400" u="none" cap="none" strike="noStrike">
+        <a:defRPr sz="1400" b="0" i="0" u="none" strike="noStrike" cap="none">
           <a:solidFill>
             <a:srgbClr val="000000"/>
           </a:solidFill>
@@ -6742,7 +6907,7 @@
           <a:sym typeface="Arial"/>
         </a:defRPr>
       </a:lvl3pPr>
-      <a:lvl4pPr lvl="3" marR="0" rtl="0" algn="l">
+      <a:lvl4pPr marR="0" lvl="3" algn="l" rtl="0">
         <a:lnSpc>
           <a:spcPct val="100000"/>
         </a:lnSpc>
@@ -6756,7 +6921,7 @@
           <a:srgbClr val="000000"/>
         </a:buClr>
         <a:buFont typeface="Arial"/>
-        <a:defRPr b="0" i="0" sz="1400" u="none" cap="none" strike="noStrike">
+        <a:defRPr sz="1400" b="0" i="0" u="none" strike="noStrike" cap="none">
           <a:solidFill>
             <a:srgbClr val="000000"/>
           </a:solidFill>
@@ -6766,7 +6931,7 @@
           <a:sym typeface="Arial"/>
         </a:defRPr>
       </a:lvl4pPr>
-      <a:lvl5pPr lvl="4" marR="0" rtl="0" algn="l">
+      <a:lvl5pPr marR="0" lvl="4" algn="l" rtl="0">
         <a:lnSpc>
           <a:spcPct val="100000"/>
         </a:lnSpc>
@@ -6780,7 +6945,7 @@
           <a:srgbClr val="000000"/>
         </a:buClr>
         <a:buFont typeface="Arial"/>
-        <a:defRPr b="0" i="0" sz="1400" u="none" cap="none" strike="noStrike">
+        <a:defRPr sz="1400" b="0" i="0" u="none" strike="noStrike" cap="none">
           <a:solidFill>
             <a:srgbClr val="000000"/>
           </a:solidFill>
@@ -6790,7 +6955,7 @@
           <a:sym typeface="Arial"/>
         </a:defRPr>
       </a:lvl5pPr>
-      <a:lvl6pPr lvl="5" marR="0" rtl="0" algn="l">
+      <a:lvl6pPr marR="0" lvl="5" algn="l" rtl="0">
         <a:lnSpc>
           <a:spcPct val="100000"/>
         </a:lnSpc>
@@ -6804,7 +6969,7 @@
           <a:srgbClr val="000000"/>
         </a:buClr>
         <a:buFont typeface="Arial"/>
-        <a:defRPr b="0" i="0" sz="1400" u="none" cap="none" strike="noStrike">
+        <a:defRPr sz="1400" b="0" i="0" u="none" strike="noStrike" cap="none">
           <a:solidFill>
             <a:srgbClr val="000000"/>
           </a:solidFill>
@@ -6814,7 +6979,7 @@
           <a:sym typeface="Arial"/>
         </a:defRPr>
       </a:lvl6pPr>
-      <a:lvl7pPr lvl="6" marR="0" rtl="0" algn="l">
+      <a:lvl7pPr marR="0" lvl="6" algn="l" rtl="0">
         <a:lnSpc>
           <a:spcPct val="100000"/>
         </a:lnSpc>
@@ -6828,7 +6993,7 @@
           <a:srgbClr val="000000"/>
         </a:buClr>
         <a:buFont typeface="Arial"/>
-        <a:defRPr b="0" i="0" sz="1400" u="none" cap="none" strike="noStrike">
+        <a:defRPr sz="1400" b="0" i="0" u="none" strike="noStrike" cap="none">
           <a:solidFill>
             <a:srgbClr val="000000"/>
           </a:solidFill>
@@ -6838,7 +7003,7 @@
           <a:sym typeface="Arial"/>
         </a:defRPr>
       </a:lvl7pPr>
-      <a:lvl8pPr lvl="7" marR="0" rtl="0" algn="l">
+      <a:lvl8pPr marR="0" lvl="7" algn="l" rtl="0">
         <a:lnSpc>
           <a:spcPct val="100000"/>
         </a:lnSpc>
@@ -6852,7 +7017,7 @@
           <a:srgbClr val="000000"/>
         </a:buClr>
         <a:buFont typeface="Arial"/>
-        <a:defRPr b="0" i="0" sz="1400" u="none" cap="none" strike="noStrike">
+        <a:defRPr sz="1400" b="0" i="0" u="none" strike="noStrike" cap="none">
           <a:solidFill>
             <a:srgbClr val="000000"/>
           </a:solidFill>
@@ -6862,7 +7027,7 @@
           <a:sym typeface="Arial"/>
         </a:defRPr>
       </a:lvl8pPr>
-      <a:lvl9pPr lvl="8" marR="0" rtl="0" algn="l">
+      <a:lvl9pPr marR="0" lvl="8" algn="l" rtl="0">
         <a:lnSpc>
           <a:spcPct val="100000"/>
         </a:lnSpc>
@@ -6876,7 +7041,7 @@
           <a:srgbClr val="000000"/>
         </a:buClr>
         <a:buFont typeface="Arial"/>
-        <a:defRPr b="0" i="0" sz="1400" u="none" cap="none" strike="noStrike">
+        <a:defRPr sz="1400" b="0" i="0" u="none" strike="noStrike" cap="none">
           <a:solidFill>
             <a:srgbClr val="000000"/>
           </a:solidFill>
@@ -6892,11 +7057,11 @@
 </file>
 
 <file path=ppt/slides/slide1.xml><?xml version="1.0" encoding="utf-8"?>
-<p:sld xmlns:a="http://schemas.openxmlformats.org/drawingml/2006/main" xmlns:r="http://schemas.openxmlformats.org/officeDocument/2006/relationships" xmlns:mc="http://schemas.openxmlformats.org/markup-compatibility/2006" xmlns:mv="urn:schemas-microsoft-com:mac:vml" xmlns:p="http://schemas.openxmlformats.org/presentationml/2006/main" xmlns:c="http://schemas.openxmlformats.org/drawingml/2006/chart" xmlns:dgm="http://schemas.openxmlformats.org/drawingml/2006/diagram" xmlns:o="urn:schemas-microsoft-com:office:office" xmlns:v="urn:schemas-microsoft-com:vml" xmlns:pvml="urn:schemas-microsoft-com:office:powerpoint" xmlns:com="http://schemas.openxmlformats.org/drawingml/2006/compatibility" xmlns:p14="http://schemas.microsoft.com/office/powerpoint/2010/main" xmlns:p15="http://schemas.microsoft.com/office/powerpoint/2012/main" xmlns:ahyp="http://schemas.microsoft.com/office/drawing/2018/hyperlinkcolor">
+<p:sld xmlns:a="http://schemas.openxmlformats.org/drawingml/2006/main" xmlns:r="http://schemas.openxmlformats.org/officeDocument/2006/relationships" xmlns:p="http://schemas.openxmlformats.org/presentationml/2006/main">
   <p:cSld>
     <p:spTree>
       <p:nvGrpSpPr>
-        <p:cNvPr id="62" name="Shape 62"/>
+        <p:cNvPr id="1" name="Shape 62"/>
         <p:cNvGrpSpPr/>
         <p:nvPr/>
       </p:nvGrpSpPr>
@@ -6911,7 +7076,9 @@
       <p:sp>
         <p:nvSpPr>
           <p:cNvPr id="63" name="Google Shape;63;p13"/>
-          <p:cNvSpPr txBox="1"/>
+          <p:cNvSpPr txBox="1">
+            <a:spLocks noGrp="1"/>
+          </p:cNvSpPr>
           <p:nvPr>
             <p:ph type="ctrTitle"/>
           </p:nvPr>
@@ -6926,12 +7093,12 @@
           </a:prstGeom>
         </p:spPr>
         <p:txBody>
-          <a:bodyPr anchorCtr="0" anchor="b" bIns="91425" lIns="91425" spcFirstLastPara="1" rIns="91425" wrap="square" tIns="91425">
+          <a:bodyPr spcFirstLastPara="1" wrap="square" lIns="91425" tIns="91425" rIns="91425" bIns="91425" anchor="b" anchorCtr="0">
             <a:normAutofit/>
           </a:bodyPr>
           <a:lstStyle/>
           <a:p>
-            <a:pPr indent="0" lvl="0" marL="0" rtl="0" algn="ctr">
+            <a:pPr marL="0" lvl="0" indent="0" algn="ctr" rtl="0">
               <a:spcBef>
                 <a:spcPts val="0"/>
               </a:spcBef>
@@ -6942,24 +7109,12 @@
             </a:pPr>
             <a:r>
               <a:rPr lang="ru"/>
-              <a:t>“</a:t>
-            </a:r>
-            <a:r>
-              <a:rPr lang="ru"/>
-              <a:t>Space</a:t>
-            </a:r>
-            <a:r>
-              <a:rPr lang="ru"/>
-              <a:t> </a:t>
-            </a:r>
-            <a:r>
-              <a:rPr lang="ru"/>
-              <a:t>Cleaner”</a:t>
+              <a:t>“Space Cleaner”</a:t>
             </a:r>
             <a:endParaRPr/>
           </a:p>
           <a:p>
-            <a:pPr indent="0" lvl="0" marL="0" rtl="0" algn="ctr">
+            <a:pPr marL="0" lvl="0" indent="0" algn="ctr" rtl="0">
               <a:spcBef>
                 <a:spcPts val="0"/>
               </a:spcBef>
@@ -6979,9 +7134,11 @@
       <p:sp>
         <p:nvSpPr>
           <p:cNvPr id="64" name="Google Shape;64;p13"/>
-          <p:cNvSpPr txBox="1"/>
+          <p:cNvSpPr txBox="1">
+            <a:spLocks noGrp="1"/>
+          </p:cNvSpPr>
           <p:nvPr>
-            <p:ph idx="1" type="subTitle"/>
+            <p:ph type="subTitle" idx="1"/>
           </p:nvPr>
         </p:nvSpPr>
         <p:spPr>
@@ -6994,12 +7151,12 @@
           </a:prstGeom>
         </p:spPr>
         <p:txBody>
-          <a:bodyPr anchorCtr="0" anchor="t" bIns="91425" lIns="91425" spcFirstLastPara="1" rIns="91425" wrap="square" tIns="91425">
-            <a:normAutofit fontScale="55000" lnSpcReduction="10000"/>
+          <a:bodyPr spcFirstLastPara="1" wrap="square" lIns="91425" tIns="91425" rIns="91425" bIns="91425" anchor="t" anchorCtr="0">
+            <a:normAutofit fontScale="70000" lnSpcReduction="20000"/>
           </a:bodyPr>
           <a:lstStyle/>
           <a:p>
-            <a:pPr indent="0" lvl="0" marL="0" rtl="0" algn="ctr">
+            <a:pPr marL="0" lvl="0" indent="0" algn="ctr" rtl="0">
               <a:spcBef>
                 <a:spcPts val="0"/>
               </a:spcBef>
@@ -7015,7 +7172,7 @@
             <a:endParaRPr/>
           </a:p>
           <a:p>
-            <a:pPr indent="0" lvl="0" marL="0" rtl="0" algn="ctr">
+            <a:pPr marL="0" lvl="0" indent="0" algn="ctr" rtl="0">
               <a:spcBef>
                 <a:spcPts val="0"/>
               </a:spcBef>
@@ -7026,16 +7183,12 @@
             </a:pPr>
             <a:r>
               <a:rPr lang="ru"/>
-              <a:t>Погрузитесь в мир, где вы сражаетесь за баланс и чистоту во </a:t>
-            </a:r>
-            <a:r>
-              <a:rPr lang="ru"/>
-              <a:t>Вселенной.</a:t>
+              <a:t>Погрузитесь в мир, где вы сражаетесь за баланс и чистоту во Вселенной.</a:t>
             </a:r>
             <a:endParaRPr/>
           </a:p>
           <a:p>
-            <a:pPr indent="0" lvl="0" marL="0" rtl="0" algn="ctr">
+            <a:pPr marL="0" lvl="0" indent="0" algn="ctr" rtl="0">
               <a:spcBef>
                 <a:spcPts val="0"/>
               </a:spcBef>
@@ -7044,9 +7197,6 @@
               </a:spcAft>
               <a:buNone/>
             </a:pPr>
-            <a:r>
-              <a:t/>
-            </a:r>
             <a:endParaRPr/>
           </a:p>
         </p:txBody>
@@ -7060,11 +7210,11 @@
 </file>
 
 <file path=ppt/slides/slide2.xml><?xml version="1.0" encoding="utf-8"?>
-<p:sld xmlns:a="http://schemas.openxmlformats.org/drawingml/2006/main" xmlns:r="http://schemas.openxmlformats.org/officeDocument/2006/relationships" xmlns:mc="http://schemas.openxmlformats.org/markup-compatibility/2006" xmlns:mv="urn:schemas-microsoft-com:mac:vml" xmlns:p="http://schemas.openxmlformats.org/presentationml/2006/main" xmlns:c="http://schemas.openxmlformats.org/drawingml/2006/chart" xmlns:dgm="http://schemas.openxmlformats.org/drawingml/2006/diagram" xmlns:o="urn:schemas-microsoft-com:office:office" xmlns:v="urn:schemas-microsoft-com:vml" xmlns:pvml="urn:schemas-microsoft-com:office:powerpoint" xmlns:com="http://schemas.openxmlformats.org/drawingml/2006/compatibility" xmlns:p14="http://schemas.microsoft.com/office/powerpoint/2010/main" xmlns:p15="http://schemas.microsoft.com/office/powerpoint/2012/main" xmlns:ahyp="http://schemas.microsoft.com/office/drawing/2018/hyperlinkcolor">
+<p:sld xmlns:a="http://schemas.openxmlformats.org/drawingml/2006/main" xmlns:r="http://schemas.openxmlformats.org/officeDocument/2006/relationships" xmlns:p="http://schemas.openxmlformats.org/presentationml/2006/main">
   <p:cSld>
     <p:spTree>
       <p:nvGrpSpPr>
-        <p:cNvPr id="68" name="Shape 68"/>
+        <p:cNvPr id="1" name="Shape 68"/>
         <p:cNvGrpSpPr/>
         <p:nvPr/>
       </p:nvGrpSpPr>
@@ -7079,7 +7229,9 @@
       <p:sp>
         <p:nvSpPr>
           <p:cNvPr id="69" name="Google Shape;69;p14"/>
-          <p:cNvSpPr txBox="1"/>
+          <p:cNvSpPr txBox="1">
+            <a:spLocks noGrp="1"/>
+          </p:cNvSpPr>
           <p:nvPr>
             <p:ph type="title"/>
           </p:nvPr>
@@ -7094,12 +7246,12 @@
           </a:prstGeom>
         </p:spPr>
         <p:txBody>
-          <a:bodyPr anchorCtr="0" anchor="b" bIns="91425" lIns="91425" spcFirstLastPara="1" rIns="91425" wrap="square" tIns="91425">
+          <a:bodyPr spcFirstLastPara="1" wrap="square" lIns="91425" tIns="91425" rIns="91425" bIns="91425" anchor="b" anchorCtr="0">
             <a:normAutofit/>
           </a:bodyPr>
           <a:lstStyle/>
           <a:p>
-            <a:pPr indent="0" lvl="0" marL="0" rtl="0" algn="l">
+            <a:pPr marL="0" lvl="0" indent="0" algn="l" rtl="0">
               <a:spcBef>
                 <a:spcPts val="0"/>
               </a:spcBef>
@@ -7119,9 +7271,11 @@
       <p:sp>
         <p:nvSpPr>
           <p:cNvPr id="70" name="Google Shape;70;p14"/>
-          <p:cNvSpPr txBox="1"/>
+          <p:cNvSpPr txBox="1">
+            <a:spLocks noGrp="1"/>
+          </p:cNvSpPr>
           <p:nvPr>
-            <p:ph idx="1" type="body"/>
+            <p:ph type="body" idx="1"/>
           </p:nvPr>
         </p:nvSpPr>
         <p:spPr>
@@ -7134,57 +7288,42 @@
           </a:prstGeom>
         </p:spPr>
         <p:txBody>
-          <a:bodyPr anchorCtr="0" anchor="t" bIns="91425" lIns="91425" spcFirstLastPara="1" rIns="91425" wrap="square" tIns="91425">
+          <a:bodyPr spcFirstLastPara="1" wrap="square" lIns="91425" tIns="91425" rIns="91425" bIns="91425" anchor="t" anchorCtr="0">
             <a:normAutofit/>
           </a:bodyPr>
           <a:lstStyle/>
           <a:p>
-            <a:pPr indent="-368300" lvl="0" marL="457200" rtl="0" algn="l">
-              <a:spcBef>
-                <a:spcPts val="0"/>
-              </a:spcBef>
-              <a:spcAft>
-                <a:spcPts val="0"/>
-              </a:spcAft>
+            <a:pPr lvl="0" indent="-368300">
               <a:buSzPts val="2200"/>
-              <a:buChar char="●"/>
             </a:pPr>
             <a:r>
-              <a:rPr lang="ru" sz="2200"/>
+              <a:rPr lang="ru" sz="2000" dirty="0"/>
               <a:t>Начальный экран</a:t>
             </a:r>
-            <a:endParaRPr sz="2200"/>
+            <a:br>
+              <a:rPr lang="ru" sz="1400" dirty="0">
+                <a:solidFill>
+                  <a:schemeClr val="tx1"/>
+                </a:solidFill>
+              </a:rPr>
+            </a:br>
+            <a:r>
+              <a:rPr lang="ru" sz="1400" dirty="0"/>
+              <a:t>Игра начинается с интуитивно понятного первого экрана. Чем понятней, тем лучше.</a:t>
+            </a:r>
+            <a:endParaRPr sz="1400" dirty="0"/>
           </a:p>
           <a:p>
-            <a:pPr indent="0" lvl="0" marL="457200" rtl="0" algn="l">
+            <a:pPr marL="457200" lvl="0" indent="0" algn="l" rtl="0">
               <a:spcBef>
                 <a:spcPts val="1200"/>
               </a:spcBef>
               <a:spcAft>
-                <a:spcPts val="0"/>
+                <a:spcPts val="1200"/>
               </a:spcAft>
               <a:buNone/>
             </a:pPr>
-            <a:r>
-              <a:rPr lang="ru" sz="1600"/>
-              <a:t>Игра начинается с интуитивно понятного первого экрана. Чем понятней, тем лучше.</a:t>
-            </a:r>
-            <a:endParaRPr sz="1600"/>
-          </a:p>
-          <a:p>
-            <a:pPr indent="0" lvl="0" marL="457200" rtl="0" algn="l">
-              <a:spcBef>
-                <a:spcPts val="1200"/>
-              </a:spcBef>
-              <a:spcAft>
-                <a:spcPts val="1200"/>
-              </a:spcAft>
-              <a:buNone/>
-            </a:pPr>
-            <a:r>
-              <a:t/>
-            </a:r>
-            <a:endParaRPr/>
+            <a:endParaRPr dirty="0"/>
           </a:p>
         </p:txBody>
       </p:sp>
@@ -7225,11 +7364,11 @@
 </file>
 
 <file path=ppt/slides/slide3.xml><?xml version="1.0" encoding="utf-8"?>
-<p:sld xmlns:a="http://schemas.openxmlformats.org/drawingml/2006/main" xmlns:r="http://schemas.openxmlformats.org/officeDocument/2006/relationships" xmlns:mc="http://schemas.openxmlformats.org/markup-compatibility/2006" xmlns:mv="urn:schemas-microsoft-com:mac:vml" xmlns:p="http://schemas.openxmlformats.org/presentationml/2006/main" xmlns:c="http://schemas.openxmlformats.org/drawingml/2006/chart" xmlns:dgm="http://schemas.openxmlformats.org/drawingml/2006/diagram" xmlns:o="urn:schemas-microsoft-com:office:office" xmlns:v="urn:schemas-microsoft-com:vml" xmlns:pvml="urn:schemas-microsoft-com:office:powerpoint" xmlns:com="http://schemas.openxmlformats.org/drawingml/2006/compatibility" xmlns:p14="http://schemas.microsoft.com/office/powerpoint/2010/main" xmlns:p15="http://schemas.microsoft.com/office/powerpoint/2012/main" xmlns:ahyp="http://schemas.microsoft.com/office/drawing/2018/hyperlinkcolor">
+<p:sld xmlns:a="http://schemas.openxmlformats.org/drawingml/2006/main" xmlns:r="http://schemas.openxmlformats.org/officeDocument/2006/relationships" xmlns:p="http://schemas.openxmlformats.org/presentationml/2006/main">
   <p:cSld>
     <p:spTree>
       <p:nvGrpSpPr>
-        <p:cNvPr id="75" name="Shape 75"/>
+        <p:cNvPr id="1" name="Shape 75"/>
         <p:cNvGrpSpPr/>
         <p:nvPr/>
       </p:nvGrpSpPr>
@@ -7244,7 +7383,9 @@
       <p:sp>
         <p:nvSpPr>
           <p:cNvPr id="76" name="Google Shape;76;p15"/>
-          <p:cNvSpPr txBox="1"/>
+          <p:cNvSpPr txBox="1">
+            <a:spLocks noGrp="1"/>
+          </p:cNvSpPr>
           <p:nvPr>
             <p:ph type="title"/>
           </p:nvPr>
@@ -7259,12 +7400,12 @@
           </a:prstGeom>
         </p:spPr>
         <p:txBody>
-          <a:bodyPr anchorCtr="0" anchor="b" bIns="91425" lIns="91425" spcFirstLastPara="1" rIns="91425" wrap="square" tIns="91425">
+          <a:bodyPr spcFirstLastPara="1" wrap="square" lIns="91425" tIns="91425" rIns="91425" bIns="91425" anchor="b" anchorCtr="0">
             <a:normAutofit/>
           </a:bodyPr>
           <a:lstStyle/>
           <a:p>
-            <a:pPr indent="0" lvl="0" marL="0" rtl="0" algn="l">
+            <a:pPr marL="0" lvl="0" indent="0" algn="l" rtl="0">
               <a:spcBef>
                 <a:spcPts val="0"/>
               </a:spcBef>
@@ -7284,9 +7425,11 @@
       <p:sp>
         <p:nvSpPr>
           <p:cNvPr id="77" name="Google Shape;77;p15"/>
-          <p:cNvSpPr txBox="1"/>
+          <p:cNvSpPr txBox="1">
+            <a:spLocks noGrp="1"/>
+          </p:cNvSpPr>
           <p:nvPr>
-            <p:ph idx="1" type="body"/>
+            <p:ph type="body" idx="1"/>
           </p:nvPr>
         </p:nvSpPr>
         <p:spPr>
@@ -7299,75 +7442,60 @@
           </a:prstGeom>
         </p:spPr>
         <p:txBody>
-          <a:bodyPr anchorCtr="0" anchor="t" bIns="91425" lIns="91425" spcFirstLastPara="1" rIns="91425" wrap="square" tIns="91425">
+          <a:bodyPr spcFirstLastPara="1" wrap="square" lIns="91425" tIns="91425" rIns="91425" bIns="91425" anchor="t" anchorCtr="0">
             <a:normAutofit/>
           </a:bodyPr>
           <a:lstStyle/>
           <a:p>
-            <a:pPr indent="-368300" lvl="0" marL="457200" rtl="0" algn="l">
-              <a:spcBef>
-                <a:spcPts val="0"/>
-              </a:spcBef>
-              <a:spcAft>
-                <a:spcPts val="0"/>
-              </a:spcAft>
+            <a:pPr indent="-368300">
               <a:buSzPts val="2200"/>
-              <a:buChar char="●"/>
             </a:pPr>
             <a:r>
-              <a:rPr lang="ru" sz="2200"/>
+              <a:rPr lang="ru" sz="2000" dirty="0"/>
               <a:t>Настройки звука</a:t>
             </a:r>
-            <a:endParaRPr sz="2200"/>
+            <a:br>
+              <a:rPr lang="ru" sz="1400" dirty="0">
+                <a:solidFill>
+                  <a:schemeClr val="tx1"/>
+                </a:solidFill>
+              </a:rPr>
+            </a:br>
+            <a:r>
+              <a:rPr lang="ru" sz="1400" dirty="0"/>
+              <a:t>Включайте или выключайте звуковые эффекты и фоновую музыку.</a:t>
+            </a:r>
+            <a:endParaRPr lang="en-US" sz="1400" dirty="0"/>
           </a:p>
           <a:p>
-            <a:pPr indent="0" lvl="0" marL="457200" rtl="0" algn="l">
+            <a:pPr lvl="0" indent="0">
               <a:spcBef>
                 <a:spcPts val="1200"/>
               </a:spcBef>
-              <a:spcAft>
-                <a:spcPts val="0"/>
-              </a:spcAft>
-              <a:buNone/>
+              <a:buNone/>
+            </a:pPr>
+            <a:endParaRPr sz="1400" dirty="0"/>
+          </a:p>
+          <a:p>
+            <a:pPr lvl="0" indent="-368300">
+              <a:buSzPts val="2200"/>
             </a:pPr>
             <a:r>
-              <a:rPr lang="ru" sz="1600"/>
-              <a:t>Включайте или выключайте звуковые эффекты и фоновую музыку.</a:t>
-            </a:r>
-            <a:endParaRPr sz="1600"/>
-          </a:p>
-          <a:p>
-            <a:pPr indent="-368300" lvl="0" marL="457200" rtl="0" algn="l">
-              <a:spcBef>
-                <a:spcPts val="1200"/>
-              </a:spcBef>
-              <a:spcAft>
-                <a:spcPts val="0"/>
-              </a:spcAft>
-              <a:buSzPts val="2200"/>
-              <a:buChar char="●"/>
-            </a:pPr>
-            <a:r>
-              <a:rPr lang="ru" sz="2200"/>
+              <a:rPr lang="ru" sz="2000" dirty="0"/>
               <a:t>Сброс рекордов</a:t>
             </a:r>
-            <a:endParaRPr sz="2200"/>
-          </a:p>
-          <a:p>
-            <a:pPr indent="0" lvl="0" marL="457200" rtl="0" algn="l">
-              <a:spcBef>
-                <a:spcPts val="1200"/>
-              </a:spcBef>
-              <a:spcAft>
-                <a:spcPts val="1200"/>
-              </a:spcAft>
-              <a:buNone/>
-            </a:pPr>
+            <a:br>
+              <a:rPr lang="ru" sz="1400" dirty="0">
+                <a:solidFill>
+                  <a:schemeClr val="tx1"/>
+                </a:solidFill>
+              </a:rPr>
+            </a:br>
             <a:r>
-              <a:rPr lang="ru" sz="1600"/>
+              <a:rPr lang="ru" sz="1400" dirty="0"/>
               <a:t>Сбрасывайте таблицу рекордов в любой момент.</a:t>
             </a:r>
-            <a:endParaRPr sz="1600"/>
+            <a:endParaRPr sz="1400" dirty="0"/>
           </a:p>
         </p:txBody>
       </p:sp>
@@ -7408,11 +7536,11 @@
 </file>
 
 <file path=ppt/slides/slide4.xml><?xml version="1.0" encoding="utf-8"?>
-<p:sld xmlns:a="http://schemas.openxmlformats.org/drawingml/2006/main" xmlns:r="http://schemas.openxmlformats.org/officeDocument/2006/relationships" xmlns:mc="http://schemas.openxmlformats.org/markup-compatibility/2006" xmlns:mv="urn:schemas-microsoft-com:mac:vml" xmlns:p="http://schemas.openxmlformats.org/presentationml/2006/main" xmlns:c="http://schemas.openxmlformats.org/drawingml/2006/chart" xmlns:dgm="http://schemas.openxmlformats.org/drawingml/2006/diagram" xmlns:o="urn:schemas-microsoft-com:office:office" xmlns:v="urn:schemas-microsoft-com:vml" xmlns:pvml="urn:schemas-microsoft-com:office:powerpoint" xmlns:com="http://schemas.openxmlformats.org/drawingml/2006/compatibility" xmlns:p14="http://schemas.microsoft.com/office/powerpoint/2010/main" xmlns:p15="http://schemas.microsoft.com/office/powerpoint/2012/main" xmlns:ahyp="http://schemas.microsoft.com/office/drawing/2018/hyperlinkcolor">
+<p:sld xmlns:a="http://schemas.openxmlformats.org/drawingml/2006/main" xmlns:r="http://schemas.openxmlformats.org/officeDocument/2006/relationships" xmlns:p="http://schemas.openxmlformats.org/presentationml/2006/main">
   <p:cSld>
     <p:spTree>
       <p:nvGrpSpPr>
-        <p:cNvPr id="82" name="Shape 82"/>
+        <p:cNvPr id="1" name="Shape 82"/>
         <p:cNvGrpSpPr/>
         <p:nvPr/>
       </p:nvGrpSpPr>
@@ -7427,7 +7555,9 @@
       <p:sp>
         <p:nvSpPr>
           <p:cNvPr id="83" name="Google Shape;83;p16"/>
-          <p:cNvSpPr txBox="1"/>
+          <p:cNvSpPr txBox="1">
+            <a:spLocks noGrp="1"/>
+          </p:cNvSpPr>
           <p:nvPr>
             <p:ph type="title"/>
           </p:nvPr>
@@ -7442,12 +7572,12 @@
           </a:prstGeom>
         </p:spPr>
         <p:txBody>
-          <a:bodyPr anchorCtr="0" anchor="b" bIns="91425" lIns="91425" spcFirstLastPara="1" rIns="91425" wrap="square" tIns="91425">
+          <a:bodyPr spcFirstLastPara="1" wrap="square" lIns="91425" tIns="91425" rIns="91425" bIns="91425" anchor="b" anchorCtr="0">
             <a:normAutofit/>
           </a:bodyPr>
           <a:lstStyle/>
           <a:p>
-            <a:pPr indent="0" lvl="0" marL="0" rtl="0" algn="l">
+            <a:pPr marL="0" lvl="0" indent="0" algn="l" rtl="0">
               <a:spcBef>
                 <a:spcPts val="0"/>
               </a:spcBef>
@@ -7467,44 +7597,50 @@
       <p:sp>
         <p:nvSpPr>
           <p:cNvPr id="84" name="Google Shape;84;p16"/>
-          <p:cNvSpPr txBox="1"/>
+          <p:cNvSpPr txBox="1">
+            <a:spLocks noGrp="1"/>
+          </p:cNvSpPr>
           <p:nvPr>
-            <p:ph idx="1" type="body"/>
+            <p:ph type="body" idx="1"/>
           </p:nvPr>
         </p:nvSpPr>
         <p:spPr>
           <a:xfrm>
             <a:off x="387900" y="1489825"/>
-            <a:ext cx="4184100" cy="3406200"/>
+            <a:ext cx="4184100" cy="2780731"/>
           </a:xfrm>
           <a:prstGeom prst="rect">
             <a:avLst/>
           </a:prstGeom>
         </p:spPr>
         <p:txBody>
-          <a:bodyPr anchorCtr="0" anchor="t" bIns="91425" lIns="91425" spcFirstLastPara="1" rIns="91425" wrap="square" tIns="91425">
+          <a:bodyPr spcFirstLastPara="1" wrap="square" lIns="91425" tIns="91425" rIns="91425" bIns="91425" anchor="t" anchorCtr="0">
             <a:spAutoFit/>
           </a:bodyPr>
           <a:lstStyle/>
           <a:p>
-            <a:pPr indent="-368300" lvl="0" marL="457200" rtl="0" algn="l">
-              <a:spcBef>
-                <a:spcPts val="0"/>
-              </a:spcBef>
-              <a:spcAft>
-                <a:spcPts val="0"/>
-              </a:spcAft>
+            <a:pPr lvl="0" indent="-368300">
               <a:buSzPts val="2200"/>
-              <a:buChar char="●"/>
             </a:pPr>
             <a:r>
-              <a:rPr lang="ru" sz="2200"/>
+              <a:rPr lang="ru" sz="2000" dirty="0"/>
               <a:t>Интерфейс</a:t>
             </a:r>
-            <a:endParaRPr sz="2200"/>
+            <a:br>
+              <a:rPr lang="ru" sz="1400" dirty="0">
+                <a:solidFill>
+                  <a:schemeClr val="tx1"/>
+                </a:solidFill>
+              </a:rPr>
+            </a:br>
+            <a:r>
+              <a:rPr lang="ru" sz="1400" dirty="0"/>
+              <a:t>Экран игры отображает ключевую информацию. Следите за своим счетом и количеством жизней.</a:t>
+            </a:r>
+            <a:endParaRPr lang="en-US" sz="1400" dirty="0"/>
           </a:p>
           <a:p>
-            <a:pPr indent="0" lvl="0" marL="457200" rtl="0" algn="l">
+            <a:pPr marL="457200" lvl="0" indent="0" algn="l" rtl="0">
               <a:spcBef>
                 <a:spcPts val="1200"/>
               </a:spcBef>
@@ -7512,49 +7648,29 @@
                 <a:spcPts val="0"/>
               </a:spcAft>
               <a:buNone/>
+            </a:pPr>
+            <a:endParaRPr sz="1400" dirty="0"/>
+          </a:p>
+          <a:p>
+            <a:pPr indent="-368300">
+              <a:buSzPts val="2200"/>
             </a:pPr>
             <a:r>
-              <a:rPr lang="ru" sz="1600"/>
-              <a:t>Экран игры отображает ключевую информацию. Следите за своим счетом и количеством жизней</a:t>
-            </a:r>
-            <a:r>
-              <a:rPr lang="ru"/>
-              <a:t>.</a:t>
-            </a:r>
-            <a:endParaRPr/>
-          </a:p>
-          <a:p>
-            <a:pPr indent="-368300" lvl="0" marL="457200" rtl="0" algn="l">
-              <a:spcBef>
-                <a:spcPts val="1200"/>
-              </a:spcBef>
-              <a:spcAft>
-                <a:spcPts val="0"/>
-              </a:spcAft>
-              <a:buSzPts val="2200"/>
-              <a:buChar char="●"/>
-            </a:pPr>
-            <a:r>
-              <a:rPr lang="ru" sz="2200"/>
+              <a:rPr lang="ru" sz="2000" dirty="0"/>
               <a:t>Динамика</a:t>
             </a:r>
-            <a:endParaRPr sz="2200"/>
-          </a:p>
-          <a:p>
-            <a:pPr indent="0" lvl="0" marL="450000" rtl="0" algn="l">
-              <a:spcBef>
-                <a:spcPts val="1200"/>
-              </a:spcBef>
-              <a:spcAft>
-                <a:spcPts val="1200"/>
-              </a:spcAft>
-              <a:buNone/>
-            </a:pPr>
+            <a:br>
+              <a:rPr lang="ru" sz="1400" dirty="0">
+                <a:solidFill>
+                  <a:schemeClr val="tx1"/>
+                </a:solidFill>
+              </a:rPr>
+            </a:br>
             <a:r>
-              <a:rPr lang="ru" sz="1600"/>
+              <a:rPr lang="ru" sz="1400" dirty="0"/>
               <a:t>Счет увеличивается по мере прохождения времени и, если выстрелив игрок сбивает летящий на него объект.</a:t>
             </a:r>
-            <a:endParaRPr/>
+            <a:endParaRPr sz="1400" dirty="0"/>
           </a:p>
         </p:txBody>
       </p:sp>
@@ -7595,11 +7711,11 @@
 </file>
 
 <file path=ppt/slides/slide5.xml><?xml version="1.0" encoding="utf-8"?>
-<p:sld xmlns:a="http://schemas.openxmlformats.org/drawingml/2006/main" xmlns:r="http://schemas.openxmlformats.org/officeDocument/2006/relationships" xmlns:mc="http://schemas.openxmlformats.org/markup-compatibility/2006" xmlns:mv="urn:schemas-microsoft-com:mac:vml" xmlns:p="http://schemas.openxmlformats.org/presentationml/2006/main" xmlns:c="http://schemas.openxmlformats.org/drawingml/2006/chart" xmlns:dgm="http://schemas.openxmlformats.org/drawingml/2006/diagram" xmlns:o="urn:schemas-microsoft-com:office:office" xmlns:v="urn:schemas-microsoft-com:vml" xmlns:pvml="urn:schemas-microsoft-com:office:powerpoint" xmlns:com="http://schemas.openxmlformats.org/drawingml/2006/compatibility" xmlns:p14="http://schemas.microsoft.com/office/powerpoint/2010/main" xmlns:p15="http://schemas.microsoft.com/office/powerpoint/2012/main" xmlns:ahyp="http://schemas.microsoft.com/office/drawing/2018/hyperlinkcolor">
+<p:sld xmlns:a="http://schemas.openxmlformats.org/drawingml/2006/main" xmlns:r="http://schemas.openxmlformats.org/officeDocument/2006/relationships" xmlns:p="http://schemas.openxmlformats.org/presentationml/2006/main">
   <p:cSld>
     <p:spTree>
       <p:nvGrpSpPr>
-        <p:cNvPr id="89" name="Shape 89"/>
+        <p:cNvPr id="1" name="Shape 89"/>
         <p:cNvGrpSpPr/>
         <p:nvPr/>
       </p:nvGrpSpPr>
@@ -7614,7 +7730,9 @@
       <p:sp>
         <p:nvSpPr>
           <p:cNvPr id="90" name="Google Shape;90;p17"/>
-          <p:cNvSpPr txBox="1"/>
+          <p:cNvSpPr txBox="1">
+            <a:spLocks noGrp="1"/>
+          </p:cNvSpPr>
           <p:nvPr>
             <p:ph type="title"/>
           </p:nvPr>
@@ -7629,12 +7747,12 @@
           </a:prstGeom>
         </p:spPr>
         <p:txBody>
-          <a:bodyPr anchorCtr="0" anchor="b" bIns="91425" lIns="91425" spcFirstLastPara="1" rIns="91425" wrap="square" tIns="91425">
+          <a:bodyPr spcFirstLastPara="1" wrap="square" lIns="91425" tIns="91425" rIns="91425" bIns="91425" anchor="b" anchorCtr="0">
             <a:normAutofit/>
           </a:bodyPr>
           <a:lstStyle/>
           <a:p>
-            <a:pPr indent="0" lvl="0" marL="0" rtl="0" algn="l">
+            <a:pPr marL="0" lvl="0" indent="0" algn="l" rtl="0">
               <a:spcBef>
                 <a:spcPts val="0"/>
               </a:spcBef>
@@ -7654,143 +7772,110 @@
       <p:sp>
         <p:nvSpPr>
           <p:cNvPr id="91" name="Google Shape;91;p17"/>
-          <p:cNvSpPr txBox="1"/>
+          <p:cNvSpPr txBox="1">
+            <a:spLocks noGrp="1"/>
+          </p:cNvSpPr>
           <p:nvPr>
-            <p:ph idx="1" type="body"/>
+            <p:ph type="body" idx="1"/>
           </p:nvPr>
         </p:nvSpPr>
         <p:spPr>
           <a:xfrm>
             <a:off x="387900" y="1489825"/>
-            <a:ext cx="4184100" cy="3249300"/>
+            <a:ext cx="4184100" cy="2733026"/>
           </a:xfrm>
           <a:prstGeom prst="rect">
             <a:avLst/>
           </a:prstGeom>
         </p:spPr>
         <p:txBody>
-          <a:bodyPr anchorCtr="0" anchor="t" bIns="91425" lIns="91425" spcFirstLastPara="1" rIns="91425" wrap="square" tIns="91425">
+          <a:bodyPr spcFirstLastPara="1" wrap="square" lIns="91425" tIns="91425" rIns="91425" bIns="91425" anchor="t" anchorCtr="0">
             <a:spAutoFit/>
           </a:bodyPr>
           <a:lstStyle/>
           <a:p>
-            <a:pPr indent="-368300" lvl="0" marL="457200" rtl="0" algn="l">
-              <a:spcBef>
-                <a:spcPts val="0"/>
-              </a:spcBef>
-              <a:spcAft>
-                <a:spcPts val="0"/>
-              </a:spcAft>
+            <a:pPr indent="-368300">
               <a:buSzPts val="2200"/>
-              <a:buChar char="●"/>
             </a:pPr>
             <a:r>
-              <a:rPr lang="ru" sz="2200"/>
+              <a:rPr lang="ru" sz="2000" dirty="0"/>
               <a:t>Столкновение с мусором</a:t>
             </a:r>
-            <a:endParaRPr sz="2200"/>
+            <a:br>
+              <a:rPr lang="ru" sz="1400" dirty="0">
+                <a:solidFill>
+                  <a:schemeClr val="tx1"/>
+                </a:solidFill>
+              </a:rPr>
+            </a:br>
+            <a:r>
+              <a:rPr lang="ru" sz="1400" dirty="0"/>
+              <a:t>Каждое столкновение уменьшает количество жизней.</a:t>
+            </a:r>
+            <a:r>
+              <a:rPr lang="ru" sz="1400" dirty="0">
+                <a:solidFill>
+                  <a:schemeClr val="tx1"/>
+                </a:solidFill>
+              </a:rPr>
+              <a:t> </a:t>
+            </a:r>
+            <a:br>
+              <a:rPr lang="ru" sz="1400" dirty="0">
+                <a:solidFill>
+                  <a:schemeClr val="tx1"/>
+                </a:solidFill>
+              </a:rPr>
+            </a:br>
+            <a:endParaRPr sz="1400" dirty="0"/>
           </a:p>
           <a:p>
-            <a:pPr indent="0" lvl="0" marL="457200" rtl="0" algn="l">
-              <a:spcBef>
-                <a:spcPts val="1200"/>
-              </a:spcBef>
-              <a:spcAft>
-                <a:spcPts val="0"/>
-              </a:spcAft>
-              <a:buNone/>
+            <a:pPr indent="-368300">
+              <a:buSzPts val="2200"/>
             </a:pPr>
             <a:r>
-              <a:rPr lang="ru" sz="1600"/>
-              <a:t>Каждое столкновение уменьшает количество жизней.</a:t>
+              <a:rPr lang="ru" sz="2000" dirty="0"/>
+              <a:t>Потеря жизней</a:t>
             </a:r>
-            <a:endParaRPr sz="1600"/>
+            <a:br>
+              <a:rPr lang="ru" sz="1400" dirty="0">
+                <a:solidFill>
+                  <a:schemeClr val="tx1"/>
+                </a:solidFill>
+              </a:rPr>
+            </a:br>
+            <a:r>
+              <a:rPr lang="ru" sz="1400" dirty="0"/>
+              <a:t>Избегайте столкновений.</a:t>
+            </a:r>
+            <a:endParaRPr lang="en-US" sz="1400" dirty="0"/>
           </a:p>
           <a:p>
-            <a:pPr indent="-368300" lvl="0" marL="457200" rtl="0" algn="l">
-              <a:spcBef>
-                <a:spcPts val="1200"/>
-              </a:spcBef>
-              <a:spcAft>
-                <a:spcPts val="0"/>
-              </a:spcAft>
+            <a:pPr indent="-368300">
               <a:buSzPts val="2200"/>
-              <a:buChar char="●"/>
+            </a:pPr>
+            <a:endParaRPr sz="1400" dirty="0"/>
+          </a:p>
+          <a:p>
+            <a:pPr lvl="0" indent="-368300">
+              <a:buSzPts val="2200"/>
             </a:pPr>
             <a:r>
-              <a:rPr lang="ru" sz="2200"/>
-              <a:t>Потеря жизней</a:t>
-            </a:r>
-            <a:endParaRPr sz="2200"/>
-          </a:p>
-          <a:p>
-            <a:pPr indent="0" lvl="0" marL="457200" rtl="0" algn="l">
-              <a:spcBef>
-                <a:spcPts val="1200"/>
-              </a:spcBef>
-              <a:spcAft>
-                <a:spcPts val="0"/>
-              </a:spcAft>
-              <a:buNone/>
-            </a:pPr>
-            <a:r>
-              <a:rPr lang="ru" sz="1600"/>
-              <a:t> </a:t>
-            </a:r>
-            <a:r>
-              <a:rPr lang="ru" sz="1600"/>
-              <a:t>Избегайте</a:t>
-            </a:r>
-            <a:r>
-              <a:rPr lang="ru" sz="1600"/>
-              <a:t> </a:t>
-            </a:r>
-            <a:r>
-              <a:rPr lang="ru" sz="1600"/>
-              <a:t>столкновений</a:t>
-            </a:r>
-            <a:r>
-              <a:rPr lang="ru" sz="1600"/>
-              <a:t>.</a:t>
-            </a:r>
-            <a:endParaRPr sz="1600"/>
-          </a:p>
-          <a:p>
-            <a:pPr indent="-368300" lvl="0" marL="457200" rtl="0" algn="l">
-              <a:spcBef>
-                <a:spcPts val="1200"/>
-              </a:spcBef>
-              <a:spcAft>
-                <a:spcPts val="0"/>
-              </a:spcAft>
-              <a:buSzPts val="2200"/>
-              <a:buChar char="●"/>
-            </a:pPr>
-            <a:r>
-              <a:rPr lang="ru" sz="2200"/>
+              <a:rPr lang="ru" sz="2000" dirty="0"/>
               <a:t>Конец игры</a:t>
             </a:r>
-            <a:endParaRPr sz="2200"/>
-          </a:p>
-          <a:p>
-            <a:pPr indent="0" lvl="0" marL="0" rtl="0" algn="l">
-              <a:spcBef>
-                <a:spcPts val="1200"/>
-              </a:spcBef>
-              <a:spcAft>
-                <a:spcPts val="1200"/>
-              </a:spcAft>
-              <a:buNone/>
-            </a:pPr>
+            <a:br>
+              <a:rPr lang="ru" sz="1400" dirty="0">
+                <a:solidFill>
+                  <a:schemeClr val="tx1"/>
+                </a:solidFill>
+              </a:rPr>
+            </a:br>
             <a:r>
-              <a:rPr lang="ru"/>
-              <a:t>        </a:t>
-            </a:r>
-            <a:r>
-              <a:rPr lang="ru" sz="1600"/>
+              <a:rPr lang="ru" sz="1400" dirty="0"/>
               <a:t>Кончились жизни — КОНЕЦ.</a:t>
             </a:r>
-            <a:endParaRPr sz="1600"/>
+            <a:endParaRPr sz="1400" dirty="0"/>
           </a:p>
         </p:txBody>
       </p:sp>
@@ -7831,11 +7916,11 @@
 </file>
 
 <file path=ppt/slides/slide6.xml><?xml version="1.0" encoding="utf-8"?>
-<p:sld xmlns:a="http://schemas.openxmlformats.org/drawingml/2006/main" xmlns:r="http://schemas.openxmlformats.org/officeDocument/2006/relationships" xmlns:mc="http://schemas.openxmlformats.org/markup-compatibility/2006" xmlns:mv="urn:schemas-microsoft-com:mac:vml" xmlns:p="http://schemas.openxmlformats.org/presentationml/2006/main" xmlns:c="http://schemas.openxmlformats.org/drawingml/2006/chart" xmlns:dgm="http://schemas.openxmlformats.org/drawingml/2006/diagram" xmlns:o="urn:schemas-microsoft-com:office:office" xmlns:v="urn:schemas-microsoft-com:vml" xmlns:pvml="urn:schemas-microsoft-com:office:powerpoint" xmlns:com="http://schemas.openxmlformats.org/drawingml/2006/compatibility" xmlns:p14="http://schemas.microsoft.com/office/powerpoint/2010/main" xmlns:p15="http://schemas.microsoft.com/office/powerpoint/2012/main" xmlns:ahyp="http://schemas.microsoft.com/office/drawing/2018/hyperlinkcolor">
+<p:sld xmlns:a="http://schemas.openxmlformats.org/drawingml/2006/main" xmlns:r="http://schemas.openxmlformats.org/officeDocument/2006/relationships" xmlns:p="http://schemas.openxmlformats.org/presentationml/2006/main">
   <p:cSld>
     <p:spTree>
       <p:nvGrpSpPr>
-        <p:cNvPr id="96" name="Shape 96"/>
+        <p:cNvPr id="1" name="Shape 96"/>
         <p:cNvGrpSpPr/>
         <p:nvPr/>
       </p:nvGrpSpPr>
@@ -7850,7 +7935,9 @@
       <p:sp>
         <p:nvSpPr>
           <p:cNvPr id="97" name="Google Shape;97;p18"/>
-          <p:cNvSpPr txBox="1"/>
+          <p:cNvSpPr txBox="1">
+            <a:spLocks noGrp="1"/>
+          </p:cNvSpPr>
           <p:nvPr>
             <p:ph type="title"/>
           </p:nvPr>
@@ -7865,12 +7952,12 @@
           </a:prstGeom>
         </p:spPr>
         <p:txBody>
-          <a:bodyPr anchorCtr="0" anchor="b" bIns="91425" lIns="91425" spcFirstLastPara="1" rIns="91425" wrap="square" tIns="91425">
+          <a:bodyPr spcFirstLastPara="1" wrap="square" lIns="91425" tIns="91425" rIns="91425" bIns="91425" anchor="b" anchorCtr="0">
             <a:normAutofit/>
           </a:bodyPr>
           <a:lstStyle/>
           <a:p>
-            <a:pPr indent="0" lvl="0" marL="0" rtl="0" algn="l">
+            <a:pPr marL="0" lvl="0" indent="0" algn="l" rtl="0">
               <a:spcBef>
                 <a:spcPts val="0"/>
               </a:spcBef>
@@ -7890,9 +7977,11 @@
       <p:sp>
         <p:nvSpPr>
           <p:cNvPr id="98" name="Google Shape;98;p18"/>
-          <p:cNvSpPr txBox="1"/>
+          <p:cNvSpPr txBox="1">
+            <a:spLocks noGrp="1"/>
+          </p:cNvSpPr>
           <p:nvPr>
-            <p:ph idx="1" type="body"/>
+            <p:ph type="body" idx="1"/>
           </p:nvPr>
         </p:nvSpPr>
         <p:spPr>
@@ -7905,29 +7994,41 @@
           </a:prstGeom>
         </p:spPr>
         <p:txBody>
-          <a:bodyPr anchorCtr="0" anchor="t" bIns="91425" lIns="91425" spcFirstLastPara="1" rIns="91425" wrap="square" tIns="91425">
-            <a:normAutofit lnSpcReduction="10000"/>
+          <a:bodyPr spcFirstLastPara="1" wrap="square" lIns="91425" tIns="91425" rIns="91425" bIns="91425" anchor="t" anchorCtr="0">
+            <a:normAutofit/>
           </a:bodyPr>
           <a:lstStyle/>
           <a:p>
-            <a:pPr indent="-368300" lvl="0" marL="457200" rtl="0" algn="l">
-              <a:spcBef>
-                <a:spcPts val="0"/>
-              </a:spcBef>
-              <a:spcAft>
-                <a:spcPts val="0"/>
-              </a:spcAft>
+            <a:pPr indent="-368300">
               <a:buSzPts val="2200"/>
-              <a:buChar char="●"/>
             </a:pPr>
             <a:r>
-              <a:rPr lang="ru" sz="2200"/>
+              <a:rPr lang="ru-RU" sz="2000" dirty="0"/>
               <a:t>Возобновление</a:t>
             </a:r>
-            <a:endParaRPr sz="2200"/>
+            <a:br>
+              <a:rPr lang="ru" sz="1400" dirty="0">
+                <a:solidFill>
+                  <a:schemeClr val="tx1"/>
+                </a:solidFill>
+              </a:rPr>
+            </a:br>
+            <a:r>
+              <a:rPr lang="ru-RU" sz="1400" dirty="0"/>
+              <a:t>Легко возобновляется игровой процесс. Есть возможность</a:t>
+            </a:r>
+            <a:r>
+              <a:rPr lang="ru-RU" sz="1600" dirty="0"/>
+              <a:t> </a:t>
+            </a:r>
+            <a:r>
+              <a:rPr lang="ru-RU" sz="1400" dirty="0"/>
+              <a:t>рестарта.</a:t>
+            </a:r>
+            <a:endParaRPr lang="en-US" sz="1400" dirty="0"/>
           </a:p>
           <a:p>
-            <a:pPr indent="0" lvl="0" marL="450000" rtl="0" algn="l">
+            <a:pPr marL="450000" lvl="0" indent="0" algn="l" rtl="0">
               <a:spcBef>
                 <a:spcPts val="1200"/>
               </a:spcBef>
@@ -7935,72 +8036,41 @@
                 <a:spcPts val="0"/>
               </a:spcAft>
               <a:buNone/>
+            </a:pPr>
+            <a:endParaRPr lang="ru-RU" sz="1400" dirty="0"/>
+          </a:p>
+          <a:p>
+            <a:pPr lvl="0" indent="-368300">
+              <a:buSzPts val="2200"/>
             </a:pPr>
             <a:r>
-              <a:rPr lang="ru" sz="1600"/>
-              <a:t>Легко </a:t>
+              <a:rPr lang="ru" sz="2000" dirty="0"/>
+              <a:t>Пауза</a:t>
             </a:r>
+            <a:br>
+              <a:rPr lang="ru" sz="1400" dirty="0">
+                <a:solidFill>
+                  <a:schemeClr val="tx1"/>
+                </a:solidFill>
+              </a:rPr>
+            </a:br>
             <a:r>
-              <a:rPr lang="ru" sz="1600"/>
-              <a:t>возобновляется</a:t>
+              <a:rPr lang="ru" sz="1400" dirty="0"/>
+              <a:t>Ставьте игру на паузу в любой момент.</a:t>
             </a:r>
-            <a:r>
-              <a:rPr lang="ru" sz="1600"/>
-              <a:t> игровой процесс. Есть возможность рестарта.</a:t>
-            </a:r>
-            <a:endParaRPr sz="1600"/>
+            <a:endParaRPr sz="1400" dirty="0"/>
           </a:p>
           <a:p>
-            <a:pPr indent="-368300" lvl="0" marL="457200" rtl="0" algn="l">
+            <a:pPr marL="457200" lvl="0" indent="0" algn="l" rtl="0">
               <a:spcBef>
                 <a:spcPts val="1200"/>
               </a:spcBef>
               <a:spcAft>
-                <a:spcPts val="0"/>
-              </a:spcAft>
-              <a:buSzPts val="2200"/>
-              <a:buChar char="●"/>
+                <a:spcPts val="1200"/>
+              </a:spcAft>
+              <a:buNone/>
             </a:pPr>
-            <a:r>
-              <a:rPr lang="ru" sz="2200"/>
-              <a:t>Пауза</a:t>
-            </a:r>
-            <a:endParaRPr sz="2200"/>
-          </a:p>
-          <a:p>
-            <a:pPr indent="0" lvl="0" marL="457200" rtl="0" algn="l">
-              <a:spcBef>
-                <a:spcPts val="1200"/>
-              </a:spcBef>
-              <a:spcAft>
-                <a:spcPts val="0"/>
-              </a:spcAft>
-              <a:buNone/>
-            </a:pPr>
-            <a:r>
-              <a:rPr lang="ru" sz="1600"/>
-              <a:t>Ставьте игру на паузу </a:t>
-            </a:r>
-            <a:r>
-              <a:rPr lang="ru" sz="1600"/>
-              <a:t>в любой момент.</a:t>
-            </a:r>
-            <a:endParaRPr sz="1600"/>
-          </a:p>
-          <a:p>
-            <a:pPr indent="0" lvl="0" marL="457200" rtl="0" algn="l">
-              <a:spcBef>
-                <a:spcPts val="1200"/>
-              </a:spcBef>
-              <a:spcAft>
-                <a:spcPts val="1200"/>
-              </a:spcAft>
-              <a:buNone/>
-            </a:pPr>
-            <a:r>
-              <a:t/>
-            </a:r>
-            <a:endParaRPr sz="1600"/>
+            <a:endParaRPr sz="1600" dirty="0"/>
           </a:p>
         </p:txBody>
       </p:sp>
@@ -8041,11 +8111,11 @@
 </file>
 
 <file path=ppt/slides/slide7.xml><?xml version="1.0" encoding="utf-8"?>
-<p:sld xmlns:a="http://schemas.openxmlformats.org/drawingml/2006/main" xmlns:r="http://schemas.openxmlformats.org/officeDocument/2006/relationships" xmlns:mc="http://schemas.openxmlformats.org/markup-compatibility/2006" xmlns:mv="urn:schemas-microsoft-com:mac:vml" xmlns:p="http://schemas.openxmlformats.org/presentationml/2006/main" xmlns:c="http://schemas.openxmlformats.org/drawingml/2006/chart" xmlns:dgm="http://schemas.openxmlformats.org/drawingml/2006/diagram" xmlns:o="urn:schemas-microsoft-com:office:office" xmlns:v="urn:schemas-microsoft-com:vml" xmlns:pvml="urn:schemas-microsoft-com:office:powerpoint" xmlns:com="http://schemas.openxmlformats.org/drawingml/2006/compatibility" xmlns:p14="http://schemas.microsoft.com/office/powerpoint/2010/main" xmlns:p15="http://schemas.microsoft.com/office/powerpoint/2012/main" xmlns:ahyp="http://schemas.microsoft.com/office/drawing/2018/hyperlinkcolor">
+<p:sld xmlns:a="http://schemas.openxmlformats.org/drawingml/2006/main" xmlns:r="http://schemas.openxmlformats.org/officeDocument/2006/relationships" xmlns:p="http://schemas.openxmlformats.org/presentationml/2006/main">
   <p:cSld>
     <p:spTree>
       <p:nvGrpSpPr>
-        <p:cNvPr id="103" name="Shape 103"/>
+        <p:cNvPr id="1" name="Shape 103"/>
         <p:cNvGrpSpPr/>
         <p:nvPr/>
       </p:nvGrpSpPr>
@@ -8060,7 +8130,9 @@
       <p:sp>
         <p:nvSpPr>
           <p:cNvPr id="104" name="Google Shape;104;p19"/>
-          <p:cNvSpPr txBox="1"/>
+          <p:cNvSpPr txBox="1">
+            <a:spLocks noGrp="1"/>
+          </p:cNvSpPr>
           <p:nvPr>
             <p:ph type="title"/>
           </p:nvPr>
@@ -8075,12 +8147,12 @@
           </a:prstGeom>
         </p:spPr>
         <p:txBody>
-          <a:bodyPr anchorCtr="0" anchor="b" bIns="91425" lIns="91425" spcFirstLastPara="1" rIns="91425" wrap="square" tIns="91425">
+          <a:bodyPr spcFirstLastPara="1" wrap="square" lIns="91425" tIns="91425" rIns="91425" bIns="91425" anchor="b" anchorCtr="0">
             <a:normAutofit/>
           </a:bodyPr>
           <a:lstStyle/>
           <a:p>
-            <a:pPr indent="0" lvl="0" marL="0" rtl="0" algn="l">
+            <a:pPr marL="0" lvl="0" indent="0" algn="l" rtl="0">
               <a:spcBef>
                 <a:spcPts val="0"/>
               </a:spcBef>
@@ -8100,27 +8172,29 @@
       <p:sp>
         <p:nvSpPr>
           <p:cNvPr id="105" name="Google Shape;105;p19"/>
-          <p:cNvSpPr txBox="1"/>
+          <p:cNvSpPr txBox="1">
+            <a:spLocks noGrp="1"/>
+          </p:cNvSpPr>
           <p:nvPr>
-            <p:ph idx="1" type="body"/>
+            <p:ph type="body" idx="1"/>
           </p:nvPr>
         </p:nvSpPr>
         <p:spPr>
           <a:xfrm>
             <a:off x="387900" y="1489825"/>
-            <a:ext cx="4184100" cy="3501600"/>
+            <a:ext cx="4184100" cy="3016180"/>
           </a:xfrm>
           <a:prstGeom prst="rect">
             <a:avLst/>
           </a:prstGeom>
         </p:spPr>
         <p:txBody>
-          <a:bodyPr anchorCtr="0" anchor="t" bIns="91425" lIns="91425" spcFirstLastPara="1" rIns="91425" wrap="square" tIns="91425">
+          <a:bodyPr spcFirstLastPara="1" wrap="square" lIns="91425" tIns="91425" rIns="91425" bIns="91425" anchor="t" anchorCtr="0">
             <a:spAutoFit/>
           </a:bodyPr>
           <a:lstStyle/>
           <a:p>
-            <a:pPr indent="-368300" lvl="0" marL="457200" rtl="0" algn="l">
+            <a:pPr marL="457200" lvl="0" indent="-368300" algn="l" rtl="0">
               <a:spcBef>
                 <a:spcPts val="0"/>
               </a:spcBef>
@@ -8131,96 +8205,81 @@
               <a:buChar char="●"/>
             </a:pPr>
             <a:r>
-              <a:rPr lang="ru" sz="2200"/>
+              <a:rPr lang="ru" sz="2000" dirty="0">
+                <a:solidFill>
+                  <a:schemeClr val="tx1"/>
+                </a:solidFill>
+              </a:rPr>
               <a:t>Окончание игры</a:t>
             </a:r>
-            <a:endParaRPr sz="2200"/>
+            <a:br>
+              <a:rPr lang="ru" sz="2000" dirty="0">
+                <a:solidFill>
+                  <a:schemeClr val="tx1"/>
+                </a:solidFill>
+              </a:rPr>
+            </a:br>
+            <a:r>
+              <a:rPr lang="ru-RU" sz="1400" dirty="0">
+                <a:solidFill>
+                  <a:schemeClr val="tx1"/>
+                </a:solidFill>
+              </a:rPr>
+              <a:t>Когда жизни заканчиваются, игра завершается.</a:t>
+            </a:r>
+            <a:br>
+              <a:rPr lang="ru-RU" sz="1400" dirty="0">
+                <a:solidFill>
+                  <a:schemeClr val="tx1"/>
+                </a:solidFill>
+              </a:rPr>
+            </a:br>
+            <a:endParaRPr lang="ru-RU" sz="1400" dirty="0">
+              <a:solidFill>
+                <a:schemeClr val="tx1"/>
+              </a:solidFill>
+            </a:endParaRPr>
           </a:p>
           <a:p>
-            <a:pPr indent="0" lvl="0" marL="457200" rtl="0" algn="l">
-              <a:spcBef>
-                <a:spcPts val="1200"/>
-              </a:spcBef>
-              <a:spcAft>
-                <a:spcPts val="0"/>
-              </a:spcAft>
-              <a:buNone/>
+            <a:pPr indent="-368300">
+              <a:buSzPts val="2200"/>
             </a:pPr>
             <a:r>
-              <a:rPr lang="ru" sz="1600"/>
-              <a:t>Когда жизни заканчиваются, игра завершается.</a:t>
+              <a:rPr lang="ru" sz="2000" dirty="0"/>
+              <a:t>Отображение рекордов</a:t>
             </a:r>
-            <a:endParaRPr sz="1600"/>
+            <a:br>
+              <a:rPr lang="ru" sz="2000" dirty="0"/>
+            </a:br>
+            <a:r>
+              <a:rPr lang="ru" sz="1400" dirty="0"/>
+              <a:t>На экране появляется таблица с лучшими результатами.</a:t>
+            </a:r>
+            <a:br>
+              <a:rPr lang="ru" sz="1400" dirty="0"/>
+            </a:br>
+            <a:endParaRPr sz="1400" dirty="0"/>
           </a:p>
           <a:p>
-            <a:pPr indent="-368300" lvl="0" marL="457200" rtl="0" algn="l">
-              <a:spcBef>
-                <a:spcPts val="1200"/>
-              </a:spcBef>
-              <a:spcAft>
-                <a:spcPts val="0"/>
-              </a:spcAft>
+            <a:pPr lvl="0" indent="-368300">
               <a:buSzPts val="2200"/>
-              <a:buChar char="●"/>
             </a:pPr>
             <a:r>
-              <a:rPr lang="ru" sz="2200"/>
-              <a:t>Отображение рекордов</a:t>
-            </a:r>
-            <a:endParaRPr sz="2200"/>
-          </a:p>
-          <a:p>
-            <a:pPr indent="0" lvl="0" marL="450000" rtl="0" algn="l">
-              <a:spcBef>
-                <a:spcPts val="1200"/>
-              </a:spcBef>
-              <a:spcAft>
-                <a:spcPts val="0"/>
-              </a:spcAft>
-              <a:buNone/>
-            </a:pPr>
-            <a:r>
-              <a:rPr lang="ru" sz="1600"/>
-              <a:t>На экране появляется таблица с лучшими результатами.</a:t>
-            </a:r>
-            <a:endParaRPr sz="1600"/>
-          </a:p>
-          <a:p>
-            <a:pPr indent="-368300" lvl="0" marL="457200" rtl="0" algn="l">
-              <a:spcBef>
-                <a:spcPts val="1200"/>
-              </a:spcBef>
-              <a:spcAft>
-                <a:spcPts val="0"/>
-              </a:spcAft>
-              <a:buSzPts val="2200"/>
-              <a:buChar char="●"/>
-            </a:pPr>
-            <a:r>
-              <a:rPr lang="ru" sz="2200"/>
+              <a:rPr lang="ru" sz="2000" dirty="0"/>
               <a:t>Соревнование</a:t>
             </a:r>
-            <a:endParaRPr sz="2200"/>
-          </a:p>
-          <a:p>
-            <a:pPr indent="0" lvl="0" marL="457200" rtl="0" algn="l">
-              <a:spcBef>
-                <a:spcPts val="1200"/>
-              </a:spcBef>
-              <a:spcAft>
-                <a:spcPts val="1200"/>
-              </a:spcAft>
-              <a:buNone/>
-            </a:pPr>
+            <a:br>
+              <a:rPr lang="ru" sz="2000" dirty="0"/>
+            </a:br>
             <a:r>
-              <a:rPr lang="ru" sz="1600"/>
+              <a:rPr lang="ru" sz="1600" dirty="0"/>
               <a:t> </a:t>
             </a:r>
             <a:r>
-              <a:rPr lang="ru" sz="1600"/>
+              <a:rPr lang="ru" sz="1400" dirty="0"/>
               <a:t>Стремитесь побить свои рекорды.</a:t>
             </a:r>
-            <a:endParaRPr sz="2200"/>
+            <a:endParaRPr sz="1400" dirty="0"/>
           </a:p>
         </p:txBody>
       </p:sp>
@@ -8261,11 +8320,11 @@
 </file>
 
 <file path=ppt/slides/slide8.xml><?xml version="1.0" encoding="utf-8"?>
-<p:sld xmlns:a="http://schemas.openxmlformats.org/drawingml/2006/main" xmlns:r="http://schemas.openxmlformats.org/officeDocument/2006/relationships" xmlns:mc="http://schemas.openxmlformats.org/markup-compatibility/2006" xmlns:mv="urn:schemas-microsoft-com:mac:vml" xmlns:p="http://schemas.openxmlformats.org/presentationml/2006/main" xmlns:c="http://schemas.openxmlformats.org/drawingml/2006/chart" xmlns:dgm="http://schemas.openxmlformats.org/drawingml/2006/diagram" xmlns:o="urn:schemas-microsoft-com:office:office" xmlns:v="urn:schemas-microsoft-com:vml" xmlns:pvml="urn:schemas-microsoft-com:office:powerpoint" xmlns:com="http://schemas.openxmlformats.org/drawingml/2006/compatibility" xmlns:p14="http://schemas.microsoft.com/office/powerpoint/2010/main" xmlns:p15="http://schemas.microsoft.com/office/powerpoint/2012/main" xmlns:ahyp="http://schemas.microsoft.com/office/drawing/2018/hyperlinkcolor">
+<p:sld xmlns:a="http://schemas.openxmlformats.org/drawingml/2006/main" xmlns:r="http://schemas.openxmlformats.org/officeDocument/2006/relationships" xmlns:p="http://schemas.openxmlformats.org/presentationml/2006/main">
   <p:cSld>
     <p:spTree>
       <p:nvGrpSpPr>
-        <p:cNvPr id="110" name="Shape 110"/>
+        <p:cNvPr id="1" name="Shape 110"/>
         <p:cNvGrpSpPr/>
         <p:nvPr/>
       </p:nvGrpSpPr>
@@ -8280,7 +8339,9 @@
       <p:sp>
         <p:nvSpPr>
           <p:cNvPr id="111" name="Google Shape;111;p20"/>
-          <p:cNvSpPr txBox="1"/>
+          <p:cNvSpPr txBox="1">
+            <a:spLocks noGrp="1"/>
+          </p:cNvSpPr>
           <p:nvPr>
             <p:ph type="title"/>
           </p:nvPr>
@@ -8295,12 +8356,12 @@
           </a:prstGeom>
         </p:spPr>
         <p:txBody>
-          <a:bodyPr anchorCtr="0" anchor="b" bIns="91425" lIns="91425" spcFirstLastPara="1" rIns="91425" wrap="square" tIns="91425">
+          <a:bodyPr spcFirstLastPara="1" wrap="square" lIns="91425" tIns="91425" rIns="91425" bIns="91425" anchor="b" anchorCtr="0">
             <a:normAutofit/>
           </a:bodyPr>
           <a:lstStyle/>
           <a:p>
-            <a:pPr indent="0" lvl="0" marL="0" rtl="0" algn="l">
+            <a:pPr marL="0" lvl="0" indent="0" algn="l" rtl="0">
               <a:spcBef>
                 <a:spcPts val="0"/>
               </a:spcBef>
@@ -8320,27 +8381,29 @@
       <p:sp>
         <p:nvSpPr>
           <p:cNvPr id="112" name="Google Shape;112;p20"/>
-          <p:cNvSpPr txBox="1"/>
+          <p:cNvSpPr txBox="1">
+            <a:spLocks noGrp="1"/>
+          </p:cNvSpPr>
           <p:nvPr>
-            <p:ph idx="1" type="body"/>
+            <p:ph type="body" idx="1"/>
           </p:nvPr>
         </p:nvSpPr>
         <p:spPr>
           <a:xfrm>
             <a:off x="387900" y="1489825"/>
-            <a:ext cx="4184100" cy="3501600"/>
+            <a:ext cx="4184100" cy="3300873"/>
           </a:xfrm>
           <a:prstGeom prst="rect">
             <a:avLst/>
           </a:prstGeom>
         </p:spPr>
         <p:txBody>
-          <a:bodyPr anchorCtr="0" anchor="t" bIns="91425" lIns="91425" spcFirstLastPara="1" rIns="91425" wrap="square" tIns="91425">
+          <a:bodyPr spcFirstLastPara="1" wrap="square" lIns="91425" tIns="91425" rIns="91425" bIns="91425" anchor="t" anchorCtr="0">
             <a:spAutoFit/>
           </a:bodyPr>
           <a:lstStyle/>
           <a:p>
-            <a:pPr indent="-368300" lvl="0" marL="457200" rtl="0" algn="l">
+            <a:pPr marL="457200" lvl="0" indent="-368300" algn="l" rtl="0">
               <a:spcBef>
                 <a:spcPts val="0"/>
               </a:spcBef>
@@ -8351,29 +8414,20 @@
               <a:buChar char="●"/>
             </a:pPr>
             <a:r>
-              <a:rPr lang="ru" sz="2200"/>
+              <a:rPr lang="ru" sz="2000" dirty="0"/>
               <a:t>Настраиваемость</a:t>
             </a:r>
-            <a:endParaRPr sz="2200"/>
+            <a:br>
+              <a:rPr lang="ru" sz="2000" dirty="0"/>
+            </a:br>
+            <a:r>
+              <a:rPr lang="ru" sz="1400" dirty="0"/>
+              <a:t>Управляйте звуком и рекордами.</a:t>
+            </a:r>
+            <a:endParaRPr sz="1400" dirty="0"/>
           </a:p>
           <a:p>
-            <a:pPr indent="0" lvl="0" marL="457200" rtl="0" algn="l">
-              <a:spcBef>
-                <a:spcPts val="1200"/>
-              </a:spcBef>
-              <a:spcAft>
-                <a:spcPts val="0"/>
-              </a:spcAft>
-              <a:buNone/>
-            </a:pPr>
-            <a:r>
-              <a:rPr lang="ru" sz="1600"/>
-              <a:t>Управляйте звуком и рекордами.</a:t>
-            </a:r>
-            <a:endParaRPr sz="1600"/>
-          </a:p>
-          <a:p>
-            <a:pPr indent="-368300" lvl="0" marL="457200" rtl="0" algn="l">
+            <a:pPr marL="457200" lvl="0" indent="-368300" algn="l" rtl="0">
               <a:spcBef>
                 <a:spcPts val="1200"/>
               </a:spcBef>
@@ -8384,59 +8438,55 @@
               <a:buChar char="●"/>
             </a:pPr>
             <a:r>
-              <a:rPr lang="ru" sz="2200"/>
+              <a:rPr lang="ru" sz="2000" dirty="0"/>
               <a:t>Динамичный счет</a:t>
             </a:r>
-            <a:endParaRPr sz="2200"/>
+            <a:br>
+              <a:rPr lang="ru" sz="2000" dirty="0"/>
+            </a:br>
+            <a:r>
+              <a:rPr lang="ru" sz="1400" dirty="0"/>
+              <a:t>Счет растет со временем и меткостью.</a:t>
+            </a:r>
+            <a:endParaRPr sz="2000" dirty="0"/>
           </a:p>
           <a:p>
-            <a:pPr indent="0" lvl="0" marL="457200" rtl="0" algn="l">
+            <a:pPr lvl="0" indent="-368300">
               <a:spcBef>
                 <a:spcPts val="1200"/>
               </a:spcBef>
-              <a:spcAft>
-                <a:spcPts val="0"/>
-              </a:spcAft>
-              <a:buNone/>
+              <a:buSzPts val="2200"/>
             </a:pPr>
             <a:r>
-              <a:rPr lang="ru" sz="1600"/>
-              <a:t>Счет растет со временем и меткостью.</a:t>
+              <a:rPr lang="ru-RU" sz="2000" dirty="0"/>
+              <a:t>Система счета жизней</a:t>
             </a:r>
-            <a:endParaRPr sz="2200"/>
+            <a:br>
+              <a:rPr lang="ru-RU" sz="2000" dirty="0"/>
+            </a:br>
+            <a:r>
+              <a:rPr lang="ru-RU" sz="1400" dirty="0"/>
+              <a:t>Жизни уменьшаются при столкновениях. </a:t>
+            </a:r>
           </a:p>
           <a:p>
-            <a:pPr indent="-368300" lvl="0" marL="457200" rtl="0" algn="l">
+            <a:pPr lvl="0" indent="-368300">
               <a:spcBef>
                 <a:spcPts val="1200"/>
               </a:spcBef>
-              <a:spcAft>
-                <a:spcPts val="0"/>
-              </a:spcAft>
               <a:buSzPts val="2200"/>
-              <a:buChar char="●"/>
             </a:pPr>
             <a:r>
-              <a:rPr lang="ru" sz="2200"/>
-              <a:t>Система счета жизней</a:t>
+              <a:rPr lang="ru-RU" sz="2000" dirty="0"/>
+              <a:t>Добавлено</a:t>
             </a:r>
-            <a:endParaRPr sz="2200"/>
-          </a:p>
-          <a:p>
-            <a:pPr indent="0" lvl="0" marL="457200" rtl="0" algn="l">
-              <a:spcBef>
-                <a:spcPts val="1200"/>
-              </a:spcBef>
-              <a:spcAft>
-                <a:spcPts val="1200"/>
-              </a:spcAft>
-              <a:buNone/>
-            </a:pPr>
+            <a:br>
+              <a:rPr lang="ru-RU" sz="2000" dirty="0"/>
+            </a:br>
             <a:r>
-              <a:rPr lang="ru" sz="1600"/>
-              <a:t>Жизни уменьшаются при столкновениях.</a:t>
+              <a:rPr lang="ru-RU" sz="1400" dirty="0"/>
+              <a:t>2 вида астероидов и сломанных спутников, крутящихся вокруг своей оси.</a:t>
             </a:r>
-            <a:endParaRPr sz="1600"/>
           </a:p>
         </p:txBody>
       </p:sp>
@@ -8477,11 +8527,11 @@
 </file>
 
 <file path=ppt/slides/slide9.xml><?xml version="1.0" encoding="utf-8"?>
-<p:sld xmlns:a="http://schemas.openxmlformats.org/drawingml/2006/main" xmlns:r="http://schemas.openxmlformats.org/officeDocument/2006/relationships" xmlns:mc="http://schemas.openxmlformats.org/markup-compatibility/2006" xmlns:mv="urn:schemas-microsoft-com:mac:vml" xmlns:p="http://schemas.openxmlformats.org/presentationml/2006/main" xmlns:c="http://schemas.openxmlformats.org/drawingml/2006/chart" xmlns:dgm="http://schemas.openxmlformats.org/drawingml/2006/diagram" xmlns:o="urn:schemas-microsoft-com:office:office" xmlns:v="urn:schemas-microsoft-com:vml" xmlns:pvml="urn:schemas-microsoft-com:office:powerpoint" xmlns:com="http://schemas.openxmlformats.org/drawingml/2006/compatibility" xmlns:p14="http://schemas.microsoft.com/office/powerpoint/2010/main" xmlns:p15="http://schemas.microsoft.com/office/powerpoint/2012/main" xmlns:ahyp="http://schemas.microsoft.com/office/drawing/2018/hyperlinkcolor">
+<p:sld xmlns:a="http://schemas.openxmlformats.org/drawingml/2006/main" xmlns:r="http://schemas.openxmlformats.org/officeDocument/2006/relationships" xmlns:p="http://schemas.openxmlformats.org/presentationml/2006/main">
   <p:cSld>
     <p:spTree>
       <p:nvGrpSpPr>
-        <p:cNvPr id="117" name="Shape 117"/>
+        <p:cNvPr id="1" name="Shape 117"/>
         <p:cNvGrpSpPr/>
         <p:nvPr/>
       </p:nvGrpSpPr>
@@ -8496,7 +8546,9 @@
       <p:sp>
         <p:nvSpPr>
           <p:cNvPr id="118" name="Google Shape;118;p21"/>
-          <p:cNvSpPr txBox="1"/>
+          <p:cNvSpPr txBox="1">
+            <a:spLocks noGrp="1"/>
+          </p:cNvSpPr>
           <p:nvPr>
             <p:ph type="title"/>
           </p:nvPr>
@@ -8511,12 +8563,12 @@
           </a:prstGeom>
         </p:spPr>
         <p:txBody>
-          <a:bodyPr anchorCtr="0" anchor="b" bIns="91425" lIns="91425" spcFirstLastPara="1" rIns="91425" wrap="square" tIns="91425">
+          <a:bodyPr spcFirstLastPara="1" wrap="square" lIns="91425" tIns="91425" rIns="91425" bIns="91425" anchor="b" anchorCtr="0">
             <a:normAutofit/>
           </a:bodyPr>
           <a:lstStyle/>
           <a:p>
-            <a:pPr indent="0" lvl="0" marL="0" rtl="0" algn="l">
+            <a:pPr marL="0" lvl="0" indent="0" algn="l" rtl="0">
               <a:spcBef>
                 <a:spcPts val="0"/>
               </a:spcBef>
@@ -8536,27 +8588,79 @@
       <p:sp>
         <p:nvSpPr>
           <p:cNvPr id="119" name="Google Shape;119;p21"/>
-          <p:cNvSpPr txBox="1"/>
+          <p:cNvSpPr txBox="1">
+            <a:spLocks noGrp="1"/>
+          </p:cNvSpPr>
           <p:nvPr>
-            <p:ph idx="1" type="body"/>
+            <p:ph type="body" idx="1"/>
           </p:nvPr>
         </p:nvSpPr>
         <p:spPr>
           <a:xfrm>
             <a:off x="387900" y="1489825"/>
-            <a:ext cx="4184100" cy="3341700"/>
+            <a:ext cx="4184100" cy="3996448"/>
           </a:xfrm>
           <a:prstGeom prst="rect">
             <a:avLst/>
           </a:prstGeom>
         </p:spPr>
         <p:txBody>
-          <a:bodyPr anchorCtr="0" anchor="t" bIns="91425" lIns="91425" spcFirstLastPara="1" rIns="91425" wrap="square" tIns="91425">
+          <a:bodyPr spcFirstLastPara="1" wrap="square" lIns="91425" tIns="91425" rIns="91425" bIns="91425" anchor="t" anchorCtr="0">
             <a:spAutoFit/>
           </a:bodyPr>
           <a:lstStyle/>
           <a:p>
-            <a:pPr indent="-368300" lvl="0" marL="457200" rtl="0" algn="l">
+            <a:pPr lvl="0" indent="-368300">
+              <a:buSzPts val="2200"/>
+            </a:pPr>
+            <a:r>
+              <a:rPr lang="ru" sz="2000" dirty="0"/>
+              <a:t>Увлекательный игровой опыт.</a:t>
+            </a:r>
+            <a:r>
+              <a:rPr lang="ru" sz="2000" dirty="0">
+                <a:solidFill>
+                  <a:schemeClr val="tx1"/>
+                </a:solidFill>
+              </a:rPr>
+              <a:t> </a:t>
+            </a:r>
+            <a:br>
+              <a:rPr lang="ru" sz="2000" dirty="0">
+                <a:solidFill>
+                  <a:schemeClr val="tx1"/>
+                </a:solidFill>
+              </a:rPr>
+            </a:br>
+            <a:endParaRPr sz="2000" dirty="0"/>
+          </a:p>
+          <a:p>
+            <a:pPr lvl="0" indent="-368300">
+              <a:buSzPts val="2200"/>
+            </a:pPr>
+            <a:r>
+              <a:rPr lang="ru" sz="2000" dirty="0"/>
+              <a:t>Простая механика и возможность отслеживать прогресс.</a:t>
+            </a:r>
+            <a:r>
+              <a:rPr lang="ru" sz="2000" dirty="0">
+                <a:solidFill>
+                  <a:schemeClr val="tx1"/>
+                </a:solidFill>
+              </a:rPr>
+              <a:t> </a:t>
+            </a:r>
+            <a:br>
+              <a:rPr lang="ru" sz="2000" dirty="0">
+                <a:solidFill>
+                  <a:schemeClr val="tx1"/>
+                </a:solidFill>
+              </a:rPr>
+            </a:br>
+            <a:endParaRPr sz="2000" dirty="0"/>
+          </a:p>
+          <a:p>
+            <a:pPr marL="457200" lvl="0" indent="-368300" algn="l" rtl="0">
               <a:spcBef>
                 <a:spcPts val="0"/>
               </a:spcBef>
@@ -8567,65 +8671,28 @@
               <a:buChar char="●"/>
             </a:pPr>
             <a:r>
-              <a:rPr lang="ru" sz="2200"/>
-              <a:t>Увлекательный игровой опыт.</a:t>
+              <a:rPr lang="ru" sz="2000" dirty="0"/>
+              <a:t>Устанавливайте новые рекорды</a:t>
             </a:r>
-            <a:endParaRPr sz="2200"/>
+            <a:endParaRPr sz="2000" dirty="0"/>
           </a:p>
           <a:p>
-            <a:pPr indent="-368300" lvl="0" marL="457200" rtl="0" algn="l">
-              <a:spcBef>
-                <a:spcPts val="0"/>
-              </a:spcBef>
-              <a:spcAft>
-                <a:spcPts val="0"/>
-              </a:spcAft>
-              <a:buSzPts val="2200"/>
-              <a:buChar char="●"/>
+            <a:pPr marL="0" lvl="0" indent="0" algn="l" rtl="0">
+              <a:spcBef>
+                <a:spcPts val="1200"/>
+              </a:spcBef>
+              <a:spcAft>
+                <a:spcPts val="1200"/>
+              </a:spcAft>
+              <a:buNone/>
             </a:pPr>
-            <a:r>
-              <a:rPr lang="ru" sz="2200"/>
-              <a:t>Простая механика и возможность отслеживать прогресс.</a:t>
-            </a:r>
-            <a:endParaRPr sz="2200"/>
-          </a:p>
-          <a:p>
-            <a:pPr indent="-368300" lvl="0" marL="457200" rtl="0" algn="l">
-              <a:spcBef>
-                <a:spcPts val="0"/>
-              </a:spcBef>
-              <a:spcAft>
-                <a:spcPts val="0"/>
-              </a:spcAft>
-              <a:buSzPts val="2200"/>
-              <a:buChar char="●"/>
-            </a:pPr>
-            <a:r>
-              <a:rPr lang="ru" sz="2200"/>
-              <a:t>Устанавливайте новые рекорды</a:t>
-            </a:r>
-            <a:endParaRPr sz="2200"/>
-          </a:p>
-          <a:p>
-            <a:pPr indent="0" lvl="0" marL="0" rtl="0" algn="l">
-              <a:spcBef>
-                <a:spcPts val="1200"/>
-              </a:spcBef>
-              <a:spcAft>
-                <a:spcPts val="1200"/>
-              </a:spcAft>
-              <a:buNone/>
-            </a:pPr>
-            <a:r>
-              <a:t/>
-            </a:r>
-            <a:endParaRPr/>
+            <a:endParaRPr dirty="0"/>
           </a:p>
         </p:txBody>
       </p:sp>
       <p:pic>
         <p:nvPicPr>
-          <p:cNvPr descr="the word press start is written in pixel art style (источник: Tenor)" id="120" name="Google Shape;120;p21"/>
+          <p:cNvPr id="120" name="Google Shape;120;p21" descr="the word press start is written in pixel art style (источник: Tenor)"/>
           <p:cNvPicPr preferRelativeResize="0"/>
           <p:nvPr/>
         </p:nvPicPr>
@@ -8660,7 +8727,7 @@
 </file>
 
 <file path=ppt/theme/theme1.xml><?xml version="1.0" encoding="utf-8"?>
-<a:theme xmlns:a="http://schemas.openxmlformats.org/drawingml/2006/main" xmlns:r="http://schemas.openxmlformats.org/officeDocument/2006/relationships" name="Marina">
+<a:theme xmlns:a="http://schemas.openxmlformats.org/drawingml/2006/main" name="Marina">
   <a:themeElements>
     <a:clrScheme name="Marina">
       <a:dk1>
@@ -8935,11 +9002,13 @@
       </a:bgFillStyleLst>
     </a:fmtScheme>
   </a:themeElements>
+  <a:objectDefaults/>
+  <a:extraClrSchemeLst/>
 </a:theme>
 </file>
 
 <file path=ppt/theme/theme2.xml><?xml version="1.0" encoding="utf-8"?>
-<a:theme xmlns:a="http://schemas.openxmlformats.org/drawingml/2006/main" xmlns:r="http://schemas.openxmlformats.org/officeDocument/2006/relationships">
+<a:theme xmlns:a="http://schemas.openxmlformats.org/drawingml/2006/main">
   <a:themeElements>
     <a:clrScheme name="Default">
       <a:dk1>
@@ -9214,5 +9283,7 @@
       </a:bgFillStyleLst>
     </a:fmtScheme>
   </a:themeElements>
+  <a:objectDefaults/>
+  <a:extraClrSchemeLst/>
 </a:theme>
 </file>